--- a/c++.pptx
+++ b/c++.pptx
@@ -4,9 +4,36 @@
   <p:sldMasterIdLst>
     <p:sldMasterId id="2147483660" r:id="rId1"/>
   </p:sldMasterIdLst>
+  <p:notesMasterIdLst>
+    <p:notesMasterId r:id="rId28"/>
+  </p:notesMasterIdLst>
   <p:sldIdLst>
     <p:sldId id="256" r:id="rId2"/>
     <p:sldId id="257" r:id="rId3"/>
+    <p:sldId id="258" r:id="rId4"/>
+    <p:sldId id="267" r:id="rId5"/>
+    <p:sldId id="259" r:id="rId6"/>
+    <p:sldId id="260" r:id="rId7"/>
+    <p:sldId id="261" r:id="rId8"/>
+    <p:sldId id="262" r:id="rId9"/>
+    <p:sldId id="263" r:id="rId10"/>
+    <p:sldId id="264" r:id="rId11"/>
+    <p:sldId id="268" r:id="rId12"/>
+    <p:sldId id="269" r:id="rId13"/>
+    <p:sldId id="270" r:id="rId14"/>
+    <p:sldId id="265" r:id="rId15"/>
+    <p:sldId id="271" r:id="rId16"/>
+    <p:sldId id="266" r:id="rId17"/>
+    <p:sldId id="272" r:id="rId18"/>
+    <p:sldId id="273" r:id="rId19"/>
+    <p:sldId id="274" r:id="rId20"/>
+    <p:sldId id="276" r:id="rId21"/>
+    <p:sldId id="277" r:id="rId22"/>
+    <p:sldId id="278" r:id="rId23"/>
+    <p:sldId id="275" r:id="rId24"/>
+    <p:sldId id="279" r:id="rId25"/>
+    <p:sldId id="280" r:id="rId26"/>
+    <p:sldId id="281" r:id="rId27"/>
   </p:sldIdLst>
   <p:sldSz cx="9144000" cy="6858000" type="screen4x3"/>
   <p:notesSz cx="6858000" cy="9144000"/>
@@ -108,6 +135,1974 @@
 </p:presentation>
 </file>
 
+<file path=ppt/notesMasters/notesMaster1.xml><?xml version="1.0" encoding="utf-8"?>
+<p:notesMaster xmlns:a="http://schemas.openxmlformats.org/drawingml/2006/main" xmlns:r="http://schemas.openxmlformats.org/officeDocument/2006/relationships" xmlns:p="http://schemas.openxmlformats.org/presentationml/2006/main">
+  <p:cSld>
+    <p:bg>
+      <p:bgRef idx="1001">
+        <a:schemeClr val="bg1"/>
+      </p:bgRef>
+    </p:bg>
+    <p:spTree>
+      <p:nvGrpSpPr>
+        <p:cNvPr id="1" name=""/>
+        <p:cNvGrpSpPr/>
+        <p:nvPr/>
+      </p:nvGrpSpPr>
+      <p:grpSpPr>
+        <a:xfrm>
+          <a:off x="0" y="0"/>
+          <a:ext cx="0" cy="0"/>
+          <a:chOff x="0" y="0"/>
+          <a:chExt cx="0" cy="0"/>
+        </a:xfrm>
+      </p:grpSpPr>
+      <p:sp>
+        <p:nvSpPr>
+          <p:cNvPr id="2" name="Header Placeholder 1"/>
+          <p:cNvSpPr>
+            <a:spLocks noGrp="1"/>
+          </p:cNvSpPr>
+          <p:nvPr>
+            <p:ph type="hdr" sz="quarter"/>
+          </p:nvPr>
+        </p:nvSpPr>
+        <p:spPr>
+          <a:xfrm>
+            <a:off x="0" y="0"/>
+            <a:ext cx="2971800" cy="457200"/>
+          </a:xfrm>
+          <a:prstGeom prst="rect">
+            <a:avLst/>
+          </a:prstGeom>
+        </p:spPr>
+        <p:txBody>
+          <a:bodyPr vert="horz" lIns="91440" tIns="45720" rIns="91440" bIns="45720" rtlCol="0"/>
+          <a:lstStyle>
+            <a:lvl1pPr algn="l">
+              <a:defRPr sz="1200"/>
+            </a:lvl1pPr>
+          </a:lstStyle>
+          <a:p>
+            <a:endParaRPr lang="en-IN"/>
+          </a:p>
+        </p:txBody>
+      </p:sp>
+      <p:sp>
+        <p:nvSpPr>
+          <p:cNvPr id="3" name="Date Placeholder 2"/>
+          <p:cNvSpPr>
+            <a:spLocks noGrp="1"/>
+          </p:cNvSpPr>
+          <p:nvPr>
+            <p:ph type="dt" idx="1"/>
+          </p:nvPr>
+        </p:nvSpPr>
+        <p:spPr>
+          <a:xfrm>
+            <a:off x="3884613" y="0"/>
+            <a:ext cx="2971800" cy="457200"/>
+          </a:xfrm>
+          <a:prstGeom prst="rect">
+            <a:avLst/>
+          </a:prstGeom>
+        </p:spPr>
+        <p:txBody>
+          <a:bodyPr vert="horz" lIns="91440" tIns="45720" rIns="91440" bIns="45720" rtlCol="0"/>
+          <a:lstStyle>
+            <a:lvl1pPr algn="r">
+              <a:defRPr sz="1200"/>
+            </a:lvl1pPr>
+          </a:lstStyle>
+          <a:p>
+            <a:fld id="{4526B87A-6787-4736-B2DC-C272D04DFCAA}" type="datetimeFigureOut">
+              <a:rPr lang="en-IN" smtClean="0"/>
+              <a:t>14-04-2015</a:t>
+            </a:fld>
+            <a:endParaRPr lang="en-IN"/>
+          </a:p>
+        </p:txBody>
+      </p:sp>
+      <p:sp>
+        <p:nvSpPr>
+          <p:cNvPr id="4" name="Slide Image Placeholder 3"/>
+          <p:cNvSpPr>
+            <a:spLocks noGrp="1" noRot="1" noChangeAspect="1"/>
+          </p:cNvSpPr>
+          <p:nvPr>
+            <p:ph type="sldImg" idx="2"/>
+          </p:nvPr>
+        </p:nvSpPr>
+        <p:spPr>
+          <a:xfrm>
+            <a:off x="1143000" y="685800"/>
+            <a:ext cx="4572000" cy="3429000"/>
+          </a:xfrm>
+          <a:prstGeom prst="rect">
+            <a:avLst/>
+          </a:prstGeom>
+          <a:noFill/>
+          <a:ln w="12700">
+            <a:solidFill>
+              <a:prstClr val="black"/>
+            </a:solidFill>
+          </a:ln>
+        </p:spPr>
+        <p:txBody>
+          <a:bodyPr vert="horz" lIns="91440" tIns="45720" rIns="91440" bIns="45720" rtlCol="0" anchor="ctr"/>
+          <a:lstStyle/>
+          <a:p>
+            <a:endParaRPr lang="en-IN"/>
+          </a:p>
+        </p:txBody>
+      </p:sp>
+      <p:sp>
+        <p:nvSpPr>
+          <p:cNvPr id="5" name="Notes Placeholder 4"/>
+          <p:cNvSpPr>
+            <a:spLocks noGrp="1"/>
+          </p:cNvSpPr>
+          <p:nvPr>
+            <p:ph type="body" sz="quarter" idx="3"/>
+          </p:nvPr>
+        </p:nvSpPr>
+        <p:spPr>
+          <a:xfrm>
+            <a:off x="685800" y="4343400"/>
+            <a:ext cx="5486400" cy="4114800"/>
+          </a:xfrm>
+          <a:prstGeom prst="rect">
+            <a:avLst/>
+          </a:prstGeom>
+        </p:spPr>
+        <p:txBody>
+          <a:bodyPr vert="horz" lIns="91440" tIns="45720" rIns="91440" bIns="45720" rtlCol="0">
+            <a:normAutofit/>
+          </a:bodyPr>
+          <a:lstStyle/>
+          <a:p>
+            <a:pPr lvl="0"/>
+            <a:r>
+              <a:rPr lang="en-US" smtClean="0"/>
+              <a:t>Click to edit Master text styles</a:t>
+            </a:r>
+          </a:p>
+          <a:p>
+            <a:pPr lvl="1"/>
+            <a:r>
+              <a:rPr lang="en-US" smtClean="0"/>
+              <a:t>Second level</a:t>
+            </a:r>
+          </a:p>
+          <a:p>
+            <a:pPr lvl="2"/>
+            <a:r>
+              <a:rPr lang="en-US" smtClean="0"/>
+              <a:t>Third level</a:t>
+            </a:r>
+          </a:p>
+          <a:p>
+            <a:pPr lvl="3"/>
+            <a:r>
+              <a:rPr lang="en-US" smtClean="0"/>
+              <a:t>Fourth level</a:t>
+            </a:r>
+          </a:p>
+          <a:p>
+            <a:pPr lvl="4"/>
+            <a:r>
+              <a:rPr lang="en-US" smtClean="0"/>
+              <a:t>Fifth level</a:t>
+            </a:r>
+            <a:endParaRPr lang="en-IN"/>
+          </a:p>
+        </p:txBody>
+      </p:sp>
+      <p:sp>
+        <p:nvSpPr>
+          <p:cNvPr id="6" name="Footer Placeholder 5"/>
+          <p:cNvSpPr>
+            <a:spLocks noGrp="1"/>
+          </p:cNvSpPr>
+          <p:nvPr>
+            <p:ph type="ftr" sz="quarter" idx="4"/>
+          </p:nvPr>
+        </p:nvSpPr>
+        <p:spPr>
+          <a:xfrm>
+            <a:off x="0" y="8685213"/>
+            <a:ext cx="2971800" cy="457200"/>
+          </a:xfrm>
+          <a:prstGeom prst="rect">
+            <a:avLst/>
+          </a:prstGeom>
+        </p:spPr>
+        <p:txBody>
+          <a:bodyPr vert="horz" lIns="91440" tIns="45720" rIns="91440" bIns="45720" rtlCol="0" anchor="b"/>
+          <a:lstStyle>
+            <a:lvl1pPr algn="l">
+              <a:defRPr sz="1200"/>
+            </a:lvl1pPr>
+          </a:lstStyle>
+          <a:p>
+            <a:endParaRPr lang="en-IN"/>
+          </a:p>
+        </p:txBody>
+      </p:sp>
+      <p:sp>
+        <p:nvSpPr>
+          <p:cNvPr id="7" name="Slide Number Placeholder 6"/>
+          <p:cNvSpPr>
+            <a:spLocks noGrp="1"/>
+          </p:cNvSpPr>
+          <p:nvPr>
+            <p:ph type="sldNum" sz="quarter" idx="5"/>
+          </p:nvPr>
+        </p:nvSpPr>
+        <p:spPr>
+          <a:xfrm>
+            <a:off x="3884613" y="8685213"/>
+            <a:ext cx="2971800" cy="457200"/>
+          </a:xfrm>
+          <a:prstGeom prst="rect">
+            <a:avLst/>
+          </a:prstGeom>
+        </p:spPr>
+        <p:txBody>
+          <a:bodyPr vert="horz" lIns="91440" tIns="45720" rIns="91440" bIns="45720" rtlCol="0" anchor="b"/>
+          <a:lstStyle>
+            <a:lvl1pPr algn="r">
+              <a:defRPr sz="1200"/>
+            </a:lvl1pPr>
+          </a:lstStyle>
+          <a:p>
+            <a:fld id="{0865DB13-C0EA-4E4C-9C97-3546718EA88E}" type="slidenum">
+              <a:rPr lang="en-IN" smtClean="0"/>
+              <a:t>‹#›</a:t>
+            </a:fld>
+            <a:endParaRPr lang="en-IN"/>
+          </a:p>
+        </p:txBody>
+      </p:sp>
+    </p:spTree>
+  </p:cSld>
+  <p:clrMap bg1="lt1" tx1="dk1" bg2="lt2" tx2="dk2" accent1="accent1" accent2="accent2" accent3="accent3" accent4="accent4" accent5="accent5" accent6="accent6" hlink="hlink" folHlink="folHlink"/>
+  <p:notesStyle>
+    <a:lvl1pPr marL="0" algn="l" defTabSz="914400" rtl="0" eaLnBrk="1" latinLnBrk="0" hangingPunct="1">
+      <a:defRPr sz="1200" kern="1200">
+        <a:solidFill>
+          <a:schemeClr val="tx1"/>
+        </a:solidFill>
+        <a:latin typeface="+mn-lt"/>
+        <a:ea typeface="+mn-ea"/>
+        <a:cs typeface="+mn-cs"/>
+      </a:defRPr>
+    </a:lvl1pPr>
+    <a:lvl2pPr marL="457200" algn="l" defTabSz="914400" rtl="0" eaLnBrk="1" latinLnBrk="0" hangingPunct="1">
+      <a:defRPr sz="1200" kern="1200">
+        <a:solidFill>
+          <a:schemeClr val="tx1"/>
+        </a:solidFill>
+        <a:latin typeface="+mn-lt"/>
+        <a:ea typeface="+mn-ea"/>
+        <a:cs typeface="+mn-cs"/>
+      </a:defRPr>
+    </a:lvl2pPr>
+    <a:lvl3pPr marL="914400" algn="l" defTabSz="914400" rtl="0" eaLnBrk="1" latinLnBrk="0" hangingPunct="1">
+      <a:defRPr sz="1200" kern="1200">
+        <a:solidFill>
+          <a:schemeClr val="tx1"/>
+        </a:solidFill>
+        <a:latin typeface="+mn-lt"/>
+        <a:ea typeface="+mn-ea"/>
+        <a:cs typeface="+mn-cs"/>
+      </a:defRPr>
+    </a:lvl3pPr>
+    <a:lvl4pPr marL="1371600" algn="l" defTabSz="914400" rtl="0" eaLnBrk="1" latinLnBrk="0" hangingPunct="1">
+      <a:defRPr sz="1200" kern="1200">
+        <a:solidFill>
+          <a:schemeClr val="tx1"/>
+        </a:solidFill>
+        <a:latin typeface="+mn-lt"/>
+        <a:ea typeface="+mn-ea"/>
+        <a:cs typeface="+mn-cs"/>
+      </a:defRPr>
+    </a:lvl4pPr>
+    <a:lvl5pPr marL="1828800" algn="l" defTabSz="914400" rtl="0" eaLnBrk="1" latinLnBrk="0" hangingPunct="1">
+      <a:defRPr sz="1200" kern="1200">
+        <a:solidFill>
+          <a:schemeClr val="tx1"/>
+        </a:solidFill>
+        <a:latin typeface="+mn-lt"/>
+        <a:ea typeface="+mn-ea"/>
+        <a:cs typeface="+mn-cs"/>
+      </a:defRPr>
+    </a:lvl5pPr>
+    <a:lvl6pPr marL="2286000" algn="l" defTabSz="914400" rtl="0" eaLnBrk="1" latinLnBrk="0" hangingPunct="1">
+      <a:defRPr sz="1200" kern="1200">
+        <a:solidFill>
+          <a:schemeClr val="tx1"/>
+        </a:solidFill>
+        <a:latin typeface="+mn-lt"/>
+        <a:ea typeface="+mn-ea"/>
+        <a:cs typeface="+mn-cs"/>
+      </a:defRPr>
+    </a:lvl6pPr>
+    <a:lvl7pPr marL="2743200" algn="l" defTabSz="914400" rtl="0" eaLnBrk="1" latinLnBrk="0" hangingPunct="1">
+      <a:defRPr sz="1200" kern="1200">
+        <a:solidFill>
+          <a:schemeClr val="tx1"/>
+        </a:solidFill>
+        <a:latin typeface="+mn-lt"/>
+        <a:ea typeface="+mn-ea"/>
+        <a:cs typeface="+mn-cs"/>
+      </a:defRPr>
+    </a:lvl7pPr>
+    <a:lvl8pPr marL="3200400" algn="l" defTabSz="914400" rtl="0" eaLnBrk="1" latinLnBrk="0" hangingPunct="1">
+      <a:defRPr sz="1200" kern="1200">
+        <a:solidFill>
+          <a:schemeClr val="tx1"/>
+        </a:solidFill>
+        <a:latin typeface="+mn-lt"/>
+        <a:ea typeface="+mn-ea"/>
+        <a:cs typeface="+mn-cs"/>
+      </a:defRPr>
+    </a:lvl8pPr>
+    <a:lvl9pPr marL="3657600" algn="l" defTabSz="914400" rtl="0" eaLnBrk="1" latinLnBrk="0" hangingPunct="1">
+      <a:defRPr sz="1200" kern="1200">
+        <a:solidFill>
+          <a:schemeClr val="tx1"/>
+        </a:solidFill>
+        <a:latin typeface="+mn-lt"/>
+        <a:ea typeface="+mn-ea"/>
+        <a:cs typeface="+mn-cs"/>
+      </a:defRPr>
+    </a:lvl9pPr>
+  </p:notesStyle>
+</p:notesMaster>
+</file>
+
+<file path=ppt/notesSlides/notesSlide1.xml><?xml version="1.0" encoding="utf-8"?>
+<p:notes xmlns:a="http://schemas.openxmlformats.org/drawingml/2006/main" xmlns:r="http://schemas.openxmlformats.org/officeDocument/2006/relationships" xmlns:p="http://schemas.openxmlformats.org/presentationml/2006/main">
+  <p:cSld>
+    <p:spTree>
+      <p:nvGrpSpPr>
+        <p:cNvPr id="1" name=""/>
+        <p:cNvGrpSpPr/>
+        <p:nvPr/>
+      </p:nvGrpSpPr>
+      <p:grpSpPr>
+        <a:xfrm>
+          <a:off x="0" y="0"/>
+          <a:ext cx="0" cy="0"/>
+          <a:chOff x="0" y="0"/>
+          <a:chExt cx="0" cy="0"/>
+        </a:xfrm>
+      </p:grpSpPr>
+      <p:sp>
+        <p:nvSpPr>
+          <p:cNvPr id="2" name="Slide Image Placeholder 1"/>
+          <p:cNvSpPr>
+            <a:spLocks noGrp="1" noRot="1" noChangeAspect="1"/>
+          </p:cNvSpPr>
+          <p:nvPr>
+            <p:ph type="sldImg"/>
+          </p:nvPr>
+        </p:nvSpPr>
+        <p:spPr/>
+      </p:sp>
+      <p:sp>
+        <p:nvSpPr>
+          <p:cNvPr id="3" name="Notes Placeholder 2"/>
+          <p:cNvSpPr>
+            <a:spLocks noGrp="1"/>
+          </p:cNvSpPr>
+          <p:nvPr>
+            <p:ph type="body" idx="1"/>
+          </p:nvPr>
+        </p:nvSpPr>
+        <p:spPr/>
+        <p:txBody>
+          <a:bodyPr>
+            <a:normAutofit/>
+          </a:bodyPr>
+          <a:lstStyle/>
+          <a:p>
+            <a:r>
+              <a:rPr lang="en-IN" dirty="0" smtClean="0"/>
+              <a:t>Procedural -&gt; focussed on applying algorithm to data which is fed as input parameter or shared data</a:t>
+            </a:r>
+          </a:p>
+          <a:p>
+            <a:r>
+              <a:rPr lang="en-IN" dirty="0" smtClean="0"/>
+              <a:t>Object Oriented -&gt; focussed on modelling data into</a:t>
+            </a:r>
+            <a:r>
+              <a:rPr lang="en-IN" baseline="0" dirty="0" smtClean="0"/>
+              <a:t> classes and providing interfaces to modify data. No shared data in Good OO Class</a:t>
+            </a:r>
+          </a:p>
+          <a:p>
+            <a:endParaRPr lang="en-IN" dirty="0" smtClean="0"/>
+          </a:p>
+          <a:p>
+            <a:r>
+              <a:rPr lang="en-IN" dirty="0" smtClean="0"/>
+              <a:t>Pros and Cons</a:t>
+            </a:r>
+          </a:p>
+          <a:p>
+            <a:pPr marL="228600" indent="-228600">
+              <a:buAutoNum type="arabicPeriod"/>
+            </a:pPr>
+            <a:r>
+              <a:rPr lang="en-IN" baseline="0" dirty="0" smtClean="0"/>
+              <a:t>Procedural -&gt; change in global data has avalanche effect, not in OO</a:t>
+            </a:r>
+          </a:p>
+          <a:p>
+            <a:pPr marL="228600" indent="-228600">
+              <a:buAutoNum type="arabicPeriod"/>
+            </a:pPr>
+            <a:r>
+              <a:rPr lang="en-IN" baseline="0" dirty="0" smtClean="0"/>
+              <a:t>Object Oriented -&gt; Mode difficult to implement, requires change in thinking. Procedural languages are there for decades.</a:t>
+            </a:r>
+            <a:endParaRPr lang="en-IN" dirty="0"/>
+          </a:p>
+        </p:txBody>
+      </p:sp>
+      <p:sp>
+        <p:nvSpPr>
+          <p:cNvPr id="4" name="Slide Number Placeholder 3"/>
+          <p:cNvSpPr>
+            <a:spLocks noGrp="1"/>
+          </p:cNvSpPr>
+          <p:nvPr>
+            <p:ph type="sldNum" sz="quarter" idx="10"/>
+          </p:nvPr>
+        </p:nvSpPr>
+        <p:spPr/>
+        <p:txBody>
+          <a:bodyPr/>
+          <a:lstStyle/>
+          <a:p>
+            <a:fld id="{0865DB13-C0EA-4E4C-9C97-3546718EA88E}" type="slidenum">
+              <a:rPr lang="en-IN" smtClean="0"/>
+              <a:t>3</a:t>
+            </a:fld>
+            <a:endParaRPr lang="en-IN"/>
+          </a:p>
+        </p:txBody>
+      </p:sp>
+    </p:spTree>
+  </p:cSld>
+  <p:clrMapOvr>
+    <a:masterClrMapping/>
+  </p:clrMapOvr>
+</p:notes>
+</file>
+
+<file path=ppt/notesSlides/notesSlide10.xml><?xml version="1.0" encoding="utf-8"?>
+<p:notes xmlns:a="http://schemas.openxmlformats.org/drawingml/2006/main" xmlns:r="http://schemas.openxmlformats.org/officeDocument/2006/relationships" xmlns:p="http://schemas.openxmlformats.org/presentationml/2006/main">
+  <p:cSld>
+    <p:spTree>
+      <p:nvGrpSpPr>
+        <p:cNvPr id="1" name=""/>
+        <p:cNvGrpSpPr/>
+        <p:nvPr/>
+      </p:nvGrpSpPr>
+      <p:grpSpPr>
+        <a:xfrm>
+          <a:off x="0" y="0"/>
+          <a:ext cx="0" cy="0"/>
+          <a:chOff x="0" y="0"/>
+          <a:chExt cx="0" cy="0"/>
+        </a:xfrm>
+      </p:grpSpPr>
+      <p:sp>
+        <p:nvSpPr>
+          <p:cNvPr id="2" name="Slide Image Placeholder 1"/>
+          <p:cNvSpPr>
+            <a:spLocks noGrp="1" noRot="1" noChangeAspect="1"/>
+          </p:cNvSpPr>
+          <p:nvPr>
+            <p:ph type="sldImg"/>
+          </p:nvPr>
+        </p:nvSpPr>
+        <p:spPr/>
+      </p:sp>
+      <p:sp>
+        <p:nvSpPr>
+          <p:cNvPr id="3" name="Notes Placeholder 2"/>
+          <p:cNvSpPr>
+            <a:spLocks noGrp="1"/>
+          </p:cNvSpPr>
+          <p:nvPr>
+            <p:ph type="body" idx="1"/>
+          </p:nvPr>
+        </p:nvSpPr>
+        <p:spPr/>
+        <p:txBody>
+          <a:bodyPr>
+            <a:normAutofit/>
+          </a:bodyPr>
+          <a:lstStyle/>
+          <a:p>
+            <a:r>
+              <a:rPr lang="en-IN" sz="1200" i="0" kern="1200" dirty="0" err="1" smtClean="0">
+                <a:solidFill>
+                  <a:schemeClr val="tx1"/>
+                </a:solidFill>
+                <a:latin typeface="+mn-lt"/>
+                <a:ea typeface="+mn-ea"/>
+                <a:cs typeface="+mn-cs"/>
+              </a:rPr>
+              <a:t>int</a:t>
+            </a:r>
+            <a:r>
+              <a:rPr lang="en-IN" dirty="0" smtClean="0"/>
+              <a:t> main () </a:t>
+            </a:r>
+          </a:p>
+          <a:p>
+            <a:r>
+              <a:rPr lang="en-IN" dirty="0" smtClean="0"/>
+              <a:t>{</a:t>
+            </a:r>
+          </a:p>
+          <a:p>
+            <a:r>
+              <a:rPr lang="en-IN" dirty="0" smtClean="0"/>
+              <a:t> </a:t>
+            </a:r>
+            <a:r>
+              <a:rPr lang="en-IN" sz="1200" i="0" kern="1200" dirty="0" err="1" smtClean="0">
+                <a:solidFill>
+                  <a:schemeClr val="tx1"/>
+                </a:solidFill>
+                <a:latin typeface="+mn-lt"/>
+                <a:ea typeface="+mn-ea"/>
+                <a:cs typeface="+mn-cs"/>
+              </a:rPr>
+              <a:t>int</a:t>
+            </a:r>
+            <a:r>
+              <a:rPr lang="en-IN" dirty="0" smtClean="0"/>
+              <a:t> n=10; </a:t>
+            </a:r>
+          </a:p>
+          <a:p>
+            <a:r>
+              <a:rPr lang="en-IN" dirty="0" err="1" smtClean="0"/>
+              <a:t>mylabel</a:t>
+            </a:r>
+            <a:r>
+              <a:rPr lang="en-IN" dirty="0" smtClean="0"/>
+              <a:t>: </a:t>
+            </a:r>
+          </a:p>
+          <a:p>
+            <a:r>
+              <a:rPr lang="en-IN" dirty="0" err="1" smtClean="0"/>
+              <a:t>cout</a:t>
+            </a:r>
+            <a:r>
+              <a:rPr lang="en-IN" dirty="0" smtClean="0"/>
+              <a:t> &lt;&lt; n &lt;&lt; ", "; n--; </a:t>
+            </a:r>
+          </a:p>
+          <a:p>
+            <a:r>
+              <a:rPr lang="en-IN" sz="1200" i="0" kern="1200" dirty="0" smtClean="0">
+                <a:solidFill>
+                  <a:schemeClr val="tx1"/>
+                </a:solidFill>
+                <a:latin typeface="+mn-lt"/>
+                <a:ea typeface="+mn-ea"/>
+                <a:cs typeface="+mn-cs"/>
+              </a:rPr>
+              <a:t>if</a:t>
+            </a:r>
+            <a:r>
+              <a:rPr lang="en-IN" dirty="0" smtClean="0"/>
+              <a:t> (n&gt;0) </a:t>
+            </a:r>
+            <a:r>
+              <a:rPr lang="en-IN" sz="1200" i="0" kern="1200" dirty="0" err="1" smtClean="0">
+                <a:solidFill>
+                  <a:schemeClr val="tx1"/>
+                </a:solidFill>
+                <a:latin typeface="+mn-lt"/>
+                <a:ea typeface="+mn-ea"/>
+                <a:cs typeface="+mn-cs"/>
+              </a:rPr>
+              <a:t>goto</a:t>
+            </a:r>
+            <a:r>
+              <a:rPr lang="en-IN" dirty="0" smtClean="0"/>
+              <a:t> </a:t>
+            </a:r>
+            <a:r>
+              <a:rPr lang="en-IN" dirty="0" err="1" smtClean="0"/>
+              <a:t>mylabel</a:t>
+            </a:r>
+            <a:r>
+              <a:rPr lang="en-IN" dirty="0" smtClean="0"/>
+              <a:t>; </a:t>
+            </a:r>
+          </a:p>
+          <a:p>
+            <a:r>
+              <a:rPr lang="en-IN" dirty="0" err="1" smtClean="0"/>
+              <a:t>cout</a:t>
+            </a:r>
+            <a:r>
+              <a:rPr lang="en-IN" dirty="0" smtClean="0"/>
+              <a:t> &lt;&lt; "liftoff!\n"; </a:t>
+            </a:r>
+          </a:p>
+          <a:p>
+            <a:r>
+              <a:rPr lang="en-IN" dirty="0" smtClean="0"/>
+              <a:t>}</a:t>
+            </a:r>
+            <a:endParaRPr lang="en-IN" dirty="0"/>
+          </a:p>
+        </p:txBody>
+      </p:sp>
+      <p:sp>
+        <p:nvSpPr>
+          <p:cNvPr id="4" name="Slide Number Placeholder 3"/>
+          <p:cNvSpPr>
+            <a:spLocks noGrp="1"/>
+          </p:cNvSpPr>
+          <p:nvPr>
+            <p:ph type="sldNum" sz="quarter" idx="10"/>
+          </p:nvPr>
+        </p:nvSpPr>
+        <p:spPr/>
+        <p:txBody>
+          <a:bodyPr/>
+          <a:lstStyle/>
+          <a:p>
+            <a:fld id="{0865DB13-C0EA-4E4C-9C97-3546718EA88E}" type="slidenum">
+              <a:rPr lang="en-IN" smtClean="0"/>
+              <a:t>17</a:t>
+            </a:fld>
+            <a:endParaRPr lang="en-IN"/>
+          </a:p>
+        </p:txBody>
+      </p:sp>
+    </p:spTree>
+  </p:cSld>
+  <p:clrMapOvr>
+    <a:masterClrMapping/>
+  </p:clrMapOvr>
+</p:notes>
+</file>
+
+<file path=ppt/notesSlides/notesSlide11.xml><?xml version="1.0" encoding="utf-8"?>
+<p:notes xmlns:a="http://schemas.openxmlformats.org/drawingml/2006/main" xmlns:r="http://schemas.openxmlformats.org/officeDocument/2006/relationships" xmlns:p="http://schemas.openxmlformats.org/presentationml/2006/main">
+  <p:cSld>
+    <p:spTree>
+      <p:nvGrpSpPr>
+        <p:cNvPr id="1" name=""/>
+        <p:cNvGrpSpPr/>
+        <p:nvPr/>
+      </p:nvGrpSpPr>
+      <p:grpSpPr>
+        <a:xfrm>
+          <a:off x="0" y="0"/>
+          <a:ext cx="0" cy="0"/>
+          <a:chOff x="0" y="0"/>
+          <a:chExt cx="0" cy="0"/>
+        </a:xfrm>
+      </p:grpSpPr>
+      <p:sp>
+        <p:nvSpPr>
+          <p:cNvPr id="2" name="Slide Image Placeholder 1"/>
+          <p:cNvSpPr>
+            <a:spLocks noGrp="1" noRot="1" noChangeAspect="1"/>
+          </p:cNvSpPr>
+          <p:nvPr>
+            <p:ph type="sldImg"/>
+          </p:nvPr>
+        </p:nvSpPr>
+        <p:spPr/>
+      </p:sp>
+      <p:sp>
+        <p:nvSpPr>
+          <p:cNvPr id="3" name="Notes Placeholder 2"/>
+          <p:cNvSpPr>
+            <a:spLocks noGrp="1"/>
+          </p:cNvSpPr>
+          <p:nvPr>
+            <p:ph type="body" idx="1"/>
+          </p:nvPr>
+        </p:nvSpPr>
+        <p:spPr/>
+        <p:txBody>
+          <a:bodyPr>
+            <a:normAutofit/>
+          </a:bodyPr>
+          <a:lstStyle/>
+          <a:p>
+            <a:r>
+              <a:rPr lang="en-IN" sz="1200" b="0" i="0" kern="1200" dirty="0" smtClean="0">
+                <a:solidFill>
+                  <a:schemeClr val="tx1"/>
+                </a:solidFill>
+                <a:latin typeface="+mn-lt"/>
+                <a:ea typeface="+mn-ea"/>
+                <a:cs typeface="+mn-cs"/>
+              </a:rPr>
+              <a:t> It states that, in a </a:t>
+            </a:r>
+            <a:r>
+              <a:rPr lang="en-IN" sz="1200" b="0" i="0" u="none" strike="noStrike" kern="1200" dirty="0" smtClean="0">
+                <a:solidFill>
+                  <a:schemeClr val="tx1"/>
+                </a:solidFill>
+                <a:latin typeface="+mn-lt"/>
+                <a:ea typeface="+mn-ea"/>
+                <a:cs typeface="+mn-cs"/>
+                <a:hlinkClick r:id="rId3" tooltip="Computer program"/>
+              </a:rPr>
+              <a:t>computer program</a:t>
+            </a:r>
+            <a:r>
+              <a:rPr lang="en-IN" sz="1200" b="0" i="0" kern="1200" dirty="0" smtClean="0">
+                <a:solidFill>
+                  <a:schemeClr val="tx1"/>
+                </a:solidFill>
+                <a:latin typeface="+mn-lt"/>
+                <a:ea typeface="+mn-ea"/>
+                <a:cs typeface="+mn-cs"/>
+              </a:rPr>
+              <a:t>, if S is </a:t>
+            </a:r>
+            <a:r>
+              <a:rPr lang="en-IN" sz="1200" b="0" i="0" kern="1200" dirty="0" err="1" smtClean="0">
+                <a:solidFill>
+                  <a:schemeClr val="tx1"/>
+                </a:solidFill>
+                <a:latin typeface="+mn-lt"/>
+                <a:ea typeface="+mn-ea"/>
+                <a:cs typeface="+mn-cs"/>
+              </a:rPr>
+              <a:t>a</a:t>
+            </a:r>
+            <a:r>
+              <a:rPr lang="en-IN" sz="1200" b="0" i="0" u="none" strike="noStrike" kern="1200" dirty="0" err="1" smtClean="0">
+                <a:solidFill>
+                  <a:schemeClr val="tx1"/>
+                </a:solidFill>
+                <a:latin typeface="+mn-lt"/>
+                <a:ea typeface="+mn-ea"/>
+                <a:cs typeface="+mn-cs"/>
+                <a:hlinkClick r:id="rId4" tooltip="Subtype"/>
+              </a:rPr>
+              <a:t>subtype</a:t>
+            </a:r>
+            <a:r>
+              <a:rPr lang="en-IN" sz="1200" b="0" i="0" kern="1200" dirty="0" smtClean="0">
+                <a:solidFill>
+                  <a:schemeClr val="tx1"/>
+                </a:solidFill>
+                <a:latin typeface="+mn-lt"/>
+                <a:ea typeface="+mn-ea"/>
+                <a:cs typeface="+mn-cs"/>
+              </a:rPr>
+              <a:t> of T, then objects of </a:t>
+            </a:r>
+            <a:r>
+              <a:rPr lang="en-IN" sz="1200" b="0" i="0" u="none" strike="noStrike" kern="1200" dirty="0" smtClean="0">
+                <a:solidFill>
+                  <a:schemeClr val="tx1"/>
+                </a:solidFill>
+                <a:latin typeface="+mn-lt"/>
+                <a:ea typeface="+mn-ea"/>
+                <a:cs typeface="+mn-cs"/>
+                <a:hlinkClick r:id="rId5" tooltip="Datatype"/>
+              </a:rPr>
+              <a:t>type</a:t>
+            </a:r>
+            <a:r>
+              <a:rPr lang="en-IN" sz="1200" b="0" i="0" kern="1200" dirty="0" smtClean="0">
+                <a:solidFill>
+                  <a:schemeClr val="tx1"/>
+                </a:solidFill>
+                <a:latin typeface="+mn-lt"/>
+                <a:ea typeface="+mn-ea"/>
+                <a:cs typeface="+mn-cs"/>
+              </a:rPr>
+              <a:t> T may be replaced with objects of type S (i.e., objects of type S may </a:t>
+            </a:r>
+            <a:r>
+              <a:rPr lang="en-IN" sz="1200" b="0" i="1" kern="1200" dirty="0" err="1" smtClean="0">
+                <a:solidFill>
+                  <a:schemeClr val="tx1"/>
+                </a:solidFill>
+                <a:latin typeface="+mn-lt"/>
+                <a:ea typeface="+mn-ea"/>
+                <a:cs typeface="+mn-cs"/>
+              </a:rPr>
+              <a:t>substitute</a:t>
+            </a:r>
+            <a:r>
+              <a:rPr lang="en-IN" sz="1200" b="0" i="0" kern="1200" dirty="0" err="1" smtClean="0">
+                <a:solidFill>
+                  <a:schemeClr val="tx1"/>
+                </a:solidFill>
+                <a:latin typeface="+mn-lt"/>
+                <a:ea typeface="+mn-ea"/>
+                <a:cs typeface="+mn-cs"/>
+              </a:rPr>
+              <a:t>objects</a:t>
+            </a:r>
+            <a:r>
+              <a:rPr lang="en-IN" sz="1200" b="0" i="0" kern="1200" dirty="0" smtClean="0">
+                <a:solidFill>
+                  <a:schemeClr val="tx1"/>
+                </a:solidFill>
+                <a:latin typeface="+mn-lt"/>
+                <a:ea typeface="+mn-ea"/>
+                <a:cs typeface="+mn-cs"/>
+              </a:rPr>
+              <a:t> of type T) without altering any of the desirable properties of that program.</a:t>
+            </a:r>
+            <a:endParaRPr lang="en-IN" dirty="0"/>
+          </a:p>
+        </p:txBody>
+      </p:sp>
+      <p:sp>
+        <p:nvSpPr>
+          <p:cNvPr id="4" name="Slide Number Placeholder 3"/>
+          <p:cNvSpPr>
+            <a:spLocks noGrp="1"/>
+          </p:cNvSpPr>
+          <p:nvPr>
+            <p:ph type="sldNum" sz="quarter" idx="10"/>
+          </p:nvPr>
+        </p:nvSpPr>
+        <p:spPr/>
+        <p:txBody>
+          <a:bodyPr/>
+          <a:lstStyle/>
+          <a:p>
+            <a:fld id="{0865DB13-C0EA-4E4C-9C97-3546718EA88E}" type="slidenum">
+              <a:rPr lang="en-IN" smtClean="0"/>
+              <a:t>22</a:t>
+            </a:fld>
+            <a:endParaRPr lang="en-IN"/>
+          </a:p>
+        </p:txBody>
+      </p:sp>
+    </p:spTree>
+  </p:cSld>
+  <p:clrMapOvr>
+    <a:masterClrMapping/>
+  </p:clrMapOvr>
+</p:notes>
+</file>
+
+<file path=ppt/notesSlides/notesSlide12.xml><?xml version="1.0" encoding="utf-8"?>
+<p:notes xmlns:a="http://schemas.openxmlformats.org/drawingml/2006/main" xmlns:r="http://schemas.openxmlformats.org/officeDocument/2006/relationships" xmlns:p="http://schemas.openxmlformats.org/presentationml/2006/main">
+  <p:cSld>
+    <p:spTree>
+      <p:nvGrpSpPr>
+        <p:cNvPr id="1" name=""/>
+        <p:cNvGrpSpPr/>
+        <p:nvPr/>
+      </p:nvGrpSpPr>
+      <p:grpSpPr>
+        <a:xfrm>
+          <a:off x="0" y="0"/>
+          <a:ext cx="0" cy="0"/>
+          <a:chOff x="0" y="0"/>
+          <a:chExt cx="0" cy="0"/>
+        </a:xfrm>
+      </p:grpSpPr>
+      <p:sp>
+        <p:nvSpPr>
+          <p:cNvPr id="2" name="Slide Image Placeholder 1"/>
+          <p:cNvSpPr>
+            <a:spLocks noGrp="1" noRot="1" noChangeAspect="1"/>
+          </p:cNvSpPr>
+          <p:nvPr>
+            <p:ph type="sldImg"/>
+          </p:nvPr>
+        </p:nvSpPr>
+        <p:spPr/>
+      </p:sp>
+      <p:sp>
+        <p:nvSpPr>
+          <p:cNvPr id="3" name="Notes Placeholder 2"/>
+          <p:cNvSpPr>
+            <a:spLocks noGrp="1"/>
+          </p:cNvSpPr>
+          <p:nvPr>
+            <p:ph type="body" idx="1"/>
+          </p:nvPr>
+        </p:nvSpPr>
+        <p:spPr/>
+        <p:txBody>
+          <a:bodyPr>
+            <a:normAutofit/>
+          </a:bodyPr>
+          <a:lstStyle/>
+          <a:p>
+            <a:endParaRPr lang="en-IN" dirty="0"/>
+          </a:p>
+        </p:txBody>
+      </p:sp>
+      <p:sp>
+        <p:nvSpPr>
+          <p:cNvPr id="4" name="Slide Number Placeholder 3"/>
+          <p:cNvSpPr>
+            <a:spLocks noGrp="1"/>
+          </p:cNvSpPr>
+          <p:nvPr>
+            <p:ph type="sldNum" sz="quarter" idx="10"/>
+          </p:nvPr>
+        </p:nvSpPr>
+        <p:spPr/>
+        <p:txBody>
+          <a:bodyPr/>
+          <a:lstStyle/>
+          <a:p>
+            <a:fld id="{0865DB13-C0EA-4E4C-9C97-3546718EA88E}" type="slidenum">
+              <a:rPr lang="en-IN" smtClean="0"/>
+              <a:t>24</a:t>
+            </a:fld>
+            <a:endParaRPr lang="en-IN"/>
+          </a:p>
+        </p:txBody>
+      </p:sp>
+    </p:spTree>
+  </p:cSld>
+  <p:clrMapOvr>
+    <a:masterClrMapping/>
+  </p:clrMapOvr>
+</p:notes>
+</file>
+
+<file path=ppt/notesSlides/notesSlide2.xml><?xml version="1.0" encoding="utf-8"?>
+<p:notes xmlns:a="http://schemas.openxmlformats.org/drawingml/2006/main" xmlns:r="http://schemas.openxmlformats.org/officeDocument/2006/relationships" xmlns:p="http://schemas.openxmlformats.org/presentationml/2006/main">
+  <p:cSld>
+    <p:spTree>
+      <p:nvGrpSpPr>
+        <p:cNvPr id="1" name=""/>
+        <p:cNvGrpSpPr/>
+        <p:nvPr/>
+      </p:nvGrpSpPr>
+      <p:grpSpPr>
+        <a:xfrm>
+          <a:off x="0" y="0"/>
+          <a:ext cx="0" cy="0"/>
+          <a:chOff x="0" y="0"/>
+          <a:chExt cx="0" cy="0"/>
+        </a:xfrm>
+      </p:grpSpPr>
+      <p:sp>
+        <p:nvSpPr>
+          <p:cNvPr id="2" name="Slide Image Placeholder 1"/>
+          <p:cNvSpPr>
+            <a:spLocks noGrp="1" noRot="1" noChangeAspect="1"/>
+          </p:cNvSpPr>
+          <p:nvPr>
+            <p:ph type="sldImg"/>
+          </p:nvPr>
+        </p:nvSpPr>
+        <p:spPr/>
+      </p:sp>
+      <p:sp>
+        <p:nvSpPr>
+          <p:cNvPr id="3" name="Notes Placeholder 2"/>
+          <p:cNvSpPr>
+            <a:spLocks noGrp="1"/>
+          </p:cNvSpPr>
+          <p:nvPr>
+            <p:ph type="body" idx="1"/>
+          </p:nvPr>
+        </p:nvSpPr>
+        <p:spPr/>
+        <p:txBody>
+          <a:bodyPr>
+            <a:normAutofit/>
+          </a:bodyPr>
+          <a:lstStyle/>
+          <a:p>
+            <a:r>
+              <a:rPr lang="en-IN" dirty="0" smtClean="0"/>
+              <a:t>auto</a:t>
+            </a:r>
+            <a:r>
+              <a:rPr lang="en-IN" baseline="0" dirty="0" smtClean="0"/>
+              <a:t> storage is applicable to scoped </a:t>
+            </a:r>
+            <a:r>
+              <a:rPr lang="en-IN" baseline="0" dirty="0" err="1" smtClean="0"/>
+              <a:t>varibles</a:t>
+            </a:r>
+            <a:r>
+              <a:rPr lang="en-IN" baseline="0" dirty="0" smtClean="0"/>
+              <a:t>, function parameters. This is default</a:t>
+            </a:r>
+            <a:endParaRPr lang="en-IN" dirty="0"/>
+          </a:p>
+        </p:txBody>
+      </p:sp>
+      <p:sp>
+        <p:nvSpPr>
+          <p:cNvPr id="4" name="Slide Number Placeholder 3"/>
+          <p:cNvSpPr>
+            <a:spLocks noGrp="1"/>
+          </p:cNvSpPr>
+          <p:nvPr>
+            <p:ph type="sldNum" sz="quarter" idx="10"/>
+          </p:nvPr>
+        </p:nvSpPr>
+        <p:spPr/>
+        <p:txBody>
+          <a:bodyPr/>
+          <a:lstStyle/>
+          <a:p>
+            <a:fld id="{0865DB13-C0EA-4E4C-9C97-3546718EA88E}" type="slidenum">
+              <a:rPr lang="en-IN" smtClean="0"/>
+              <a:t>6</a:t>
+            </a:fld>
+            <a:endParaRPr lang="en-IN"/>
+          </a:p>
+        </p:txBody>
+      </p:sp>
+    </p:spTree>
+  </p:cSld>
+  <p:clrMapOvr>
+    <a:masterClrMapping/>
+  </p:clrMapOvr>
+</p:notes>
+</file>
+
+<file path=ppt/notesSlides/notesSlide3.xml><?xml version="1.0" encoding="utf-8"?>
+<p:notes xmlns:a="http://schemas.openxmlformats.org/drawingml/2006/main" xmlns:r="http://schemas.openxmlformats.org/officeDocument/2006/relationships" xmlns:p="http://schemas.openxmlformats.org/presentationml/2006/main">
+  <p:cSld>
+    <p:spTree>
+      <p:nvGrpSpPr>
+        <p:cNvPr id="1" name=""/>
+        <p:cNvGrpSpPr/>
+        <p:nvPr/>
+      </p:nvGrpSpPr>
+      <p:grpSpPr>
+        <a:xfrm>
+          <a:off x="0" y="0"/>
+          <a:ext cx="0" cy="0"/>
+          <a:chOff x="0" y="0"/>
+          <a:chExt cx="0" cy="0"/>
+        </a:xfrm>
+      </p:grpSpPr>
+      <p:sp>
+        <p:nvSpPr>
+          <p:cNvPr id="2" name="Slide Image Placeholder 1"/>
+          <p:cNvSpPr>
+            <a:spLocks noGrp="1" noRot="1" noChangeAspect="1"/>
+          </p:cNvSpPr>
+          <p:nvPr>
+            <p:ph type="sldImg"/>
+          </p:nvPr>
+        </p:nvSpPr>
+        <p:spPr/>
+      </p:sp>
+      <p:sp>
+        <p:nvSpPr>
+          <p:cNvPr id="3" name="Notes Placeholder 2"/>
+          <p:cNvSpPr>
+            <a:spLocks noGrp="1"/>
+          </p:cNvSpPr>
+          <p:nvPr>
+            <p:ph type="body" idx="1"/>
+          </p:nvPr>
+        </p:nvSpPr>
+        <p:spPr/>
+        <p:txBody>
+          <a:bodyPr>
+            <a:normAutofit/>
+          </a:bodyPr>
+          <a:lstStyle/>
+          <a:p>
+            <a:r>
+              <a:rPr lang="en-IN" dirty="0" smtClean="0"/>
+              <a:t>    </a:t>
+            </a:r>
+            <a:r>
+              <a:rPr lang="en-IN" dirty="0" err="1" smtClean="0"/>
+              <a:t>clock_t</a:t>
+            </a:r>
+            <a:r>
+              <a:rPr lang="en-IN" dirty="0" smtClean="0"/>
+              <a:t> start, end;</a:t>
+            </a:r>
+          </a:p>
+          <a:p>
+            <a:r>
+              <a:rPr lang="en-IN" dirty="0" smtClean="0"/>
+              <a:t>    double </a:t>
+            </a:r>
+            <a:r>
+              <a:rPr lang="en-IN" dirty="0" err="1" smtClean="0"/>
+              <a:t>cpu_time_used</a:t>
+            </a:r>
+            <a:r>
+              <a:rPr lang="en-IN" dirty="0" smtClean="0"/>
+              <a:t>;</a:t>
+            </a:r>
+          </a:p>
+          <a:p>
+            <a:r>
+              <a:rPr lang="en-IN" dirty="0" smtClean="0"/>
+              <a:t>    start = clock();</a:t>
+            </a:r>
+          </a:p>
+          <a:p>
+            <a:r>
+              <a:rPr lang="en-IN" dirty="0" smtClean="0"/>
+              <a:t>    </a:t>
+            </a:r>
+            <a:r>
+              <a:rPr lang="en-IN" dirty="0" err="1" smtClean="0"/>
+              <a:t>int</a:t>
+            </a:r>
+            <a:r>
+              <a:rPr lang="en-IN" dirty="0" smtClean="0"/>
+              <a:t> counter = 100000000;</a:t>
+            </a:r>
+          </a:p>
+          <a:p>
+            <a:r>
+              <a:rPr lang="en-IN" dirty="0" smtClean="0"/>
+              <a:t>    for (register </a:t>
+            </a:r>
+            <a:r>
+              <a:rPr lang="en-IN" dirty="0" err="1" smtClean="0"/>
+              <a:t>int</a:t>
+            </a:r>
+            <a:r>
+              <a:rPr lang="en-IN" dirty="0" smtClean="0"/>
+              <a:t> </a:t>
+            </a:r>
+            <a:r>
+              <a:rPr lang="en-IN" dirty="0" err="1" smtClean="0"/>
+              <a:t>i</a:t>
+            </a:r>
+            <a:r>
+              <a:rPr lang="en-IN" dirty="0" smtClean="0"/>
+              <a:t> = 0; </a:t>
+            </a:r>
+            <a:r>
+              <a:rPr lang="en-IN" dirty="0" err="1" smtClean="0"/>
+              <a:t>i</a:t>
+            </a:r>
+            <a:r>
+              <a:rPr lang="en-IN" dirty="0" smtClean="0"/>
+              <a:t>&lt;counter; ++</a:t>
+            </a:r>
+            <a:r>
+              <a:rPr lang="en-IN" dirty="0" err="1" smtClean="0"/>
+              <a:t>i</a:t>
+            </a:r>
+            <a:r>
+              <a:rPr lang="en-IN" dirty="0" smtClean="0"/>
+              <a:t>)</a:t>
+            </a:r>
+          </a:p>
+          <a:p>
+            <a:r>
+              <a:rPr lang="en-IN" dirty="0" smtClean="0"/>
+              <a:t>    {   </a:t>
+            </a:r>
+          </a:p>
+          <a:p>
+            <a:r>
+              <a:rPr lang="en-IN" dirty="0" smtClean="0"/>
+              <a:t>        //do nothing</a:t>
+            </a:r>
+          </a:p>
+          <a:p>
+            <a:r>
+              <a:rPr lang="en-IN" dirty="0" smtClean="0"/>
+              <a:t>    }   </a:t>
+            </a:r>
+          </a:p>
+          <a:p>
+            <a:r>
+              <a:rPr lang="en-IN" dirty="0" smtClean="0"/>
+              <a:t>    end = clock();</a:t>
+            </a:r>
+          </a:p>
+          <a:p>
+            <a:r>
+              <a:rPr lang="en-IN" dirty="0" smtClean="0"/>
+              <a:t>    </a:t>
+            </a:r>
+            <a:r>
+              <a:rPr lang="en-IN" dirty="0" err="1" smtClean="0"/>
+              <a:t>cpu_time_used</a:t>
+            </a:r>
+            <a:r>
+              <a:rPr lang="en-IN" dirty="0" smtClean="0"/>
+              <a:t> = ((double) (end - start)) / CLOCKS_PER_SEC;</a:t>
+            </a:r>
+          </a:p>
+          <a:p>
+            <a:r>
+              <a:rPr lang="en-IN" dirty="0" smtClean="0"/>
+              <a:t>    </a:t>
+            </a:r>
+            <a:r>
+              <a:rPr lang="en-IN" dirty="0" err="1" smtClean="0"/>
+              <a:t>cout</a:t>
+            </a:r>
+            <a:r>
+              <a:rPr lang="en-IN" dirty="0" smtClean="0"/>
+              <a:t> &lt;&lt;"Time taken by register counter is " &lt;&lt; </a:t>
+            </a:r>
+            <a:r>
+              <a:rPr lang="en-IN" dirty="0" err="1" smtClean="0"/>
+              <a:t>cpu_time_used</a:t>
+            </a:r>
+            <a:r>
+              <a:rPr lang="en-IN" dirty="0" smtClean="0"/>
+              <a:t> &lt;&lt;"\n";</a:t>
+            </a:r>
+          </a:p>
+          <a:p>
+            <a:r>
+              <a:rPr lang="en-IN" dirty="0" smtClean="0"/>
+              <a:t>    </a:t>
+            </a:r>
+          </a:p>
+          <a:p>
+            <a:r>
+              <a:rPr lang="en-IN" dirty="0" smtClean="0"/>
+              <a:t>    start = clock();</a:t>
+            </a:r>
+          </a:p>
+          <a:p>
+            <a:r>
+              <a:rPr lang="en-IN" dirty="0" smtClean="0"/>
+              <a:t>    for (</a:t>
+            </a:r>
+            <a:r>
+              <a:rPr lang="en-IN" dirty="0" err="1" smtClean="0"/>
+              <a:t>int</a:t>
+            </a:r>
+            <a:r>
+              <a:rPr lang="en-IN" dirty="0" smtClean="0"/>
+              <a:t> t = 0; t&lt;counter; ++t)</a:t>
+            </a:r>
+          </a:p>
+          <a:p>
+            <a:r>
+              <a:rPr lang="en-IN" dirty="0" smtClean="0"/>
+              <a:t>    {   </a:t>
+            </a:r>
+          </a:p>
+          <a:p>
+            <a:r>
+              <a:rPr lang="en-IN" dirty="0" smtClean="0"/>
+              <a:t>        //do nothing</a:t>
+            </a:r>
+          </a:p>
+          <a:p>
+            <a:r>
+              <a:rPr lang="en-IN" dirty="0" smtClean="0"/>
+              <a:t>    }   </a:t>
+            </a:r>
+          </a:p>
+          <a:p>
+            <a:r>
+              <a:rPr lang="en-IN" dirty="0" smtClean="0"/>
+              <a:t>    end = clock();</a:t>
+            </a:r>
+          </a:p>
+          <a:p>
+            <a:r>
+              <a:rPr lang="en-IN" dirty="0" smtClean="0"/>
+              <a:t>    </a:t>
+            </a:r>
+            <a:r>
+              <a:rPr lang="en-IN" dirty="0" err="1" smtClean="0"/>
+              <a:t>cpu_time_used</a:t>
+            </a:r>
+            <a:r>
+              <a:rPr lang="en-IN" dirty="0" smtClean="0"/>
+              <a:t> = ((double) (end - start)) / CLOCKS_PER_SEC;</a:t>
+            </a:r>
+          </a:p>
+          <a:p>
+            <a:r>
+              <a:rPr lang="en-IN" dirty="0" smtClean="0"/>
+              <a:t>    </a:t>
+            </a:r>
+            <a:r>
+              <a:rPr lang="en-IN" dirty="0" err="1" smtClean="0"/>
+              <a:t>cout</a:t>
+            </a:r>
+            <a:r>
+              <a:rPr lang="en-IN" dirty="0" smtClean="0"/>
+              <a:t> &lt;&lt;"Time taken by auto counter is " &lt;&lt; </a:t>
+            </a:r>
+            <a:r>
+              <a:rPr lang="en-IN" dirty="0" err="1" smtClean="0"/>
+              <a:t>cpu_time_used</a:t>
+            </a:r>
+            <a:r>
+              <a:rPr lang="en-IN" dirty="0" smtClean="0"/>
+              <a:t> &lt;&lt;"\n";</a:t>
+            </a:r>
+          </a:p>
+          <a:p>
+            <a:endParaRPr lang="en-IN" dirty="0"/>
+          </a:p>
+        </p:txBody>
+      </p:sp>
+      <p:sp>
+        <p:nvSpPr>
+          <p:cNvPr id="4" name="Slide Number Placeholder 3"/>
+          <p:cNvSpPr>
+            <a:spLocks noGrp="1"/>
+          </p:cNvSpPr>
+          <p:nvPr>
+            <p:ph type="sldNum" sz="quarter" idx="10"/>
+          </p:nvPr>
+        </p:nvSpPr>
+        <p:spPr/>
+        <p:txBody>
+          <a:bodyPr/>
+          <a:lstStyle/>
+          <a:p>
+            <a:fld id="{0865DB13-C0EA-4E4C-9C97-3546718EA88E}" type="slidenum">
+              <a:rPr lang="en-IN" smtClean="0"/>
+              <a:t>7</a:t>
+            </a:fld>
+            <a:endParaRPr lang="en-IN"/>
+          </a:p>
+        </p:txBody>
+      </p:sp>
+    </p:spTree>
+  </p:cSld>
+  <p:clrMapOvr>
+    <a:masterClrMapping/>
+  </p:clrMapOvr>
+</p:notes>
+</file>
+
+<file path=ppt/notesSlides/notesSlide4.xml><?xml version="1.0" encoding="utf-8"?>
+<p:notes xmlns:a="http://schemas.openxmlformats.org/drawingml/2006/main" xmlns:r="http://schemas.openxmlformats.org/officeDocument/2006/relationships" xmlns:p="http://schemas.openxmlformats.org/presentationml/2006/main">
+  <p:cSld>
+    <p:spTree>
+      <p:nvGrpSpPr>
+        <p:cNvPr id="1" name=""/>
+        <p:cNvGrpSpPr/>
+        <p:nvPr/>
+      </p:nvGrpSpPr>
+      <p:grpSpPr>
+        <a:xfrm>
+          <a:off x="0" y="0"/>
+          <a:ext cx="0" cy="0"/>
+          <a:chOff x="0" y="0"/>
+          <a:chExt cx="0" cy="0"/>
+        </a:xfrm>
+      </p:grpSpPr>
+      <p:sp>
+        <p:nvSpPr>
+          <p:cNvPr id="2" name="Slide Image Placeholder 1"/>
+          <p:cNvSpPr>
+            <a:spLocks noGrp="1" noRot="1" noChangeAspect="1"/>
+          </p:cNvSpPr>
+          <p:nvPr>
+            <p:ph type="sldImg"/>
+          </p:nvPr>
+        </p:nvSpPr>
+        <p:spPr/>
+      </p:sp>
+      <p:sp>
+        <p:nvSpPr>
+          <p:cNvPr id="3" name="Notes Placeholder 2"/>
+          <p:cNvSpPr>
+            <a:spLocks noGrp="1"/>
+          </p:cNvSpPr>
+          <p:nvPr>
+            <p:ph type="body" idx="1"/>
+          </p:nvPr>
+        </p:nvSpPr>
+        <p:spPr/>
+        <p:txBody>
+          <a:bodyPr>
+            <a:normAutofit/>
+          </a:bodyPr>
+          <a:lstStyle/>
+          <a:p>
+            <a:endParaRPr lang="en-IN" dirty="0"/>
+          </a:p>
+        </p:txBody>
+      </p:sp>
+      <p:sp>
+        <p:nvSpPr>
+          <p:cNvPr id="4" name="Slide Number Placeholder 3"/>
+          <p:cNvSpPr>
+            <a:spLocks noGrp="1"/>
+          </p:cNvSpPr>
+          <p:nvPr>
+            <p:ph type="sldNum" sz="quarter" idx="10"/>
+          </p:nvPr>
+        </p:nvSpPr>
+        <p:spPr/>
+        <p:txBody>
+          <a:bodyPr/>
+          <a:lstStyle/>
+          <a:p>
+            <a:fld id="{0865DB13-C0EA-4E4C-9C97-3546718EA88E}" type="slidenum">
+              <a:rPr lang="en-IN" smtClean="0"/>
+              <a:t>8</a:t>
+            </a:fld>
+            <a:endParaRPr lang="en-IN"/>
+          </a:p>
+        </p:txBody>
+      </p:sp>
+    </p:spTree>
+  </p:cSld>
+  <p:clrMapOvr>
+    <a:masterClrMapping/>
+  </p:clrMapOvr>
+</p:notes>
+</file>
+
+<file path=ppt/notesSlides/notesSlide5.xml><?xml version="1.0" encoding="utf-8"?>
+<p:notes xmlns:a="http://schemas.openxmlformats.org/drawingml/2006/main" xmlns:r="http://schemas.openxmlformats.org/officeDocument/2006/relationships" xmlns:p="http://schemas.openxmlformats.org/presentationml/2006/main">
+  <p:cSld>
+    <p:spTree>
+      <p:nvGrpSpPr>
+        <p:cNvPr id="1" name=""/>
+        <p:cNvGrpSpPr/>
+        <p:nvPr/>
+      </p:nvGrpSpPr>
+      <p:grpSpPr>
+        <a:xfrm>
+          <a:off x="0" y="0"/>
+          <a:ext cx="0" cy="0"/>
+          <a:chOff x="0" y="0"/>
+          <a:chExt cx="0" cy="0"/>
+        </a:xfrm>
+      </p:grpSpPr>
+      <p:sp>
+        <p:nvSpPr>
+          <p:cNvPr id="2" name="Slide Image Placeholder 1"/>
+          <p:cNvSpPr>
+            <a:spLocks noGrp="1" noRot="1" noChangeAspect="1"/>
+          </p:cNvSpPr>
+          <p:nvPr>
+            <p:ph type="sldImg"/>
+          </p:nvPr>
+        </p:nvSpPr>
+        <p:spPr/>
+      </p:sp>
+      <p:sp>
+        <p:nvSpPr>
+          <p:cNvPr id="3" name="Notes Placeholder 2"/>
+          <p:cNvSpPr>
+            <a:spLocks noGrp="1"/>
+          </p:cNvSpPr>
+          <p:nvPr>
+            <p:ph type="body" idx="1"/>
+          </p:nvPr>
+        </p:nvSpPr>
+        <p:spPr/>
+        <p:txBody>
+          <a:bodyPr>
+            <a:normAutofit/>
+          </a:bodyPr>
+          <a:lstStyle/>
+          <a:p>
+            <a:endParaRPr lang="en-IN" dirty="0"/>
+          </a:p>
+        </p:txBody>
+      </p:sp>
+      <p:sp>
+        <p:nvSpPr>
+          <p:cNvPr id="4" name="Slide Number Placeholder 3"/>
+          <p:cNvSpPr>
+            <a:spLocks noGrp="1"/>
+          </p:cNvSpPr>
+          <p:nvPr>
+            <p:ph type="sldNum" sz="quarter" idx="10"/>
+          </p:nvPr>
+        </p:nvSpPr>
+        <p:spPr/>
+        <p:txBody>
+          <a:bodyPr/>
+          <a:lstStyle/>
+          <a:p>
+            <a:fld id="{0865DB13-C0EA-4E4C-9C97-3546718EA88E}" type="slidenum">
+              <a:rPr lang="en-IN" smtClean="0"/>
+              <a:t>9</a:t>
+            </a:fld>
+            <a:endParaRPr lang="en-IN"/>
+          </a:p>
+        </p:txBody>
+      </p:sp>
+    </p:spTree>
+  </p:cSld>
+  <p:clrMapOvr>
+    <a:masterClrMapping/>
+  </p:clrMapOvr>
+</p:notes>
+</file>
+
+<file path=ppt/notesSlides/notesSlide6.xml><?xml version="1.0" encoding="utf-8"?>
+<p:notes xmlns:a="http://schemas.openxmlformats.org/drawingml/2006/main" xmlns:r="http://schemas.openxmlformats.org/officeDocument/2006/relationships" xmlns:p="http://schemas.openxmlformats.org/presentationml/2006/main">
+  <p:cSld>
+    <p:spTree>
+      <p:nvGrpSpPr>
+        <p:cNvPr id="1" name=""/>
+        <p:cNvGrpSpPr/>
+        <p:nvPr/>
+      </p:nvGrpSpPr>
+      <p:grpSpPr>
+        <a:xfrm>
+          <a:off x="0" y="0"/>
+          <a:ext cx="0" cy="0"/>
+          <a:chOff x="0" y="0"/>
+          <a:chExt cx="0" cy="0"/>
+        </a:xfrm>
+      </p:grpSpPr>
+      <p:sp>
+        <p:nvSpPr>
+          <p:cNvPr id="2" name="Slide Image Placeholder 1"/>
+          <p:cNvSpPr>
+            <a:spLocks noGrp="1" noRot="1" noChangeAspect="1"/>
+          </p:cNvSpPr>
+          <p:nvPr>
+            <p:ph type="sldImg"/>
+          </p:nvPr>
+        </p:nvSpPr>
+        <p:spPr/>
+      </p:sp>
+      <p:sp>
+        <p:nvSpPr>
+          <p:cNvPr id="3" name="Notes Placeholder 2"/>
+          <p:cNvSpPr>
+            <a:spLocks noGrp="1"/>
+          </p:cNvSpPr>
+          <p:nvPr>
+            <p:ph type="body" idx="1"/>
+          </p:nvPr>
+        </p:nvSpPr>
+        <p:spPr/>
+        <p:txBody>
+          <a:bodyPr>
+            <a:normAutofit/>
+          </a:bodyPr>
+          <a:lstStyle/>
+          <a:p>
+            <a:endParaRPr lang="en-IN" dirty="0"/>
+          </a:p>
+        </p:txBody>
+      </p:sp>
+      <p:sp>
+        <p:nvSpPr>
+          <p:cNvPr id="4" name="Slide Number Placeholder 3"/>
+          <p:cNvSpPr>
+            <a:spLocks noGrp="1"/>
+          </p:cNvSpPr>
+          <p:nvPr>
+            <p:ph type="sldNum" sz="quarter" idx="10"/>
+          </p:nvPr>
+        </p:nvSpPr>
+        <p:spPr/>
+        <p:txBody>
+          <a:bodyPr/>
+          <a:lstStyle/>
+          <a:p>
+            <a:fld id="{0865DB13-C0EA-4E4C-9C97-3546718EA88E}" type="slidenum">
+              <a:rPr lang="en-IN" smtClean="0"/>
+              <a:t>10</a:t>
+            </a:fld>
+            <a:endParaRPr lang="en-IN"/>
+          </a:p>
+        </p:txBody>
+      </p:sp>
+    </p:spTree>
+  </p:cSld>
+  <p:clrMapOvr>
+    <a:masterClrMapping/>
+  </p:clrMapOvr>
+</p:notes>
+</file>
+
+<file path=ppt/notesSlides/notesSlide7.xml><?xml version="1.0" encoding="utf-8"?>
+<p:notes xmlns:a="http://schemas.openxmlformats.org/drawingml/2006/main" xmlns:r="http://schemas.openxmlformats.org/officeDocument/2006/relationships" xmlns:p="http://schemas.openxmlformats.org/presentationml/2006/main">
+  <p:cSld>
+    <p:spTree>
+      <p:nvGrpSpPr>
+        <p:cNvPr id="1" name=""/>
+        <p:cNvGrpSpPr/>
+        <p:nvPr/>
+      </p:nvGrpSpPr>
+      <p:grpSpPr>
+        <a:xfrm>
+          <a:off x="0" y="0"/>
+          <a:ext cx="0" cy="0"/>
+          <a:chOff x="0" y="0"/>
+          <a:chExt cx="0" cy="0"/>
+        </a:xfrm>
+      </p:grpSpPr>
+      <p:sp>
+        <p:nvSpPr>
+          <p:cNvPr id="2" name="Slide Image Placeholder 1"/>
+          <p:cNvSpPr>
+            <a:spLocks noGrp="1" noRot="1" noChangeAspect="1"/>
+          </p:cNvSpPr>
+          <p:nvPr>
+            <p:ph type="sldImg"/>
+          </p:nvPr>
+        </p:nvSpPr>
+        <p:spPr/>
+      </p:sp>
+      <p:sp>
+        <p:nvSpPr>
+          <p:cNvPr id="3" name="Notes Placeholder 2"/>
+          <p:cNvSpPr>
+            <a:spLocks noGrp="1"/>
+          </p:cNvSpPr>
+          <p:nvPr>
+            <p:ph type="body" idx="1"/>
+          </p:nvPr>
+        </p:nvSpPr>
+        <p:spPr/>
+        <p:txBody>
+          <a:bodyPr>
+            <a:normAutofit/>
+          </a:bodyPr>
+          <a:lstStyle/>
+          <a:p>
+            <a:endParaRPr lang="en-IN" dirty="0"/>
+          </a:p>
+        </p:txBody>
+      </p:sp>
+      <p:sp>
+        <p:nvSpPr>
+          <p:cNvPr id="4" name="Slide Number Placeholder 3"/>
+          <p:cNvSpPr>
+            <a:spLocks noGrp="1"/>
+          </p:cNvSpPr>
+          <p:nvPr>
+            <p:ph type="sldNum" sz="quarter" idx="10"/>
+          </p:nvPr>
+        </p:nvSpPr>
+        <p:spPr/>
+        <p:txBody>
+          <a:bodyPr/>
+          <a:lstStyle/>
+          <a:p>
+            <a:fld id="{0865DB13-C0EA-4E4C-9C97-3546718EA88E}" type="slidenum">
+              <a:rPr lang="en-IN" smtClean="0"/>
+              <a:t>12</a:t>
+            </a:fld>
+            <a:endParaRPr lang="en-IN"/>
+          </a:p>
+        </p:txBody>
+      </p:sp>
+    </p:spTree>
+  </p:cSld>
+  <p:clrMapOvr>
+    <a:masterClrMapping/>
+  </p:clrMapOvr>
+</p:notes>
+</file>
+
+<file path=ppt/notesSlides/notesSlide8.xml><?xml version="1.0" encoding="utf-8"?>
+<p:notes xmlns:a="http://schemas.openxmlformats.org/drawingml/2006/main" xmlns:r="http://schemas.openxmlformats.org/officeDocument/2006/relationships" xmlns:p="http://schemas.openxmlformats.org/presentationml/2006/main">
+  <p:cSld>
+    <p:spTree>
+      <p:nvGrpSpPr>
+        <p:cNvPr id="1" name=""/>
+        <p:cNvGrpSpPr/>
+        <p:nvPr/>
+      </p:nvGrpSpPr>
+      <p:grpSpPr>
+        <a:xfrm>
+          <a:off x="0" y="0"/>
+          <a:ext cx="0" cy="0"/>
+          <a:chOff x="0" y="0"/>
+          <a:chExt cx="0" cy="0"/>
+        </a:xfrm>
+      </p:grpSpPr>
+      <p:sp>
+        <p:nvSpPr>
+          <p:cNvPr id="2" name="Slide Image Placeholder 1"/>
+          <p:cNvSpPr>
+            <a:spLocks noGrp="1" noRot="1" noChangeAspect="1"/>
+          </p:cNvSpPr>
+          <p:nvPr>
+            <p:ph type="sldImg"/>
+          </p:nvPr>
+        </p:nvSpPr>
+        <p:spPr/>
+      </p:sp>
+      <p:sp>
+        <p:nvSpPr>
+          <p:cNvPr id="3" name="Notes Placeholder 2"/>
+          <p:cNvSpPr>
+            <a:spLocks noGrp="1"/>
+          </p:cNvSpPr>
+          <p:nvPr>
+            <p:ph type="body" idx="1"/>
+          </p:nvPr>
+        </p:nvSpPr>
+        <p:spPr/>
+        <p:txBody>
+          <a:bodyPr>
+            <a:normAutofit/>
+          </a:bodyPr>
+          <a:lstStyle/>
+          <a:p>
+            <a:endParaRPr lang="en-IN" dirty="0"/>
+          </a:p>
+        </p:txBody>
+      </p:sp>
+      <p:sp>
+        <p:nvSpPr>
+          <p:cNvPr id="4" name="Slide Number Placeholder 3"/>
+          <p:cNvSpPr>
+            <a:spLocks noGrp="1"/>
+          </p:cNvSpPr>
+          <p:nvPr>
+            <p:ph type="sldNum" sz="quarter" idx="10"/>
+          </p:nvPr>
+        </p:nvSpPr>
+        <p:spPr/>
+        <p:txBody>
+          <a:bodyPr/>
+          <a:lstStyle/>
+          <a:p>
+            <a:fld id="{0865DB13-C0EA-4E4C-9C97-3546718EA88E}" type="slidenum">
+              <a:rPr lang="en-IN" smtClean="0"/>
+              <a:t>14</a:t>
+            </a:fld>
+            <a:endParaRPr lang="en-IN"/>
+          </a:p>
+        </p:txBody>
+      </p:sp>
+    </p:spTree>
+  </p:cSld>
+  <p:clrMapOvr>
+    <a:masterClrMapping/>
+  </p:clrMapOvr>
+</p:notes>
+</file>
+
+<file path=ppt/notesSlides/notesSlide9.xml><?xml version="1.0" encoding="utf-8"?>
+<p:notes xmlns:a="http://schemas.openxmlformats.org/drawingml/2006/main" xmlns:r="http://schemas.openxmlformats.org/officeDocument/2006/relationships" xmlns:p="http://schemas.openxmlformats.org/presentationml/2006/main">
+  <p:cSld>
+    <p:spTree>
+      <p:nvGrpSpPr>
+        <p:cNvPr id="1" name=""/>
+        <p:cNvGrpSpPr/>
+        <p:nvPr/>
+      </p:nvGrpSpPr>
+      <p:grpSpPr>
+        <a:xfrm>
+          <a:off x="0" y="0"/>
+          <a:ext cx="0" cy="0"/>
+          <a:chOff x="0" y="0"/>
+          <a:chExt cx="0" cy="0"/>
+        </a:xfrm>
+      </p:grpSpPr>
+      <p:sp>
+        <p:nvSpPr>
+          <p:cNvPr id="2" name="Slide Image Placeholder 1"/>
+          <p:cNvSpPr>
+            <a:spLocks noGrp="1" noRot="1" noChangeAspect="1"/>
+          </p:cNvSpPr>
+          <p:nvPr>
+            <p:ph type="sldImg"/>
+          </p:nvPr>
+        </p:nvSpPr>
+        <p:spPr/>
+      </p:sp>
+      <p:sp>
+        <p:nvSpPr>
+          <p:cNvPr id="3" name="Notes Placeholder 2"/>
+          <p:cNvSpPr>
+            <a:spLocks noGrp="1"/>
+          </p:cNvSpPr>
+          <p:nvPr>
+            <p:ph type="body" idx="1"/>
+          </p:nvPr>
+        </p:nvSpPr>
+        <p:spPr/>
+        <p:txBody>
+          <a:bodyPr>
+            <a:normAutofit/>
+          </a:bodyPr>
+          <a:lstStyle/>
+          <a:p>
+            <a:r>
+              <a:rPr lang="en-IN" sz="1200" i="0" kern="1200" dirty="0" err="1" smtClean="0">
+                <a:solidFill>
+                  <a:schemeClr val="tx1"/>
+                </a:solidFill>
+                <a:latin typeface="+mn-lt"/>
+                <a:ea typeface="+mn-ea"/>
+                <a:cs typeface="+mn-cs"/>
+              </a:rPr>
+              <a:t>int</a:t>
+            </a:r>
+            <a:r>
+              <a:rPr lang="en-IN" dirty="0" smtClean="0"/>
+              <a:t> main () </a:t>
+            </a:r>
+          </a:p>
+          <a:p>
+            <a:r>
+              <a:rPr lang="en-IN" dirty="0" smtClean="0"/>
+              <a:t>{</a:t>
+            </a:r>
+          </a:p>
+          <a:p>
+            <a:r>
+              <a:rPr lang="en-IN" dirty="0" smtClean="0"/>
+              <a:t> </a:t>
+            </a:r>
+            <a:r>
+              <a:rPr lang="en-IN" sz="1200" i="0" kern="1200" dirty="0" err="1" smtClean="0">
+                <a:solidFill>
+                  <a:schemeClr val="tx1"/>
+                </a:solidFill>
+                <a:latin typeface="+mn-lt"/>
+                <a:ea typeface="+mn-ea"/>
+                <a:cs typeface="+mn-cs"/>
+              </a:rPr>
+              <a:t>int</a:t>
+            </a:r>
+            <a:r>
+              <a:rPr lang="en-IN" dirty="0" smtClean="0"/>
+              <a:t> n=10; </a:t>
+            </a:r>
+          </a:p>
+          <a:p>
+            <a:r>
+              <a:rPr lang="en-IN" dirty="0" err="1" smtClean="0"/>
+              <a:t>mylabel</a:t>
+            </a:r>
+            <a:r>
+              <a:rPr lang="en-IN" dirty="0" smtClean="0"/>
+              <a:t>: </a:t>
+            </a:r>
+          </a:p>
+          <a:p>
+            <a:r>
+              <a:rPr lang="en-IN" dirty="0" err="1" smtClean="0"/>
+              <a:t>cout</a:t>
+            </a:r>
+            <a:r>
+              <a:rPr lang="en-IN" dirty="0" smtClean="0"/>
+              <a:t> &lt;&lt; n &lt;&lt; ", "; n--; </a:t>
+            </a:r>
+          </a:p>
+          <a:p>
+            <a:r>
+              <a:rPr lang="en-IN" sz="1200" i="0" kern="1200" dirty="0" smtClean="0">
+                <a:solidFill>
+                  <a:schemeClr val="tx1"/>
+                </a:solidFill>
+                <a:latin typeface="+mn-lt"/>
+                <a:ea typeface="+mn-ea"/>
+                <a:cs typeface="+mn-cs"/>
+              </a:rPr>
+              <a:t>if</a:t>
+            </a:r>
+            <a:r>
+              <a:rPr lang="en-IN" dirty="0" smtClean="0"/>
+              <a:t> (n&gt;0) </a:t>
+            </a:r>
+            <a:r>
+              <a:rPr lang="en-IN" sz="1200" i="0" kern="1200" dirty="0" err="1" smtClean="0">
+                <a:solidFill>
+                  <a:schemeClr val="tx1"/>
+                </a:solidFill>
+                <a:latin typeface="+mn-lt"/>
+                <a:ea typeface="+mn-ea"/>
+                <a:cs typeface="+mn-cs"/>
+              </a:rPr>
+              <a:t>goto</a:t>
+            </a:r>
+            <a:r>
+              <a:rPr lang="en-IN" dirty="0" smtClean="0"/>
+              <a:t> </a:t>
+            </a:r>
+            <a:r>
+              <a:rPr lang="en-IN" dirty="0" err="1" smtClean="0"/>
+              <a:t>mylabel</a:t>
+            </a:r>
+            <a:r>
+              <a:rPr lang="en-IN" dirty="0" smtClean="0"/>
+              <a:t>; </a:t>
+            </a:r>
+          </a:p>
+          <a:p>
+            <a:r>
+              <a:rPr lang="en-IN" dirty="0" err="1" smtClean="0"/>
+              <a:t>cout</a:t>
+            </a:r>
+            <a:r>
+              <a:rPr lang="en-IN" dirty="0" smtClean="0"/>
+              <a:t> &lt;&lt; "liftoff!\n"; </a:t>
+            </a:r>
+          </a:p>
+          <a:p>
+            <a:r>
+              <a:rPr lang="en-IN" dirty="0" smtClean="0"/>
+              <a:t>}</a:t>
+            </a:r>
+            <a:endParaRPr lang="en-IN" dirty="0"/>
+          </a:p>
+        </p:txBody>
+      </p:sp>
+      <p:sp>
+        <p:nvSpPr>
+          <p:cNvPr id="4" name="Slide Number Placeholder 3"/>
+          <p:cNvSpPr>
+            <a:spLocks noGrp="1"/>
+          </p:cNvSpPr>
+          <p:nvPr>
+            <p:ph type="sldNum" sz="quarter" idx="10"/>
+          </p:nvPr>
+        </p:nvSpPr>
+        <p:spPr/>
+        <p:txBody>
+          <a:bodyPr/>
+          <a:lstStyle/>
+          <a:p>
+            <a:fld id="{0865DB13-C0EA-4E4C-9C97-3546718EA88E}" type="slidenum">
+              <a:rPr lang="en-IN" smtClean="0"/>
+              <a:t>16</a:t>
+            </a:fld>
+            <a:endParaRPr lang="en-IN"/>
+          </a:p>
+        </p:txBody>
+      </p:sp>
+    </p:spTree>
+  </p:cSld>
+  <p:clrMapOvr>
+    <a:masterClrMapping/>
+  </p:clrMapOvr>
+</p:notes>
+</file>
+
 <file path=ppt/slideLayouts/slideLayout1.xml><?xml version="1.0" encoding="utf-8"?>
 <p:sldLayout xmlns:a="http://schemas.openxmlformats.org/drawingml/2006/main" xmlns:r="http://schemas.openxmlformats.org/officeDocument/2006/relationships" xmlns:p="http://schemas.openxmlformats.org/presentationml/2006/main" type="title" preserve="1">
   <p:cSld name="Title Slide">
@@ -281,6 +2276,7 @@
           <a:p>
             <a:fld id="{4960FD78-E882-4CBB-B4E9-92B15E107413}" type="datetimeFigureOut">
               <a:rPr lang="en-IN" smtClean="0"/>
+              <a:pPr/>
               <a:t>14-04-2015</a:t>
             </a:fld>
             <a:endParaRPr lang="en-IN"/>
@@ -323,6 +2319,7 @@
           <a:p>
             <a:fld id="{CB1AADCA-3422-437C-A78F-DA7445949679}" type="slidenum">
               <a:rPr lang="en-IN" smtClean="0"/>
+              <a:pPr/>
               <a:t>‹#›</a:t>
             </a:fld>
             <a:endParaRPr lang="en-IN"/>
@@ -446,6 +2443,7 @@
           <a:p>
             <a:fld id="{4960FD78-E882-4CBB-B4E9-92B15E107413}" type="datetimeFigureOut">
               <a:rPr lang="en-IN" smtClean="0"/>
+              <a:pPr/>
               <a:t>14-04-2015</a:t>
             </a:fld>
             <a:endParaRPr lang="en-IN"/>
@@ -488,6 +2486,7 @@
           <a:p>
             <a:fld id="{CB1AADCA-3422-437C-A78F-DA7445949679}" type="slidenum">
               <a:rPr lang="en-IN" smtClean="0"/>
+              <a:pPr/>
               <a:t>‹#›</a:t>
             </a:fld>
             <a:endParaRPr lang="en-IN"/>
@@ -621,6 +2620,7 @@
           <a:p>
             <a:fld id="{4960FD78-E882-4CBB-B4E9-92B15E107413}" type="datetimeFigureOut">
               <a:rPr lang="en-IN" smtClean="0"/>
+              <a:pPr/>
               <a:t>14-04-2015</a:t>
             </a:fld>
             <a:endParaRPr lang="en-IN"/>
@@ -663,6 +2663,7 @@
           <a:p>
             <a:fld id="{CB1AADCA-3422-437C-A78F-DA7445949679}" type="slidenum">
               <a:rPr lang="en-IN" smtClean="0"/>
+              <a:pPr/>
               <a:t>‹#›</a:t>
             </a:fld>
             <a:endParaRPr lang="en-IN"/>
@@ -786,6 +2787,7 @@
           <a:p>
             <a:fld id="{4960FD78-E882-4CBB-B4E9-92B15E107413}" type="datetimeFigureOut">
               <a:rPr lang="en-IN" smtClean="0"/>
+              <a:pPr/>
               <a:t>14-04-2015</a:t>
             </a:fld>
             <a:endParaRPr lang="en-IN"/>
@@ -828,6 +2830,7 @@
           <a:p>
             <a:fld id="{CB1AADCA-3422-437C-A78F-DA7445949679}" type="slidenum">
               <a:rPr lang="en-IN" smtClean="0"/>
+              <a:pPr/>
               <a:t>‹#›</a:t>
             </a:fld>
             <a:endParaRPr lang="en-IN"/>
@@ -1028,6 +3031,7 @@
           <a:p>
             <a:fld id="{4960FD78-E882-4CBB-B4E9-92B15E107413}" type="datetimeFigureOut">
               <a:rPr lang="en-IN" smtClean="0"/>
+              <a:pPr/>
               <a:t>14-04-2015</a:t>
             </a:fld>
             <a:endParaRPr lang="en-IN"/>
@@ -1070,6 +3074,7 @@
           <a:p>
             <a:fld id="{CB1AADCA-3422-437C-A78F-DA7445949679}" type="slidenum">
               <a:rPr lang="en-IN" smtClean="0"/>
+              <a:pPr/>
               <a:t>‹#›</a:t>
             </a:fld>
             <a:endParaRPr lang="en-IN"/>
@@ -1292,6 +3297,7 @@
           <a:p>
             <a:fld id="{4960FD78-E882-4CBB-B4E9-92B15E107413}" type="datetimeFigureOut">
               <a:rPr lang="en-IN" smtClean="0"/>
+              <a:pPr/>
               <a:t>14-04-2015</a:t>
             </a:fld>
             <a:endParaRPr lang="en-IN"/>
@@ -1334,6 +3340,7 @@
           <a:p>
             <a:fld id="{CB1AADCA-3422-437C-A78F-DA7445949679}" type="slidenum">
               <a:rPr lang="en-IN" smtClean="0"/>
+              <a:pPr/>
               <a:t>‹#›</a:t>
             </a:fld>
             <a:endParaRPr lang="en-IN"/>
@@ -1670,6 +3677,7 @@
           <a:p>
             <a:fld id="{4960FD78-E882-4CBB-B4E9-92B15E107413}" type="datetimeFigureOut">
               <a:rPr lang="en-IN" smtClean="0"/>
+              <a:pPr/>
               <a:t>14-04-2015</a:t>
             </a:fld>
             <a:endParaRPr lang="en-IN"/>
@@ -1712,6 +3720,7 @@
           <a:p>
             <a:fld id="{CB1AADCA-3422-437C-A78F-DA7445949679}" type="slidenum">
               <a:rPr lang="en-IN" smtClean="0"/>
+              <a:pPr/>
               <a:t>‹#›</a:t>
             </a:fld>
             <a:endParaRPr lang="en-IN"/>
@@ -1820,6 +3829,7 @@
           <a:p>
             <a:fld id="{4960FD78-E882-4CBB-B4E9-92B15E107413}" type="datetimeFigureOut">
               <a:rPr lang="en-IN" smtClean="0"/>
+              <a:pPr/>
               <a:t>14-04-2015</a:t>
             </a:fld>
             <a:endParaRPr lang="en-IN"/>
@@ -1862,6 +3872,7 @@
           <a:p>
             <a:fld id="{CB1AADCA-3422-437C-A78F-DA7445949679}" type="slidenum">
               <a:rPr lang="en-IN" smtClean="0"/>
+              <a:pPr/>
               <a:t>‹#›</a:t>
             </a:fld>
             <a:endParaRPr lang="en-IN"/>
@@ -1910,6 +3921,7 @@
           <a:p>
             <a:fld id="{4960FD78-E882-4CBB-B4E9-92B15E107413}" type="datetimeFigureOut">
               <a:rPr lang="en-IN" smtClean="0"/>
+              <a:pPr/>
               <a:t>14-04-2015</a:t>
             </a:fld>
             <a:endParaRPr lang="en-IN"/>
@@ -1952,6 +3964,7 @@
           <a:p>
             <a:fld id="{CB1AADCA-3422-437C-A78F-DA7445949679}" type="slidenum">
               <a:rPr lang="en-IN" smtClean="0"/>
+              <a:pPr/>
               <a:t>‹#›</a:t>
             </a:fld>
             <a:endParaRPr lang="en-IN"/>
@@ -2171,6 +4184,7 @@
           <a:p>
             <a:fld id="{4960FD78-E882-4CBB-B4E9-92B15E107413}" type="datetimeFigureOut">
               <a:rPr lang="en-IN" smtClean="0"/>
+              <a:pPr/>
               <a:t>14-04-2015</a:t>
             </a:fld>
             <a:endParaRPr lang="en-IN"/>
@@ -2213,6 +4227,7 @@
           <a:p>
             <a:fld id="{CB1AADCA-3422-437C-A78F-DA7445949679}" type="slidenum">
               <a:rPr lang="en-IN" smtClean="0"/>
+              <a:pPr/>
               <a:t>‹#›</a:t>
             </a:fld>
             <a:endParaRPr lang="en-IN"/>
@@ -2459,6 +4474,7 @@
           <a:p>
             <a:fld id="{4960FD78-E882-4CBB-B4E9-92B15E107413}" type="datetimeFigureOut">
               <a:rPr lang="en-IN" smtClean="0"/>
+              <a:pPr/>
               <a:t>14-04-2015</a:t>
             </a:fld>
             <a:endParaRPr lang="en-IN"/>
@@ -2506,6 +4522,7 @@
           <a:p>
             <a:fld id="{CB1AADCA-3422-437C-A78F-DA7445949679}" type="slidenum">
               <a:rPr lang="en-IN" smtClean="0"/>
+              <a:pPr/>
               <a:t>‹#›</a:t>
             </a:fld>
             <a:endParaRPr lang="en-IN"/>
@@ -3230,6 +5247,7 @@
           <a:p>
             <a:fld id="{4960FD78-E882-4CBB-B4E9-92B15E107413}" type="datetimeFigureOut">
               <a:rPr lang="en-IN" smtClean="0"/>
+              <a:pPr/>
               <a:t>14-04-2015</a:t>
             </a:fld>
             <a:endParaRPr lang="en-IN"/>
@@ -3308,6 +5326,7 @@
           <a:p>
             <a:fld id="{CB1AADCA-3422-437C-A78F-DA7445949679}" type="slidenum">
               <a:rPr lang="en-IN" smtClean="0"/>
+              <a:pPr/>
               <a:t>‹#›</a:t>
             </a:fld>
             <a:endParaRPr lang="en-IN"/>
@@ -3891,9 +5910,1483 @@
               <a:t>-Shivanand </a:t>
             </a:r>
             <a:r>
+              <a:rPr lang="en-IN" dirty="0" smtClean="0"/>
+              <a:t>Naik</a:t>
+            </a:r>
+            <a:endParaRPr lang="en-IN" dirty="0"/>
+          </a:p>
+        </p:txBody>
+      </p:sp>
+    </p:spTree>
+  </p:cSld>
+  <p:clrMapOvr>
+    <a:masterClrMapping/>
+  </p:clrMapOvr>
+</p:sld>
+</file>
+
+<file path=ppt/slides/slide10.xml><?xml version="1.0" encoding="utf-8"?>
+<p:sld xmlns:a="http://schemas.openxmlformats.org/drawingml/2006/main" xmlns:r="http://schemas.openxmlformats.org/officeDocument/2006/relationships" xmlns:p="http://schemas.openxmlformats.org/presentationml/2006/main">
+  <p:cSld>
+    <p:spTree>
+      <p:nvGrpSpPr>
+        <p:cNvPr id="1" name=""/>
+        <p:cNvGrpSpPr/>
+        <p:nvPr/>
+      </p:nvGrpSpPr>
+      <p:grpSpPr>
+        <a:xfrm>
+          <a:off x="0" y="0"/>
+          <a:ext cx="0" cy="0"/>
+          <a:chOff x="0" y="0"/>
+          <a:chExt cx="0" cy="0"/>
+        </a:xfrm>
+      </p:grpSpPr>
+      <p:sp>
+        <p:nvSpPr>
+          <p:cNvPr id="2" name="Title 1"/>
+          <p:cNvSpPr>
+            <a:spLocks noGrp="1"/>
+          </p:cNvSpPr>
+          <p:nvPr>
+            <p:ph type="title"/>
+          </p:nvPr>
+        </p:nvSpPr>
+        <p:spPr/>
+        <p:txBody>
+          <a:bodyPr/>
+          <a:lstStyle/>
+          <a:p>
+            <a:r>
+              <a:rPr lang="en-IN" dirty="0" smtClean="0"/>
+              <a:t>Storage Duration</a:t>
+            </a:r>
+            <a:endParaRPr lang="en-IN" dirty="0"/>
+          </a:p>
+        </p:txBody>
+      </p:sp>
+      <p:sp>
+        <p:nvSpPr>
+          <p:cNvPr id="3" name="Content Placeholder 2"/>
+          <p:cNvSpPr>
+            <a:spLocks noGrp="1"/>
+          </p:cNvSpPr>
+          <p:nvPr>
+            <p:ph idx="1"/>
+          </p:nvPr>
+        </p:nvSpPr>
+        <p:spPr>
+          <a:xfrm>
+            <a:off x="457200" y="1992208"/>
+            <a:ext cx="8229600" cy="4389120"/>
+          </a:xfrm>
+        </p:spPr>
+        <p:txBody>
+          <a:bodyPr>
+            <a:normAutofit/>
+          </a:bodyPr>
+          <a:lstStyle/>
+          <a:p>
+            <a:r>
+              <a:rPr lang="en-IN" dirty="0" smtClean="0"/>
+              <a:t>Automatic</a:t>
+            </a:r>
+          </a:p>
+          <a:p>
+            <a:pPr lvl="1"/>
+            <a:r>
+              <a:rPr lang="en-IN" dirty="0" smtClean="0"/>
+              <a:t>Non global, non static blocked scope variables and non extern</a:t>
+            </a:r>
+          </a:p>
+          <a:p>
+            <a:r>
+              <a:rPr lang="en-IN" dirty="0" smtClean="0"/>
+              <a:t>Static – complete program</a:t>
+            </a:r>
+          </a:p>
+          <a:p>
+            <a:r>
+              <a:rPr lang="en-IN" dirty="0" smtClean="0"/>
+              <a:t>Thread – To be discussed during C++11 </a:t>
+            </a:r>
+          </a:p>
+          <a:p>
+            <a:r>
+              <a:rPr lang="en-IN" dirty="0" smtClean="0"/>
+              <a:t>Dynamic – dynamic memory allocation.</a:t>
+            </a:r>
+          </a:p>
+          <a:p>
+            <a:endParaRPr lang="en-IN" dirty="0" smtClean="0"/>
+          </a:p>
+          <a:p>
+            <a:endParaRPr lang="en-IN" dirty="0" smtClean="0"/>
+          </a:p>
+          <a:p>
+            <a:endParaRPr lang="en-IN" dirty="0" smtClean="0"/>
+          </a:p>
+          <a:p>
+            <a:endParaRPr lang="en-IN" dirty="0"/>
+          </a:p>
+        </p:txBody>
+      </p:sp>
+    </p:spTree>
+  </p:cSld>
+  <p:clrMapOvr>
+    <a:masterClrMapping/>
+  </p:clrMapOvr>
+</p:sld>
+</file>
+
+<file path=ppt/slides/slide11.xml><?xml version="1.0" encoding="utf-8"?>
+<p:sld xmlns:a="http://schemas.openxmlformats.org/drawingml/2006/main" xmlns:r="http://schemas.openxmlformats.org/officeDocument/2006/relationships" xmlns:p="http://schemas.openxmlformats.org/presentationml/2006/main">
+  <p:cSld>
+    <p:spTree>
+      <p:nvGrpSpPr>
+        <p:cNvPr id="1" name=""/>
+        <p:cNvGrpSpPr/>
+        <p:nvPr/>
+      </p:nvGrpSpPr>
+      <p:grpSpPr>
+        <a:xfrm>
+          <a:off x="0" y="0"/>
+          <a:ext cx="0" cy="0"/>
+          <a:chOff x="0" y="0"/>
+          <a:chExt cx="0" cy="0"/>
+        </a:xfrm>
+      </p:grpSpPr>
+      <p:sp>
+        <p:nvSpPr>
+          <p:cNvPr id="2" name="Title 1"/>
+          <p:cNvSpPr>
+            <a:spLocks noGrp="1"/>
+          </p:cNvSpPr>
+          <p:nvPr>
+            <p:ph type="title"/>
+          </p:nvPr>
+        </p:nvSpPr>
+        <p:spPr/>
+        <p:txBody>
+          <a:bodyPr/>
+          <a:lstStyle/>
+          <a:p>
+            <a:r>
+              <a:rPr lang="en-IN" dirty="0" smtClean="0"/>
+              <a:t>Agenda</a:t>
+            </a:r>
+            <a:endParaRPr lang="en-IN" dirty="0"/>
+          </a:p>
+        </p:txBody>
+      </p:sp>
+      <p:sp>
+        <p:nvSpPr>
+          <p:cNvPr id="3" name="Content Placeholder 2"/>
+          <p:cNvSpPr>
+            <a:spLocks noGrp="1"/>
+          </p:cNvSpPr>
+          <p:nvPr>
+            <p:ph idx="1"/>
+          </p:nvPr>
+        </p:nvSpPr>
+        <p:spPr>
+          <a:xfrm>
+            <a:off x="457200" y="1992208"/>
+            <a:ext cx="8229600" cy="4389120"/>
+          </a:xfrm>
+        </p:spPr>
+        <p:txBody>
+          <a:bodyPr/>
+          <a:lstStyle/>
+          <a:p>
+            <a:r>
+              <a:rPr lang="en-IN" dirty="0" smtClean="0"/>
+              <a:t>C++ background and C++ v/s C</a:t>
+            </a:r>
+          </a:p>
+          <a:p>
+            <a:r>
+              <a:rPr lang="en-IN" dirty="0" smtClean="0"/>
+              <a:t>C++ Storage Classes</a:t>
+            </a:r>
+          </a:p>
+          <a:p>
+            <a:r>
+              <a:rPr lang="en-IN" sz="2800" b="1" dirty="0" smtClean="0"/>
+              <a:t>Compiling, linking, loading and running a C++ program.</a:t>
+            </a:r>
+          </a:p>
+          <a:p>
+            <a:r>
+              <a:rPr lang="en-IN" dirty="0" smtClean="0"/>
+              <a:t>C++ Identifiers</a:t>
+            </a:r>
+          </a:p>
+          <a:p>
+            <a:r>
+              <a:rPr lang="en-IN" dirty="0" smtClean="0"/>
+              <a:t>C++ Flow Control</a:t>
+            </a:r>
+            <a:endParaRPr lang="en-IN" dirty="0" smtClean="0"/>
+          </a:p>
+          <a:p>
+            <a:r>
+              <a:rPr lang="en-IN" dirty="0" smtClean="0"/>
+              <a:t>SOLID principles</a:t>
+            </a:r>
+          </a:p>
+          <a:p>
+            <a:endParaRPr lang="en-IN" dirty="0" smtClean="0"/>
+          </a:p>
+          <a:p>
+            <a:endParaRPr lang="en-IN" dirty="0" smtClean="0"/>
+          </a:p>
+          <a:p>
+            <a:endParaRPr lang="en-IN" dirty="0" smtClean="0"/>
+          </a:p>
+          <a:p>
+            <a:endParaRPr lang="en-IN" dirty="0" smtClean="0"/>
+          </a:p>
+          <a:p>
+            <a:endParaRPr lang="en-IN" dirty="0"/>
+          </a:p>
+        </p:txBody>
+      </p:sp>
+    </p:spTree>
+  </p:cSld>
+  <p:clrMapOvr>
+    <a:masterClrMapping/>
+  </p:clrMapOvr>
+</p:sld>
+</file>
+
+<file path=ppt/slides/slide12.xml><?xml version="1.0" encoding="utf-8"?>
+<p:sld xmlns:a="http://schemas.openxmlformats.org/drawingml/2006/main" xmlns:r="http://schemas.openxmlformats.org/officeDocument/2006/relationships" xmlns:p="http://schemas.openxmlformats.org/presentationml/2006/main">
+  <p:cSld>
+    <p:spTree>
+      <p:nvGrpSpPr>
+        <p:cNvPr id="1" name=""/>
+        <p:cNvGrpSpPr/>
+        <p:nvPr/>
+      </p:nvGrpSpPr>
+      <p:grpSpPr>
+        <a:xfrm>
+          <a:off x="0" y="0"/>
+          <a:ext cx="0" cy="0"/>
+          <a:chOff x="0" y="0"/>
+          <a:chExt cx="0" cy="0"/>
+        </a:xfrm>
+      </p:grpSpPr>
+      <p:sp>
+        <p:nvSpPr>
+          <p:cNvPr id="2" name="Title 1"/>
+          <p:cNvSpPr>
+            <a:spLocks noGrp="1"/>
+          </p:cNvSpPr>
+          <p:nvPr>
+            <p:ph type="title"/>
+          </p:nvPr>
+        </p:nvSpPr>
+        <p:spPr/>
+        <p:txBody>
+          <a:bodyPr/>
+          <a:lstStyle/>
+          <a:p>
+            <a:r>
+              <a:rPr lang="en-IN" dirty="0" smtClean="0"/>
+              <a:t>Lets see examples on </a:t>
+            </a:r>
+            <a:r>
               <a:rPr lang="en-IN" dirty="0" err="1" smtClean="0"/>
-              <a:t>Naiksdfsfsdf</a:t>
-            </a:r>
+              <a:t>linux</a:t>
+            </a:r>
+            <a:r>
+              <a:rPr lang="en-IN" dirty="0" smtClean="0"/>
+              <a:t> box</a:t>
+            </a:r>
+            <a:endParaRPr lang="en-IN" dirty="0"/>
+          </a:p>
+        </p:txBody>
+      </p:sp>
+      <p:sp>
+        <p:nvSpPr>
+          <p:cNvPr id="3" name="Content Placeholder 2"/>
+          <p:cNvSpPr>
+            <a:spLocks noGrp="1"/>
+          </p:cNvSpPr>
+          <p:nvPr>
+            <p:ph idx="1"/>
+          </p:nvPr>
+        </p:nvSpPr>
+        <p:spPr>
+          <a:xfrm>
+            <a:off x="457200" y="1992208"/>
+            <a:ext cx="8229600" cy="4389120"/>
+          </a:xfrm>
+        </p:spPr>
+        <p:txBody>
+          <a:bodyPr>
+            <a:normAutofit/>
+          </a:bodyPr>
+          <a:lstStyle/>
+          <a:p>
+            <a:r>
+              <a:rPr lang="en-IN" dirty="0" smtClean="0"/>
+              <a:t>.</a:t>
+            </a:r>
+          </a:p>
+          <a:p>
+            <a:endParaRPr lang="en-IN" dirty="0" smtClean="0"/>
+          </a:p>
+          <a:p>
+            <a:endParaRPr lang="en-IN" dirty="0" smtClean="0"/>
+          </a:p>
+          <a:p>
+            <a:endParaRPr lang="en-IN" dirty="0" smtClean="0"/>
+          </a:p>
+          <a:p>
+            <a:endParaRPr lang="en-IN" dirty="0"/>
+          </a:p>
+        </p:txBody>
+      </p:sp>
+    </p:spTree>
+  </p:cSld>
+  <p:clrMapOvr>
+    <a:masterClrMapping/>
+  </p:clrMapOvr>
+</p:sld>
+</file>
+
+<file path=ppt/slides/slide13.xml><?xml version="1.0" encoding="utf-8"?>
+<p:sld xmlns:a="http://schemas.openxmlformats.org/drawingml/2006/main" xmlns:r="http://schemas.openxmlformats.org/officeDocument/2006/relationships" xmlns:p="http://schemas.openxmlformats.org/presentationml/2006/main">
+  <p:cSld>
+    <p:spTree>
+      <p:nvGrpSpPr>
+        <p:cNvPr id="1" name=""/>
+        <p:cNvGrpSpPr/>
+        <p:nvPr/>
+      </p:nvGrpSpPr>
+      <p:grpSpPr>
+        <a:xfrm>
+          <a:off x="0" y="0"/>
+          <a:ext cx="0" cy="0"/>
+          <a:chOff x="0" y="0"/>
+          <a:chExt cx="0" cy="0"/>
+        </a:xfrm>
+      </p:grpSpPr>
+      <p:sp>
+        <p:nvSpPr>
+          <p:cNvPr id="2" name="Title 1"/>
+          <p:cNvSpPr>
+            <a:spLocks noGrp="1"/>
+          </p:cNvSpPr>
+          <p:nvPr>
+            <p:ph type="title"/>
+          </p:nvPr>
+        </p:nvSpPr>
+        <p:spPr/>
+        <p:txBody>
+          <a:bodyPr/>
+          <a:lstStyle/>
+          <a:p>
+            <a:r>
+              <a:rPr lang="en-IN" dirty="0" smtClean="0"/>
+              <a:t>Agenda</a:t>
+            </a:r>
+            <a:endParaRPr lang="en-IN" dirty="0"/>
+          </a:p>
+        </p:txBody>
+      </p:sp>
+      <p:sp>
+        <p:nvSpPr>
+          <p:cNvPr id="3" name="Content Placeholder 2"/>
+          <p:cNvSpPr>
+            <a:spLocks noGrp="1"/>
+          </p:cNvSpPr>
+          <p:nvPr>
+            <p:ph idx="1"/>
+          </p:nvPr>
+        </p:nvSpPr>
+        <p:spPr>
+          <a:xfrm>
+            <a:off x="457200" y="1992208"/>
+            <a:ext cx="8229600" cy="4389120"/>
+          </a:xfrm>
+        </p:spPr>
+        <p:txBody>
+          <a:bodyPr/>
+          <a:lstStyle/>
+          <a:p>
+            <a:r>
+              <a:rPr lang="en-IN" dirty="0" smtClean="0"/>
+              <a:t>C++ background and C++ v/s C</a:t>
+            </a:r>
+          </a:p>
+          <a:p>
+            <a:r>
+              <a:rPr lang="en-IN" dirty="0" smtClean="0"/>
+              <a:t>C++ Storage Classes</a:t>
+            </a:r>
+          </a:p>
+          <a:p>
+            <a:r>
+              <a:rPr lang="en-IN" dirty="0" smtClean="0"/>
+              <a:t>Compiling, linking, loading and running a C++ program.</a:t>
+            </a:r>
+          </a:p>
+          <a:p>
+            <a:r>
+              <a:rPr lang="en-IN" sz="2800" b="1" dirty="0" smtClean="0"/>
+              <a:t>C++ Identifiers</a:t>
+            </a:r>
+          </a:p>
+          <a:p>
+            <a:r>
+              <a:rPr lang="en-IN" dirty="0" smtClean="0"/>
+              <a:t>C++ Flow Control</a:t>
+            </a:r>
+            <a:endParaRPr lang="en-IN" dirty="0" smtClean="0"/>
+          </a:p>
+          <a:p>
+            <a:r>
+              <a:rPr lang="en-IN" dirty="0" smtClean="0"/>
+              <a:t>SOLID principles</a:t>
+            </a:r>
+          </a:p>
+          <a:p>
+            <a:endParaRPr lang="en-IN" dirty="0" smtClean="0"/>
+          </a:p>
+          <a:p>
+            <a:endParaRPr lang="en-IN" dirty="0" smtClean="0"/>
+          </a:p>
+          <a:p>
+            <a:endParaRPr lang="en-IN" dirty="0" smtClean="0"/>
+          </a:p>
+          <a:p>
+            <a:endParaRPr lang="en-IN" dirty="0" smtClean="0"/>
+          </a:p>
+          <a:p>
+            <a:endParaRPr lang="en-IN" dirty="0"/>
+          </a:p>
+        </p:txBody>
+      </p:sp>
+    </p:spTree>
+  </p:cSld>
+  <p:clrMapOvr>
+    <a:masterClrMapping/>
+  </p:clrMapOvr>
+</p:sld>
+</file>
+
+<file path=ppt/slides/slide14.xml><?xml version="1.0" encoding="utf-8"?>
+<p:sld xmlns:a="http://schemas.openxmlformats.org/drawingml/2006/main" xmlns:r="http://schemas.openxmlformats.org/officeDocument/2006/relationships" xmlns:p="http://schemas.openxmlformats.org/presentationml/2006/main">
+  <p:cSld>
+    <p:spTree>
+      <p:nvGrpSpPr>
+        <p:cNvPr id="1" name=""/>
+        <p:cNvGrpSpPr/>
+        <p:nvPr/>
+      </p:nvGrpSpPr>
+      <p:grpSpPr>
+        <a:xfrm>
+          <a:off x="0" y="0"/>
+          <a:ext cx="0" cy="0"/>
+          <a:chOff x="0" y="0"/>
+          <a:chExt cx="0" cy="0"/>
+        </a:xfrm>
+      </p:grpSpPr>
+      <p:sp>
+        <p:nvSpPr>
+          <p:cNvPr id="2" name="Title 1"/>
+          <p:cNvSpPr>
+            <a:spLocks noGrp="1"/>
+          </p:cNvSpPr>
+          <p:nvPr>
+            <p:ph type="title"/>
+          </p:nvPr>
+        </p:nvSpPr>
+        <p:spPr/>
+        <p:txBody>
+          <a:bodyPr/>
+          <a:lstStyle/>
+          <a:p>
+            <a:r>
+              <a:rPr lang="en-IN" dirty="0" smtClean="0"/>
+              <a:t>C++ identifiers</a:t>
+            </a:r>
+            <a:endParaRPr lang="en-IN" dirty="0"/>
+          </a:p>
+        </p:txBody>
+      </p:sp>
+      <p:sp>
+        <p:nvSpPr>
+          <p:cNvPr id="3" name="Content Placeholder 2"/>
+          <p:cNvSpPr>
+            <a:spLocks noGrp="1"/>
+          </p:cNvSpPr>
+          <p:nvPr>
+            <p:ph idx="1"/>
+          </p:nvPr>
+        </p:nvSpPr>
+        <p:spPr>
+          <a:xfrm>
+            <a:off x="457200" y="1992208"/>
+            <a:ext cx="8229600" cy="4389120"/>
+          </a:xfrm>
+        </p:spPr>
+        <p:txBody>
+          <a:bodyPr>
+            <a:normAutofit fontScale="70000" lnSpcReduction="20000"/>
+          </a:bodyPr>
+          <a:lstStyle/>
+          <a:p>
+            <a:r>
+              <a:rPr lang="en-IN" dirty="0" smtClean="0"/>
+              <a:t>An identifier is a sequence of characters used to denote one of the following:</a:t>
+            </a:r>
+          </a:p>
+          <a:p>
+            <a:pPr lvl="1"/>
+            <a:r>
+              <a:rPr lang="en-IN" dirty="0" smtClean="0"/>
+              <a:t>Object or variable name</a:t>
+            </a:r>
+          </a:p>
+          <a:p>
+            <a:pPr lvl="1"/>
+            <a:r>
+              <a:rPr lang="en-IN" dirty="0" smtClean="0"/>
+              <a:t>Class, structure, or union name</a:t>
+            </a:r>
+          </a:p>
+          <a:p>
+            <a:pPr lvl="1"/>
+            <a:r>
+              <a:rPr lang="en-IN" dirty="0" smtClean="0"/>
+              <a:t>Enumerated type name</a:t>
+            </a:r>
+          </a:p>
+          <a:p>
+            <a:pPr lvl="1"/>
+            <a:r>
+              <a:rPr lang="en-IN" dirty="0" smtClean="0"/>
+              <a:t>Member of a class, structure, union, or enumeration</a:t>
+            </a:r>
+          </a:p>
+          <a:p>
+            <a:pPr lvl="1"/>
+            <a:r>
+              <a:rPr lang="en-IN" dirty="0" smtClean="0"/>
+              <a:t>Function or class-member function</a:t>
+            </a:r>
+          </a:p>
+          <a:p>
+            <a:pPr lvl="1"/>
+            <a:r>
+              <a:rPr lang="en-IN" dirty="0" err="1" smtClean="0"/>
+              <a:t>typedef</a:t>
+            </a:r>
+            <a:r>
+              <a:rPr lang="en-IN" dirty="0" smtClean="0"/>
+              <a:t> name</a:t>
+            </a:r>
+          </a:p>
+          <a:p>
+            <a:pPr lvl="1"/>
+            <a:r>
+              <a:rPr lang="en-IN" dirty="0" smtClean="0"/>
+              <a:t>Label name</a:t>
+            </a:r>
+          </a:p>
+          <a:p>
+            <a:pPr lvl="1"/>
+            <a:r>
+              <a:rPr lang="en-IN" dirty="0" smtClean="0"/>
+              <a:t>Macro name</a:t>
+            </a:r>
+          </a:p>
+          <a:p>
+            <a:pPr lvl="1"/>
+            <a:r>
+              <a:rPr lang="en-IN" dirty="0" smtClean="0"/>
+              <a:t>Macro </a:t>
+            </a:r>
+            <a:r>
+              <a:rPr lang="en-IN" dirty="0" smtClean="0"/>
+              <a:t>parameter</a:t>
+            </a:r>
+          </a:p>
+          <a:p>
+            <a:r>
+              <a:rPr lang="en-IN" dirty="0" smtClean="0"/>
+              <a:t>Cannot begin with numeric</a:t>
+            </a:r>
+          </a:p>
+          <a:p>
+            <a:r>
+              <a:rPr lang="en-IN" dirty="0" smtClean="0"/>
+              <a:t>Can begin with A-Z, a-z, _</a:t>
+            </a:r>
+          </a:p>
+          <a:p>
+            <a:r>
+              <a:rPr lang="en-IN" dirty="0" smtClean="0"/>
+              <a:t>Cannot conflict with keywords ex.  </a:t>
+            </a:r>
+            <a:r>
+              <a:rPr lang="en-IN" dirty="0" err="1" smtClean="0"/>
+              <a:t>int</a:t>
+            </a:r>
+            <a:r>
+              <a:rPr lang="en-IN" dirty="0" smtClean="0"/>
+              <a:t> float;</a:t>
+            </a:r>
+          </a:p>
+          <a:p>
+            <a:r>
+              <a:rPr lang="en-IN" dirty="0" smtClean="0"/>
+              <a:t>Cannot begin with __ or  P_ (capital followed by _). Reserved</a:t>
+            </a:r>
+          </a:p>
+          <a:p>
+            <a:r>
+              <a:rPr lang="en-IN" dirty="0" smtClean="0"/>
+              <a:t/>
+            </a:r>
+            <a:br>
+              <a:rPr lang="en-IN" dirty="0" smtClean="0"/>
+            </a:br>
+            <a:endParaRPr lang="en-IN" dirty="0" smtClean="0"/>
+          </a:p>
+          <a:p>
+            <a:endParaRPr lang="en-IN" dirty="0" smtClean="0"/>
+          </a:p>
+          <a:p>
+            <a:endParaRPr lang="en-IN" dirty="0" smtClean="0"/>
+          </a:p>
+          <a:p>
+            <a:endParaRPr lang="en-IN" dirty="0"/>
+          </a:p>
+        </p:txBody>
+      </p:sp>
+    </p:spTree>
+  </p:cSld>
+  <p:clrMapOvr>
+    <a:masterClrMapping/>
+  </p:clrMapOvr>
+</p:sld>
+</file>
+
+<file path=ppt/slides/slide15.xml><?xml version="1.0" encoding="utf-8"?>
+<p:sld xmlns:a="http://schemas.openxmlformats.org/drawingml/2006/main" xmlns:r="http://schemas.openxmlformats.org/officeDocument/2006/relationships" xmlns:p="http://schemas.openxmlformats.org/presentationml/2006/main">
+  <p:cSld>
+    <p:spTree>
+      <p:nvGrpSpPr>
+        <p:cNvPr id="1" name=""/>
+        <p:cNvGrpSpPr/>
+        <p:nvPr/>
+      </p:nvGrpSpPr>
+      <p:grpSpPr>
+        <a:xfrm>
+          <a:off x="0" y="0"/>
+          <a:ext cx="0" cy="0"/>
+          <a:chOff x="0" y="0"/>
+          <a:chExt cx="0" cy="0"/>
+        </a:xfrm>
+      </p:grpSpPr>
+      <p:sp>
+        <p:nvSpPr>
+          <p:cNvPr id="2" name="Title 1"/>
+          <p:cNvSpPr>
+            <a:spLocks noGrp="1"/>
+          </p:cNvSpPr>
+          <p:nvPr>
+            <p:ph type="title"/>
+          </p:nvPr>
+        </p:nvSpPr>
+        <p:spPr/>
+        <p:txBody>
+          <a:bodyPr/>
+          <a:lstStyle/>
+          <a:p>
+            <a:r>
+              <a:rPr lang="en-IN" dirty="0" smtClean="0"/>
+              <a:t>Agenda</a:t>
+            </a:r>
+            <a:endParaRPr lang="en-IN" dirty="0"/>
+          </a:p>
+        </p:txBody>
+      </p:sp>
+      <p:sp>
+        <p:nvSpPr>
+          <p:cNvPr id="3" name="Content Placeholder 2"/>
+          <p:cNvSpPr>
+            <a:spLocks noGrp="1"/>
+          </p:cNvSpPr>
+          <p:nvPr>
+            <p:ph idx="1"/>
+          </p:nvPr>
+        </p:nvSpPr>
+        <p:spPr>
+          <a:xfrm>
+            <a:off x="457200" y="1992208"/>
+            <a:ext cx="8229600" cy="4389120"/>
+          </a:xfrm>
+        </p:spPr>
+        <p:txBody>
+          <a:bodyPr/>
+          <a:lstStyle/>
+          <a:p>
+            <a:r>
+              <a:rPr lang="en-IN" dirty="0" smtClean="0"/>
+              <a:t>C++ background and C++ v/s C</a:t>
+            </a:r>
+          </a:p>
+          <a:p>
+            <a:r>
+              <a:rPr lang="en-IN" dirty="0" smtClean="0"/>
+              <a:t>C++ Storage Classes</a:t>
+            </a:r>
+          </a:p>
+          <a:p>
+            <a:r>
+              <a:rPr lang="en-IN" dirty="0" smtClean="0"/>
+              <a:t>Compiling, linking, loading and running a C++ program.</a:t>
+            </a:r>
+          </a:p>
+          <a:p>
+            <a:r>
+              <a:rPr lang="en-IN" dirty="0" smtClean="0"/>
+              <a:t>C++ Identifiers</a:t>
+            </a:r>
+          </a:p>
+          <a:p>
+            <a:r>
+              <a:rPr lang="en-IN" sz="2800" b="1" dirty="0" smtClean="0"/>
+              <a:t>C++ Flow Control</a:t>
+            </a:r>
+          </a:p>
+          <a:p>
+            <a:r>
+              <a:rPr lang="en-IN" dirty="0" smtClean="0"/>
+              <a:t>SOLID principles</a:t>
+            </a:r>
+          </a:p>
+          <a:p>
+            <a:endParaRPr lang="en-IN" dirty="0" smtClean="0"/>
+          </a:p>
+          <a:p>
+            <a:endParaRPr lang="en-IN" dirty="0" smtClean="0"/>
+          </a:p>
+          <a:p>
+            <a:endParaRPr lang="en-IN" dirty="0" smtClean="0"/>
+          </a:p>
+          <a:p>
+            <a:endParaRPr lang="en-IN" dirty="0" smtClean="0"/>
+          </a:p>
+          <a:p>
+            <a:endParaRPr lang="en-IN" dirty="0"/>
+          </a:p>
+        </p:txBody>
+      </p:sp>
+    </p:spTree>
+  </p:cSld>
+  <p:clrMapOvr>
+    <a:masterClrMapping/>
+  </p:clrMapOvr>
+</p:sld>
+</file>
+
+<file path=ppt/slides/slide16.xml><?xml version="1.0" encoding="utf-8"?>
+<p:sld xmlns:a="http://schemas.openxmlformats.org/drawingml/2006/main" xmlns:r="http://schemas.openxmlformats.org/officeDocument/2006/relationships" xmlns:p="http://schemas.openxmlformats.org/presentationml/2006/main">
+  <p:cSld>
+    <p:spTree>
+      <p:nvGrpSpPr>
+        <p:cNvPr id="1" name=""/>
+        <p:cNvGrpSpPr/>
+        <p:nvPr/>
+      </p:nvGrpSpPr>
+      <p:grpSpPr>
+        <a:xfrm>
+          <a:off x="0" y="0"/>
+          <a:ext cx="0" cy="0"/>
+          <a:chOff x="0" y="0"/>
+          <a:chExt cx="0" cy="0"/>
+        </a:xfrm>
+      </p:grpSpPr>
+      <p:sp>
+        <p:nvSpPr>
+          <p:cNvPr id="2" name="Title 1"/>
+          <p:cNvSpPr>
+            <a:spLocks noGrp="1"/>
+          </p:cNvSpPr>
+          <p:nvPr>
+            <p:ph type="title"/>
+          </p:nvPr>
+        </p:nvSpPr>
+        <p:spPr/>
+        <p:txBody>
+          <a:bodyPr/>
+          <a:lstStyle/>
+          <a:p>
+            <a:r>
+              <a:rPr lang="en-IN" dirty="0" smtClean="0"/>
+              <a:t>C++ Flow Control</a:t>
+            </a:r>
+            <a:endParaRPr lang="en-IN" dirty="0"/>
+          </a:p>
+        </p:txBody>
+      </p:sp>
+      <p:sp>
+        <p:nvSpPr>
+          <p:cNvPr id="3" name="Content Placeholder 2"/>
+          <p:cNvSpPr>
+            <a:spLocks noGrp="1"/>
+          </p:cNvSpPr>
+          <p:nvPr>
+            <p:ph idx="1"/>
+          </p:nvPr>
+        </p:nvSpPr>
+        <p:spPr>
+          <a:xfrm>
+            <a:off x="457200" y="1992208"/>
+            <a:ext cx="8229600" cy="4389120"/>
+          </a:xfrm>
+        </p:spPr>
+        <p:txBody>
+          <a:bodyPr>
+            <a:normAutofit fontScale="92500" lnSpcReduction="10000"/>
+          </a:bodyPr>
+          <a:lstStyle/>
+          <a:p>
+            <a:r>
+              <a:rPr lang="en-IN" b="1" dirty="0" smtClean="0"/>
+              <a:t>Selection statements: if and else</a:t>
+            </a:r>
+          </a:p>
+          <a:p>
+            <a:r>
+              <a:rPr lang="en-IN" b="1" dirty="0" smtClean="0"/>
+              <a:t>Iteration statements (loops)</a:t>
+            </a:r>
+          </a:p>
+          <a:p>
+            <a:pPr lvl="1"/>
+            <a:r>
+              <a:rPr lang="en-IN" dirty="0" smtClean="0"/>
+              <a:t>while </a:t>
+            </a:r>
+            <a:r>
+              <a:rPr lang="en-IN" dirty="0" smtClean="0"/>
+              <a:t>(</a:t>
+            </a:r>
+            <a:r>
+              <a:rPr lang="en-IN" i="1" dirty="0" smtClean="0"/>
+              <a:t>expression</a:t>
+            </a:r>
+            <a:r>
+              <a:rPr lang="en-IN" dirty="0" smtClean="0"/>
+              <a:t>) </a:t>
+            </a:r>
+            <a:r>
+              <a:rPr lang="en-IN" i="1" dirty="0" smtClean="0"/>
+              <a:t>statement </a:t>
+            </a:r>
+          </a:p>
+          <a:p>
+            <a:pPr lvl="1"/>
+            <a:r>
+              <a:rPr lang="en-IN" dirty="0" smtClean="0"/>
+              <a:t>do </a:t>
+            </a:r>
+            <a:r>
+              <a:rPr lang="en-IN" i="1" dirty="0" smtClean="0"/>
+              <a:t>statement</a:t>
+            </a:r>
+            <a:r>
+              <a:rPr lang="en-IN" dirty="0" smtClean="0"/>
+              <a:t> while (</a:t>
+            </a:r>
+            <a:r>
+              <a:rPr lang="en-IN" i="1" dirty="0" smtClean="0"/>
+              <a:t>condition</a:t>
+            </a:r>
+            <a:r>
+              <a:rPr lang="en-IN" dirty="0" smtClean="0"/>
+              <a:t>); </a:t>
+            </a:r>
+            <a:endParaRPr lang="en-IN" dirty="0" smtClean="0"/>
+          </a:p>
+          <a:p>
+            <a:pPr lvl="1"/>
+            <a:r>
+              <a:rPr lang="en-IN" dirty="0" smtClean="0"/>
+              <a:t>for (initialization; condition; increase) statement; </a:t>
+            </a:r>
+            <a:endParaRPr lang="en-IN" dirty="0" smtClean="0"/>
+          </a:p>
+          <a:p>
+            <a:pPr lvl="1"/>
+            <a:r>
+              <a:rPr lang="en-IN" dirty="0" smtClean="0"/>
+              <a:t>for ( declaration : range ) statement; </a:t>
+            </a:r>
+            <a:endParaRPr lang="en-IN" dirty="0" smtClean="0"/>
+          </a:p>
+          <a:p>
+            <a:r>
+              <a:rPr lang="en-IN" b="1" dirty="0" smtClean="0"/>
+              <a:t>Jump </a:t>
+            </a:r>
+            <a:r>
+              <a:rPr lang="en-IN" b="1" dirty="0" smtClean="0"/>
+              <a:t>statements</a:t>
+            </a:r>
+          </a:p>
+          <a:p>
+            <a:pPr lvl="1"/>
+            <a:r>
+              <a:rPr lang="en-IN" dirty="0" smtClean="0"/>
+              <a:t>The break </a:t>
+            </a:r>
+            <a:r>
+              <a:rPr lang="en-IN" dirty="0" smtClean="0"/>
+              <a:t>statement</a:t>
+            </a:r>
+          </a:p>
+          <a:p>
+            <a:pPr lvl="1"/>
+            <a:r>
+              <a:rPr lang="en-IN" dirty="0" smtClean="0"/>
+              <a:t>The continue </a:t>
+            </a:r>
+            <a:r>
+              <a:rPr lang="en-IN" dirty="0" smtClean="0"/>
+              <a:t>statement</a:t>
+            </a:r>
+          </a:p>
+          <a:p>
+            <a:pPr lvl="1"/>
+            <a:r>
+              <a:rPr lang="en-IN" dirty="0" smtClean="0"/>
+              <a:t>The </a:t>
+            </a:r>
+            <a:r>
+              <a:rPr lang="en-IN" dirty="0" err="1" smtClean="0"/>
+              <a:t>goto</a:t>
+            </a:r>
+            <a:r>
+              <a:rPr lang="en-IN" dirty="0" smtClean="0"/>
+              <a:t> </a:t>
+            </a:r>
+            <a:r>
+              <a:rPr lang="en-IN" dirty="0" smtClean="0"/>
+              <a:t>statement</a:t>
+            </a:r>
+          </a:p>
+          <a:p>
+            <a:r>
+              <a:rPr lang="en-IN" sz="3000" b="1" dirty="0" smtClean="0"/>
+              <a:t> </a:t>
+            </a:r>
+          </a:p>
+          <a:p>
+            <a:pPr lvl="1">
+              <a:buNone/>
+            </a:pPr>
+            <a:endParaRPr lang="en-IN" dirty="0" smtClean="0"/>
+          </a:p>
+          <a:p>
+            <a:pPr lvl="1"/>
+            <a:endParaRPr lang="en-IN" dirty="0" smtClean="0"/>
+          </a:p>
+          <a:p>
+            <a:pPr lvl="1"/>
+            <a:endParaRPr lang="en-IN" dirty="0" smtClean="0"/>
+          </a:p>
+          <a:p>
+            <a:pPr lvl="1"/>
+            <a:endParaRPr lang="en-IN" b="1" dirty="0" smtClean="0"/>
+          </a:p>
+          <a:p>
+            <a:endParaRPr lang="en-IN" dirty="0" smtClean="0"/>
+          </a:p>
+          <a:p>
+            <a:endParaRPr lang="en-IN" dirty="0" smtClean="0"/>
+          </a:p>
+          <a:p>
+            <a:endParaRPr lang="en-IN" dirty="0"/>
+          </a:p>
+        </p:txBody>
+      </p:sp>
+    </p:spTree>
+  </p:cSld>
+  <p:clrMapOvr>
+    <a:masterClrMapping/>
+  </p:clrMapOvr>
+</p:sld>
+</file>
+
+<file path=ppt/slides/slide17.xml><?xml version="1.0" encoding="utf-8"?>
+<p:sld xmlns:a="http://schemas.openxmlformats.org/drawingml/2006/main" xmlns:r="http://schemas.openxmlformats.org/officeDocument/2006/relationships" xmlns:p="http://schemas.openxmlformats.org/presentationml/2006/main">
+  <p:cSld>
+    <p:spTree>
+      <p:nvGrpSpPr>
+        <p:cNvPr id="1" name=""/>
+        <p:cNvGrpSpPr/>
+        <p:nvPr/>
+      </p:nvGrpSpPr>
+      <p:grpSpPr>
+        <a:xfrm>
+          <a:off x="0" y="0"/>
+          <a:ext cx="0" cy="0"/>
+          <a:chOff x="0" y="0"/>
+          <a:chExt cx="0" cy="0"/>
+        </a:xfrm>
+      </p:grpSpPr>
+      <p:sp>
+        <p:nvSpPr>
+          <p:cNvPr id="2" name="Title 1"/>
+          <p:cNvSpPr>
+            <a:spLocks noGrp="1"/>
+          </p:cNvSpPr>
+          <p:nvPr>
+            <p:ph type="title"/>
+          </p:nvPr>
+        </p:nvSpPr>
+        <p:spPr/>
+        <p:txBody>
+          <a:bodyPr/>
+          <a:lstStyle/>
+          <a:p>
+            <a:r>
+              <a:rPr lang="en-IN" dirty="0" smtClean="0"/>
+              <a:t>Cont… C++ Flow Control</a:t>
+            </a:r>
+            <a:endParaRPr lang="en-IN" dirty="0"/>
+          </a:p>
+        </p:txBody>
+      </p:sp>
+      <p:sp>
+        <p:nvSpPr>
+          <p:cNvPr id="3" name="Content Placeholder 2"/>
+          <p:cNvSpPr>
+            <a:spLocks noGrp="1"/>
+          </p:cNvSpPr>
+          <p:nvPr>
+            <p:ph idx="1"/>
+          </p:nvPr>
+        </p:nvSpPr>
+        <p:spPr>
+          <a:xfrm>
+            <a:off x="457200" y="1992208"/>
+            <a:ext cx="8229600" cy="4389120"/>
+          </a:xfrm>
+        </p:spPr>
+        <p:txBody>
+          <a:bodyPr>
+            <a:normAutofit/>
+          </a:bodyPr>
+          <a:lstStyle/>
+          <a:p>
+            <a:pPr marL="274320" lvl="1" indent="-274320">
+              <a:lnSpc>
+                <a:spcPct val="90000"/>
+              </a:lnSpc>
+              <a:buClr>
+                <a:schemeClr val="accent3"/>
+              </a:buClr>
+              <a:buSzPct val="95000"/>
+            </a:pPr>
+            <a:r>
+              <a:rPr lang="en-IN" b="1" dirty="0" smtClean="0"/>
+              <a:t>Selection statement: switch.</a:t>
+            </a:r>
+          </a:p>
+          <a:p>
+            <a:pPr lvl="1">
+              <a:buNone/>
+            </a:pPr>
+            <a:endParaRPr lang="en-IN" dirty="0" smtClean="0"/>
+          </a:p>
+          <a:p>
+            <a:pPr lvl="1">
+              <a:buNone/>
+            </a:pPr>
+            <a:r>
+              <a:rPr lang="en-IN" dirty="0" smtClean="0"/>
+              <a:t>switch </a:t>
+            </a:r>
+            <a:r>
+              <a:rPr lang="en-IN" dirty="0" smtClean="0"/>
+              <a:t>(expression) </a:t>
+            </a:r>
+            <a:endParaRPr lang="en-IN" dirty="0" smtClean="0"/>
+          </a:p>
+          <a:p>
+            <a:pPr lvl="1">
+              <a:buNone/>
+            </a:pPr>
+            <a:r>
+              <a:rPr lang="en-IN" dirty="0" smtClean="0"/>
+              <a:t>{</a:t>
+            </a:r>
+          </a:p>
+          <a:p>
+            <a:pPr lvl="1">
+              <a:buNone/>
+            </a:pPr>
+            <a:r>
+              <a:rPr lang="en-IN" dirty="0" smtClean="0"/>
+              <a:t> </a:t>
+            </a:r>
+            <a:r>
+              <a:rPr lang="en-IN" dirty="0" smtClean="0"/>
+              <a:t>case constant1: group-of-statements-1; break; </a:t>
+            </a:r>
+            <a:endParaRPr lang="en-IN" dirty="0" smtClean="0"/>
+          </a:p>
+          <a:p>
+            <a:pPr lvl="1">
+              <a:buNone/>
+            </a:pPr>
+            <a:r>
+              <a:rPr lang="en-IN" dirty="0" smtClean="0"/>
+              <a:t> </a:t>
+            </a:r>
+            <a:r>
+              <a:rPr lang="en-IN" dirty="0" smtClean="0"/>
+              <a:t>case </a:t>
+            </a:r>
+            <a:r>
+              <a:rPr lang="en-IN" dirty="0" smtClean="0"/>
+              <a:t>constant2: group-of-statements-2; break; </a:t>
+            </a:r>
+            <a:endParaRPr lang="en-IN" dirty="0" smtClean="0"/>
+          </a:p>
+          <a:p>
+            <a:pPr lvl="1">
+              <a:buNone/>
+            </a:pPr>
+            <a:r>
+              <a:rPr lang="en-IN" dirty="0" smtClean="0"/>
+              <a:t>. </a:t>
+            </a:r>
+            <a:r>
+              <a:rPr lang="en-IN" dirty="0" smtClean="0"/>
+              <a:t>. </a:t>
+            </a:r>
+            <a:r>
+              <a:rPr lang="en-IN" dirty="0" smtClean="0"/>
+              <a:t>.</a:t>
+            </a:r>
+          </a:p>
+          <a:p>
+            <a:pPr lvl="1">
+              <a:buNone/>
+            </a:pPr>
+            <a:r>
+              <a:rPr lang="en-IN" dirty="0" smtClean="0"/>
+              <a:t> </a:t>
+            </a:r>
+            <a:r>
+              <a:rPr lang="en-IN" dirty="0" smtClean="0"/>
+              <a:t>default: default-group-of-statements </a:t>
+            </a:r>
+            <a:endParaRPr lang="en-IN" dirty="0" smtClean="0"/>
+          </a:p>
+          <a:p>
+            <a:pPr lvl="1">
+              <a:buNone/>
+            </a:pPr>
+            <a:r>
+              <a:rPr lang="en-IN" dirty="0" smtClean="0"/>
+              <a:t>}</a:t>
+            </a:r>
+            <a:endParaRPr lang="en-IN" dirty="0" smtClean="0"/>
+          </a:p>
+          <a:p>
+            <a:pPr lvl="1"/>
+            <a:endParaRPr lang="en-IN" dirty="0" smtClean="0"/>
+          </a:p>
+          <a:p>
+            <a:pPr lvl="1"/>
+            <a:endParaRPr lang="en-IN" dirty="0" smtClean="0"/>
+          </a:p>
+          <a:p>
+            <a:pPr lvl="1"/>
+            <a:endParaRPr lang="en-IN" b="1" dirty="0" smtClean="0"/>
+          </a:p>
+          <a:p>
+            <a:endParaRPr lang="en-IN" dirty="0" smtClean="0"/>
+          </a:p>
+          <a:p>
+            <a:endParaRPr lang="en-IN" dirty="0" smtClean="0"/>
+          </a:p>
+          <a:p>
+            <a:endParaRPr lang="en-IN" dirty="0"/>
+          </a:p>
+        </p:txBody>
+      </p:sp>
+    </p:spTree>
+  </p:cSld>
+  <p:clrMapOvr>
+    <a:masterClrMapping/>
+  </p:clrMapOvr>
+</p:sld>
+</file>
+
+<file path=ppt/slides/slide18.xml><?xml version="1.0" encoding="utf-8"?>
+<p:sld xmlns:a="http://schemas.openxmlformats.org/drawingml/2006/main" xmlns:r="http://schemas.openxmlformats.org/officeDocument/2006/relationships" xmlns:p="http://schemas.openxmlformats.org/presentationml/2006/main">
+  <p:cSld>
+    <p:spTree>
+      <p:nvGrpSpPr>
+        <p:cNvPr id="1" name=""/>
+        <p:cNvGrpSpPr/>
+        <p:nvPr/>
+      </p:nvGrpSpPr>
+      <p:grpSpPr>
+        <a:xfrm>
+          <a:off x="0" y="0"/>
+          <a:ext cx="0" cy="0"/>
+          <a:chOff x="0" y="0"/>
+          <a:chExt cx="0" cy="0"/>
+        </a:xfrm>
+      </p:grpSpPr>
+      <p:sp>
+        <p:nvSpPr>
+          <p:cNvPr id="2" name="Title 1"/>
+          <p:cNvSpPr>
+            <a:spLocks noGrp="1"/>
+          </p:cNvSpPr>
+          <p:nvPr>
+            <p:ph type="title"/>
+          </p:nvPr>
+        </p:nvSpPr>
+        <p:spPr/>
+        <p:txBody>
+          <a:bodyPr/>
+          <a:lstStyle/>
+          <a:p>
+            <a:r>
+              <a:rPr lang="en-IN" dirty="0" smtClean="0"/>
+              <a:t>Agenda</a:t>
+            </a:r>
+            <a:endParaRPr lang="en-IN" dirty="0"/>
+          </a:p>
+        </p:txBody>
+      </p:sp>
+      <p:sp>
+        <p:nvSpPr>
+          <p:cNvPr id="3" name="Content Placeholder 2"/>
+          <p:cNvSpPr>
+            <a:spLocks noGrp="1"/>
+          </p:cNvSpPr>
+          <p:nvPr>
+            <p:ph idx="1"/>
+          </p:nvPr>
+        </p:nvSpPr>
+        <p:spPr>
+          <a:xfrm>
+            <a:off x="457200" y="1992208"/>
+            <a:ext cx="8229600" cy="4389120"/>
+          </a:xfrm>
+        </p:spPr>
+        <p:txBody>
+          <a:bodyPr/>
+          <a:lstStyle/>
+          <a:p>
+            <a:r>
+              <a:rPr lang="en-IN" dirty="0" smtClean="0"/>
+              <a:t>C++ background and C++ v/s C</a:t>
+            </a:r>
+          </a:p>
+          <a:p>
+            <a:r>
+              <a:rPr lang="en-IN" dirty="0" smtClean="0"/>
+              <a:t>C++ Storage Classes</a:t>
+            </a:r>
+          </a:p>
+          <a:p>
+            <a:r>
+              <a:rPr lang="en-IN" dirty="0" smtClean="0"/>
+              <a:t>Compiling, linking, loading and running a C++ program.</a:t>
+            </a:r>
+          </a:p>
+          <a:p>
+            <a:r>
+              <a:rPr lang="en-IN" dirty="0" smtClean="0"/>
+              <a:t>C++ Identifiers</a:t>
+            </a:r>
+          </a:p>
+          <a:p>
+            <a:r>
+              <a:rPr lang="en-IN" dirty="0" smtClean="0"/>
+              <a:t>C++ Flow Control</a:t>
+            </a:r>
+          </a:p>
+          <a:p>
+            <a:r>
+              <a:rPr lang="en-IN" sz="2800" b="1" dirty="0" smtClean="0"/>
+              <a:t>SOLID principles</a:t>
+            </a:r>
+          </a:p>
+          <a:p>
+            <a:endParaRPr lang="en-IN" dirty="0" smtClean="0"/>
+          </a:p>
+          <a:p>
+            <a:endParaRPr lang="en-IN" dirty="0" smtClean="0"/>
+          </a:p>
+          <a:p>
+            <a:endParaRPr lang="en-IN" dirty="0" smtClean="0"/>
+          </a:p>
+          <a:p>
+            <a:endParaRPr lang="en-IN" dirty="0" smtClean="0"/>
+          </a:p>
+          <a:p>
+            <a:endParaRPr lang="en-IN" dirty="0"/>
+          </a:p>
+        </p:txBody>
+      </p:sp>
+    </p:spTree>
+  </p:cSld>
+  <p:clrMapOvr>
+    <a:masterClrMapping/>
+  </p:clrMapOvr>
+</p:sld>
+</file>
+
+<file path=ppt/slides/slide19.xml><?xml version="1.0" encoding="utf-8"?>
+<p:sld xmlns:a="http://schemas.openxmlformats.org/drawingml/2006/main" xmlns:r="http://schemas.openxmlformats.org/officeDocument/2006/relationships" xmlns:p="http://schemas.openxmlformats.org/presentationml/2006/main">
+  <p:cSld>
+    <p:spTree>
+      <p:nvGrpSpPr>
+        <p:cNvPr id="1" name=""/>
+        <p:cNvGrpSpPr/>
+        <p:nvPr/>
+      </p:nvGrpSpPr>
+      <p:grpSpPr>
+        <a:xfrm>
+          <a:off x="0" y="0"/>
+          <a:ext cx="0" cy="0"/>
+          <a:chOff x="0" y="0"/>
+          <a:chExt cx="0" cy="0"/>
+        </a:xfrm>
+      </p:grpSpPr>
+      <p:sp>
+        <p:nvSpPr>
+          <p:cNvPr id="2" name="Title 1"/>
+          <p:cNvSpPr>
+            <a:spLocks noGrp="1"/>
+          </p:cNvSpPr>
+          <p:nvPr>
+            <p:ph type="title"/>
+          </p:nvPr>
+        </p:nvSpPr>
+        <p:spPr/>
+        <p:txBody>
+          <a:bodyPr/>
+          <a:lstStyle/>
+          <a:p>
+            <a:endParaRPr lang="en-IN" dirty="0"/>
+          </a:p>
+        </p:txBody>
+      </p:sp>
+      <p:sp>
+        <p:nvSpPr>
+          <p:cNvPr id="3" name="Content Placeholder 2"/>
+          <p:cNvSpPr>
+            <a:spLocks noGrp="1"/>
+          </p:cNvSpPr>
+          <p:nvPr>
+            <p:ph idx="1"/>
+          </p:nvPr>
+        </p:nvSpPr>
+        <p:spPr>
+          <a:xfrm>
+            <a:off x="457200" y="1992208"/>
+            <a:ext cx="8229600" cy="4389120"/>
+          </a:xfrm>
+        </p:spPr>
+        <p:txBody>
+          <a:bodyPr/>
+          <a:lstStyle/>
+          <a:p>
+            <a:r>
+              <a:rPr lang="en-IN" dirty="0" smtClean="0"/>
+              <a:t>S stands for SRP (Single responsibility principle)</a:t>
+            </a:r>
+          </a:p>
+          <a:p>
+            <a:pPr lvl="1"/>
+            <a:r>
+              <a:rPr lang="en-IN" dirty="0" smtClean="0"/>
+              <a:t>One class one responsibility</a:t>
+            </a:r>
+            <a:endParaRPr lang="en-IN" dirty="0" smtClean="0"/>
+          </a:p>
+          <a:p>
+            <a:r>
+              <a:rPr lang="en-IN" dirty="0" smtClean="0"/>
+              <a:t>O stands for OCP (Open closed principle</a:t>
+            </a:r>
+            <a:r>
+              <a:rPr lang="en-IN" dirty="0" smtClean="0"/>
+              <a:t>)</a:t>
+            </a:r>
+          </a:p>
+          <a:p>
+            <a:pPr lvl="1"/>
+            <a:r>
+              <a:rPr lang="en-IN" dirty="0" smtClean="0"/>
+              <a:t>Extension should be used</a:t>
+            </a:r>
+            <a:endParaRPr lang="en-IN" dirty="0" smtClean="0"/>
+          </a:p>
+          <a:p>
+            <a:r>
+              <a:rPr lang="en-IN" dirty="0" smtClean="0"/>
+              <a:t>L stands for LSP (</a:t>
+            </a:r>
+            <a:r>
+              <a:rPr lang="en-IN" dirty="0" err="1" smtClean="0"/>
+              <a:t>Liskov</a:t>
+            </a:r>
+            <a:r>
+              <a:rPr lang="en-IN" dirty="0" smtClean="0"/>
+              <a:t> substitution principle</a:t>
+            </a:r>
+            <a:r>
+              <a:rPr lang="en-IN" dirty="0" smtClean="0"/>
+              <a:t>)</a:t>
+            </a:r>
+          </a:p>
+          <a:p>
+            <a:r>
+              <a:rPr lang="en-IN" dirty="0" smtClean="0"/>
+              <a:t>I </a:t>
+            </a:r>
+            <a:r>
+              <a:rPr lang="en-IN" dirty="0" smtClean="0"/>
+              <a:t>stands for ISP ( Interface segregation principle)</a:t>
+            </a:r>
+          </a:p>
+          <a:p>
+            <a:r>
+              <a:rPr lang="en-IN" dirty="0" smtClean="0"/>
+              <a:t>D stands for DIP ( Dependency inversion principle)</a:t>
+            </a:r>
+          </a:p>
+          <a:p>
+            <a:endParaRPr lang="en-IN" dirty="0" smtClean="0"/>
+          </a:p>
+          <a:p>
+            <a:endParaRPr lang="en-IN" dirty="0" smtClean="0"/>
+          </a:p>
+          <a:p>
+            <a:endParaRPr lang="en-IN" dirty="0" smtClean="0"/>
+          </a:p>
+          <a:p>
             <a:endParaRPr lang="en-IN" dirty="0"/>
           </a:p>
         </p:txBody>
@@ -3956,6 +7449,108 @@
             <p:ph idx="1"/>
           </p:nvPr>
         </p:nvSpPr>
+        <p:spPr>
+          <a:xfrm>
+            <a:off x="457200" y="1992208"/>
+            <a:ext cx="8229600" cy="4389120"/>
+          </a:xfrm>
+        </p:spPr>
+        <p:txBody>
+          <a:bodyPr/>
+          <a:lstStyle/>
+          <a:p>
+            <a:r>
+              <a:rPr lang="en-IN" sz="2800" b="1" dirty="0" smtClean="0"/>
+              <a:t>C++ background and C++ v/s </a:t>
+            </a:r>
+            <a:r>
+              <a:rPr lang="en-IN" sz="2800" b="1" dirty="0" smtClean="0"/>
+              <a:t>C</a:t>
+            </a:r>
+          </a:p>
+          <a:p>
+            <a:r>
+              <a:rPr lang="en-IN" dirty="0" smtClean="0"/>
+              <a:t>C++ Storage Classes</a:t>
+            </a:r>
+          </a:p>
+          <a:p>
+            <a:r>
+              <a:rPr lang="en-IN" dirty="0" smtClean="0"/>
+              <a:t>Compiling, linking, loading and running a C++ program.</a:t>
+            </a:r>
+          </a:p>
+          <a:p>
+            <a:r>
+              <a:rPr lang="en-IN" dirty="0" smtClean="0"/>
+              <a:t>C++ Identifiers</a:t>
+            </a:r>
+          </a:p>
+          <a:p>
+            <a:r>
+              <a:rPr lang="en-IN" dirty="0" smtClean="0"/>
+              <a:t>C++ Flow Control</a:t>
+            </a:r>
+            <a:endParaRPr lang="en-IN" dirty="0" smtClean="0"/>
+          </a:p>
+          <a:p>
+            <a:r>
+              <a:rPr lang="en-IN" dirty="0" smtClean="0"/>
+              <a:t>SOLID principles</a:t>
+            </a:r>
+          </a:p>
+          <a:p>
+            <a:endParaRPr lang="en-IN" dirty="0" smtClean="0"/>
+          </a:p>
+          <a:p>
+            <a:endParaRPr lang="en-IN" dirty="0" smtClean="0"/>
+          </a:p>
+          <a:p>
+            <a:endParaRPr lang="en-IN" dirty="0" smtClean="0"/>
+          </a:p>
+          <a:p>
+            <a:endParaRPr lang="en-IN" dirty="0" smtClean="0"/>
+          </a:p>
+          <a:p>
+            <a:endParaRPr lang="en-IN" dirty="0"/>
+          </a:p>
+        </p:txBody>
+      </p:sp>
+    </p:spTree>
+  </p:cSld>
+  <p:clrMapOvr>
+    <a:masterClrMapping/>
+  </p:clrMapOvr>
+</p:sld>
+</file>
+
+<file path=ppt/slides/slide20.xml><?xml version="1.0" encoding="utf-8"?>
+<p:sld xmlns:a="http://schemas.openxmlformats.org/drawingml/2006/main" xmlns:r="http://schemas.openxmlformats.org/officeDocument/2006/relationships" xmlns:p="http://schemas.openxmlformats.org/presentationml/2006/main">
+  <p:cSld>
+    <p:spTree>
+      <p:nvGrpSpPr>
+        <p:cNvPr id="1" name=""/>
+        <p:cNvGrpSpPr/>
+        <p:nvPr/>
+      </p:nvGrpSpPr>
+      <p:grpSpPr>
+        <a:xfrm>
+          <a:off x="0" y="0"/>
+          <a:ext cx="0" cy="0"/>
+          <a:chOff x="0" y="0"/>
+          <a:chExt cx="0" cy="0"/>
+        </a:xfrm>
+      </p:grpSpPr>
+      <p:sp>
+        <p:nvSpPr>
+          <p:cNvPr id="2" name="Title 1"/>
+          <p:cNvSpPr>
+            <a:spLocks noGrp="1"/>
+          </p:cNvSpPr>
+          <p:nvPr>
+            <p:ph type="title"/>
+          </p:nvPr>
+        </p:nvSpPr>
         <p:spPr/>
         <p:txBody>
           <a:bodyPr/>
@@ -3963,15 +7558,1912 @@
           <a:p>
             <a:r>
               <a:rPr lang="en-IN" dirty="0" smtClean="0"/>
-              <a:t>C++ background and C</a:t>
-            </a:r>
-            <a:r>
-              <a:rPr lang="en-IN" smtClean="0"/>
-              <a:t>++ v/s C</a:t>
-            </a:r>
-          </a:p>
-          <a:p>
-            <a:endParaRPr lang="en-IN"/>
+              <a:t>Single responsibility principle</a:t>
+            </a:r>
+            <a:endParaRPr lang="en-IN" dirty="0"/>
+          </a:p>
+        </p:txBody>
+      </p:sp>
+      <p:sp>
+        <p:nvSpPr>
+          <p:cNvPr id="3" name="Content Placeholder 2"/>
+          <p:cNvSpPr>
+            <a:spLocks noGrp="1"/>
+          </p:cNvSpPr>
+          <p:nvPr>
+            <p:ph idx="1"/>
+          </p:nvPr>
+        </p:nvSpPr>
+        <p:spPr>
+          <a:xfrm>
+            <a:off x="457200" y="1992208"/>
+            <a:ext cx="8229600" cy="4389120"/>
+          </a:xfrm>
+        </p:spPr>
+        <p:txBody>
+          <a:bodyPr/>
+          <a:lstStyle/>
+          <a:p>
+            <a:r>
+              <a:rPr lang="en-IN" dirty="0" smtClean="0"/>
+              <a:t>S stands for SRP (Single responsibility principle)</a:t>
+            </a:r>
+          </a:p>
+          <a:p>
+            <a:pPr lvl="1"/>
+            <a:r>
+              <a:rPr lang="en-IN" dirty="0" smtClean="0"/>
+              <a:t>One class one responsibility</a:t>
+            </a:r>
+            <a:endParaRPr lang="en-IN" dirty="0" smtClean="0"/>
+          </a:p>
+          <a:p>
+            <a:endParaRPr lang="en-IN" dirty="0" smtClean="0"/>
+          </a:p>
+          <a:p>
+            <a:endParaRPr lang="en-IN" dirty="0" smtClean="0"/>
+          </a:p>
+          <a:p>
+            <a:endParaRPr lang="en-IN" dirty="0" smtClean="0"/>
+          </a:p>
+          <a:p>
+            <a:endParaRPr lang="en-IN" dirty="0"/>
+          </a:p>
+        </p:txBody>
+      </p:sp>
+      <p:pic>
+        <p:nvPicPr>
+          <p:cNvPr id="4" name="Picture 3" descr="SingleResponsibilityPrinciple2_71060858.jpg"/>
+          <p:cNvPicPr>
+            <a:picLocks noChangeAspect="1"/>
+          </p:cNvPicPr>
+          <p:nvPr/>
+        </p:nvPicPr>
+        <p:blipFill>
+          <a:blip r:embed="rId2" cstate="print"/>
+          <a:stretch>
+            <a:fillRect/>
+          </a:stretch>
+        </p:blipFill>
+        <p:spPr>
+          <a:xfrm>
+            <a:off x="1187624" y="2996952"/>
+            <a:ext cx="5599781" cy="3312368"/>
+          </a:xfrm>
+          <a:prstGeom prst="rect">
+            <a:avLst/>
+          </a:prstGeom>
+        </p:spPr>
+      </p:pic>
+    </p:spTree>
+  </p:cSld>
+  <p:clrMapOvr>
+    <a:masterClrMapping/>
+  </p:clrMapOvr>
+  <p:timing>
+    <p:tnLst>
+      <p:par>
+        <p:cTn id="1" dur="indefinite" restart="never" nodeType="tmRoot"/>
+      </p:par>
+    </p:tnLst>
+  </p:timing>
+</p:sld>
+</file>
+
+<file path=ppt/slides/slide21.xml><?xml version="1.0" encoding="utf-8"?>
+<p:sld xmlns:a="http://schemas.openxmlformats.org/drawingml/2006/main" xmlns:r="http://schemas.openxmlformats.org/officeDocument/2006/relationships" xmlns:p="http://schemas.openxmlformats.org/presentationml/2006/main">
+  <p:cSld>
+    <p:spTree>
+      <p:nvGrpSpPr>
+        <p:cNvPr id="1" name=""/>
+        <p:cNvGrpSpPr/>
+        <p:nvPr/>
+      </p:nvGrpSpPr>
+      <p:grpSpPr>
+        <a:xfrm>
+          <a:off x="0" y="0"/>
+          <a:ext cx="0" cy="0"/>
+          <a:chOff x="0" y="0"/>
+          <a:chExt cx="0" cy="0"/>
+        </a:xfrm>
+      </p:grpSpPr>
+      <p:sp>
+        <p:nvSpPr>
+          <p:cNvPr id="2" name="Title 1"/>
+          <p:cNvSpPr>
+            <a:spLocks noGrp="1"/>
+          </p:cNvSpPr>
+          <p:nvPr>
+            <p:ph type="title"/>
+          </p:nvPr>
+        </p:nvSpPr>
+        <p:spPr/>
+        <p:txBody>
+          <a:bodyPr/>
+          <a:lstStyle/>
+          <a:p>
+            <a:r>
+              <a:rPr lang="en-IN" dirty="0" smtClean="0"/>
+              <a:t>Open closed principle</a:t>
+            </a:r>
+            <a:endParaRPr lang="en-IN" dirty="0"/>
+          </a:p>
+        </p:txBody>
+      </p:sp>
+      <p:sp>
+        <p:nvSpPr>
+          <p:cNvPr id="3" name="Content Placeholder 2"/>
+          <p:cNvSpPr>
+            <a:spLocks noGrp="1"/>
+          </p:cNvSpPr>
+          <p:nvPr>
+            <p:ph idx="1"/>
+          </p:nvPr>
+        </p:nvSpPr>
+        <p:spPr>
+          <a:xfrm>
+            <a:off x="457200" y="1992208"/>
+            <a:ext cx="8229600" cy="4389120"/>
+          </a:xfrm>
+        </p:spPr>
+        <p:txBody>
+          <a:bodyPr/>
+          <a:lstStyle/>
+          <a:p>
+            <a:r>
+              <a:rPr lang="en-IN" dirty="0" smtClean="0"/>
+              <a:t>Open for extension but closed for modification</a:t>
+            </a:r>
+          </a:p>
+          <a:p>
+            <a:endParaRPr lang="en-IN" dirty="0" smtClean="0"/>
+          </a:p>
+          <a:p>
+            <a:endParaRPr lang="en-IN" dirty="0" smtClean="0"/>
+          </a:p>
+          <a:p>
+            <a:endParaRPr lang="en-IN" dirty="0" smtClean="0"/>
+          </a:p>
+          <a:p>
+            <a:endParaRPr lang="en-IN" dirty="0"/>
+          </a:p>
+        </p:txBody>
+      </p:sp>
+      <p:pic>
+        <p:nvPicPr>
+          <p:cNvPr id="5" name="Picture 4" descr="OpenClosedPrinciple2_2C596E17.jpg"/>
+          <p:cNvPicPr>
+            <a:picLocks noChangeAspect="1"/>
+          </p:cNvPicPr>
+          <p:nvPr/>
+        </p:nvPicPr>
+        <p:blipFill>
+          <a:blip r:embed="rId2" cstate="print"/>
+          <a:stretch>
+            <a:fillRect/>
+          </a:stretch>
+        </p:blipFill>
+        <p:spPr>
+          <a:xfrm>
+            <a:off x="1619672" y="2560340"/>
+            <a:ext cx="5372075" cy="4297660"/>
+          </a:xfrm>
+          <a:prstGeom prst="rect">
+            <a:avLst/>
+          </a:prstGeom>
+        </p:spPr>
+      </p:pic>
+    </p:spTree>
+  </p:cSld>
+  <p:clrMapOvr>
+    <a:masterClrMapping/>
+  </p:clrMapOvr>
+  <p:timing>
+    <p:tnLst>
+      <p:par>
+        <p:cTn id="1" dur="indefinite" restart="never" nodeType="tmRoot"/>
+      </p:par>
+    </p:tnLst>
+  </p:timing>
+</p:sld>
+</file>
+
+<file path=ppt/slides/slide22.xml><?xml version="1.0" encoding="utf-8"?>
+<p:sld xmlns:a="http://schemas.openxmlformats.org/drawingml/2006/main" xmlns:r="http://schemas.openxmlformats.org/officeDocument/2006/relationships" xmlns:p="http://schemas.openxmlformats.org/presentationml/2006/main">
+  <p:cSld>
+    <p:spTree>
+      <p:nvGrpSpPr>
+        <p:cNvPr id="1" name=""/>
+        <p:cNvGrpSpPr/>
+        <p:nvPr/>
+      </p:nvGrpSpPr>
+      <p:grpSpPr>
+        <a:xfrm>
+          <a:off x="0" y="0"/>
+          <a:ext cx="0" cy="0"/>
+          <a:chOff x="0" y="0"/>
+          <a:chExt cx="0" cy="0"/>
+        </a:xfrm>
+      </p:grpSpPr>
+      <p:sp>
+        <p:nvSpPr>
+          <p:cNvPr id="2" name="Title 1"/>
+          <p:cNvSpPr>
+            <a:spLocks noGrp="1"/>
+          </p:cNvSpPr>
+          <p:nvPr>
+            <p:ph type="title"/>
+          </p:nvPr>
+        </p:nvSpPr>
+        <p:spPr/>
+        <p:txBody>
+          <a:bodyPr/>
+          <a:lstStyle/>
+          <a:p>
+            <a:r>
+              <a:rPr lang="en-IN" dirty="0" err="1" smtClean="0"/>
+              <a:t>Liskov</a:t>
+            </a:r>
+            <a:r>
+              <a:rPr lang="en-IN" dirty="0" smtClean="0"/>
+              <a:t> substitution principle</a:t>
+            </a:r>
+            <a:endParaRPr lang="en-IN" dirty="0"/>
+          </a:p>
+        </p:txBody>
+      </p:sp>
+      <p:sp>
+        <p:nvSpPr>
+          <p:cNvPr id="3" name="Content Placeholder 2"/>
+          <p:cNvSpPr>
+            <a:spLocks noGrp="1"/>
+          </p:cNvSpPr>
+          <p:nvPr>
+            <p:ph idx="1"/>
+          </p:nvPr>
+        </p:nvSpPr>
+        <p:spPr>
+          <a:xfrm>
+            <a:off x="457200" y="1992208"/>
+            <a:ext cx="8229600" cy="4389120"/>
+          </a:xfrm>
+        </p:spPr>
+        <p:txBody>
+          <a:bodyPr/>
+          <a:lstStyle/>
+          <a:p>
+            <a:endParaRPr lang="en-IN" dirty="0" smtClean="0"/>
+          </a:p>
+          <a:p>
+            <a:r>
+              <a:rPr lang="en-IN" dirty="0" smtClean="0"/>
+              <a:t>Typical example of Rectangle and Square.</a:t>
+            </a:r>
+          </a:p>
+          <a:p>
+            <a:r>
+              <a:rPr lang="en-IN" dirty="0" smtClean="0"/>
+              <a:t>Square may inherit from Rectangle, but it is not a rectangle.</a:t>
+            </a:r>
+          </a:p>
+          <a:p>
+            <a:endParaRPr lang="en-IN" dirty="0" smtClean="0"/>
+          </a:p>
+          <a:p>
+            <a:endParaRPr lang="en-IN" dirty="0"/>
+          </a:p>
+        </p:txBody>
+      </p:sp>
+    </p:spTree>
+  </p:cSld>
+  <p:clrMapOvr>
+    <a:masterClrMapping/>
+  </p:clrMapOvr>
+  <p:timing>
+    <p:tnLst>
+      <p:par>
+        <p:cTn id="1" dur="indefinite" restart="never" nodeType="tmRoot"/>
+      </p:par>
+    </p:tnLst>
+  </p:timing>
+</p:sld>
+</file>
+
+<file path=ppt/slides/slide23.xml><?xml version="1.0" encoding="utf-8"?>
+<p:sld xmlns:a="http://schemas.openxmlformats.org/drawingml/2006/main" xmlns:r="http://schemas.openxmlformats.org/officeDocument/2006/relationships" xmlns:p="http://schemas.openxmlformats.org/presentationml/2006/main">
+  <p:cSld>
+    <p:spTree>
+      <p:nvGrpSpPr>
+        <p:cNvPr id="1" name=""/>
+        <p:cNvGrpSpPr/>
+        <p:nvPr/>
+      </p:nvGrpSpPr>
+      <p:grpSpPr>
+        <a:xfrm>
+          <a:off x="0" y="0"/>
+          <a:ext cx="0" cy="0"/>
+          <a:chOff x="0" y="0"/>
+          <a:chExt cx="0" cy="0"/>
+        </a:xfrm>
+      </p:grpSpPr>
+      <p:sp>
+        <p:nvSpPr>
+          <p:cNvPr id="2" name="Title 1"/>
+          <p:cNvSpPr>
+            <a:spLocks noGrp="1"/>
+          </p:cNvSpPr>
+          <p:nvPr>
+            <p:ph type="title"/>
+          </p:nvPr>
+        </p:nvSpPr>
+        <p:spPr/>
+        <p:txBody>
+          <a:bodyPr/>
+          <a:lstStyle/>
+          <a:p>
+            <a:r>
+              <a:rPr lang="en-IN" dirty="0" err="1" smtClean="0"/>
+              <a:t>Liskov</a:t>
+            </a:r>
+            <a:r>
+              <a:rPr lang="en-IN" dirty="0" smtClean="0"/>
+              <a:t> substitution principle</a:t>
+            </a:r>
+            <a:endParaRPr lang="en-IN" dirty="0"/>
+          </a:p>
+        </p:txBody>
+      </p:sp>
+      <p:sp>
+        <p:nvSpPr>
+          <p:cNvPr id="3" name="Content Placeholder 2"/>
+          <p:cNvSpPr>
+            <a:spLocks noGrp="1"/>
+          </p:cNvSpPr>
+          <p:nvPr>
+            <p:ph idx="1"/>
+          </p:nvPr>
+        </p:nvSpPr>
+        <p:spPr>
+          <a:xfrm>
+            <a:off x="457200" y="1992208"/>
+            <a:ext cx="8229600" cy="4389120"/>
+          </a:xfrm>
+        </p:spPr>
+        <p:txBody>
+          <a:bodyPr/>
+          <a:lstStyle/>
+          <a:p>
+            <a:endParaRPr lang="en-IN" dirty="0" smtClean="0"/>
+          </a:p>
+          <a:p>
+            <a:endParaRPr lang="en-IN" dirty="0" smtClean="0"/>
+          </a:p>
+          <a:p>
+            <a:endParaRPr lang="en-IN" dirty="0" smtClean="0"/>
+          </a:p>
+          <a:p>
+            <a:endParaRPr lang="en-IN" dirty="0"/>
+          </a:p>
+        </p:txBody>
+      </p:sp>
+      <p:pic>
+        <p:nvPicPr>
+          <p:cNvPr id="4" name="Picture 3" descr="LiskovSubtitutionPrinciple_52BB5162.jpg"/>
+          <p:cNvPicPr>
+            <a:picLocks noChangeAspect="1"/>
+          </p:cNvPicPr>
+          <p:nvPr/>
+        </p:nvPicPr>
+        <p:blipFill>
+          <a:blip r:embed="rId2" cstate="print"/>
+          <a:stretch>
+            <a:fillRect/>
+          </a:stretch>
+        </p:blipFill>
+        <p:spPr>
+          <a:xfrm>
+            <a:off x="1259632" y="1772816"/>
+            <a:ext cx="5616625" cy="4493300"/>
+          </a:xfrm>
+          <a:prstGeom prst="rect">
+            <a:avLst/>
+          </a:prstGeom>
+        </p:spPr>
+      </p:pic>
+    </p:spTree>
+  </p:cSld>
+  <p:clrMapOvr>
+    <a:masterClrMapping/>
+  </p:clrMapOvr>
+  <p:timing>
+    <p:tnLst>
+      <p:par>
+        <p:cTn id="1" dur="indefinite" restart="never" nodeType="tmRoot"/>
+      </p:par>
+    </p:tnLst>
+  </p:timing>
+</p:sld>
+</file>
+
+<file path=ppt/slides/slide24.xml><?xml version="1.0" encoding="utf-8"?>
+<p:sld xmlns:a="http://schemas.openxmlformats.org/drawingml/2006/main" xmlns:r="http://schemas.openxmlformats.org/officeDocument/2006/relationships" xmlns:p="http://schemas.openxmlformats.org/presentationml/2006/main">
+  <p:cSld>
+    <p:spTree>
+      <p:nvGrpSpPr>
+        <p:cNvPr id="1" name=""/>
+        <p:cNvGrpSpPr/>
+        <p:nvPr/>
+      </p:nvGrpSpPr>
+      <p:grpSpPr>
+        <a:xfrm>
+          <a:off x="0" y="0"/>
+          <a:ext cx="0" cy="0"/>
+          <a:chOff x="0" y="0"/>
+          <a:chExt cx="0" cy="0"/>
+        </a:xfrm>
+      </p:grpSpPr>
+      <p:sp>
+        <p:nvSpPr>
+          <p:cNvPr id="2" name="Title 1"/>
+          <p:cNvSpPr>
+            <a:spLocks noGrp="1"/>
+          </p:cNvSpPr>
+          <p:nvPr>
+            <p:ph type="title"/>
+          </p:nvPr>
+        </p:nvSpPr>
+        <p:spPr/>
+        <p:txBody>
+          <a:bodyPr/>
+          <a:lstStyle/>
+          <a:p>
+            <a:r>
+              <a:rPr lang="en-IN" dirty="0" smtClean="0"/>
+              <a:t>Interface segregation principle</a:t>
+            </a:r>
+            <a:endParaRPr lang="en-IN" dirty="0"/>
+          </a:p>
+        </p:txBody>
+      </p:sp>
+      <p:sp>
+        <p:nvSpPr>
+          <p:cNvPr id="3" name="Content Placeholder 2"/>
+          <p:cNvSpPr>
+            <a:spLocks noGrp="1"/>
+          </p:cNvSpPr>
+          <p:nvPr>
+            <p:ph idx="1"/>
+          </p:nvPr>
+        </p:nvSpPr>
+        <p:spPr>
+          <a:xfrm>
+            <a:off x="457200" y="1992208"/>
+            <a:ext cx="8229600" cy="4389120"/>
+          </a:xfrm>
+        </p:spPr>
+        <p:txBody>
+          <a:bodyPr/>
+          <a:lstStyle/>
+          <a:p>
+            <a:endParaRPr lang="en-IN" dirty="0" smtClean="0"/>
+          </a:p>
+          <a:p>
+            <a:r>
+              <a:rPr lang="en-IN" dirty="0" smtClean="0"/>
+              <a:t>No </a:t>
+            </a:r>
+            <a:r>
+              <a:rPr lang="en-IN" dirty="0" smtClean="0"/>
+              <a:t>client should be forced to depend on methods it does not use</a:t>
+            </a:r>
+            <a:endParaRPr lang="en-IN" dirty="0" smtClean="0"/>
+          </a:p>
+          <a:p>
+            <a:endParaRPr lang="en-IN" dirty="0"/>
+          </a:p>
+        </p:txBody>
+      </p:sp>
+      <p:pic>
+        <p:nvPicPr>
+          <p:cNvPr id="4" name="Picture 3" descr="InterfaceSegregationPrinciple_60216468.jpg"/>
+          <p:cNvPicPr>
+            <a:picLocks noChangeAspect="1"/>
+          </p:cNvPicPr>
+          <p:nvPr/>
+        </p:nvPicPr>
+        <p:blipFill>
+          <a:blip r:embed="rId3" cstate="print"/>
+          <a:stretch>
+            <a:fillRect/>
+          </a:stretch>
+        </p:blipFill>
+        <p:spPr>
+          <a:xfrm>
+            <a:off x="1835696" y="3356992"/>
+            <a:ext cx="5040560" cy="3269163"/>
+          </a:xfrm>
+          <a:prstGeom prst="rect">
+            <a:avLst/>
+          </a:prstGeom>
+        </p:spPr>
+      </p:pic>
+    </p:spTree>
+  </p:cSld>
+  <p:clrMapOvr>
+    <a:masterClrMapping/>
+  </p:clrMapOvr>
+  <p:timing>
+    <p:tnLst>
+      <p:par>
+        <p:cTn id="1" dur="indefinite" restart="never" nodeType="tmRoot"/>
+      </p:par>
+    </p:tnLst>
+  </p:timing>
+</p:sld>
+</file>
+
+<file path=ppt/slides/slide25.xml><?xml version="1.0" encoding="utf-8"?>
+<p:sld xmlns:a="http://schemas.openxmlformats.org/drawingml/2006/main" xmlns:r="http://schemas.openxmlformats.org/officeDocument/2006/relationships" xmlns:p="http://schemas.openxmlformats.org/presentationml/2006/main">
+  <p:cSld>
+    <p:spTree>
+      <p:nvGrpSpPr>
+        <p:cNvPr id="1" name=""/>
+        <p:cNvGrpSpPr/>
+        <p:nvPr/>
+      </p:nvGrpSpPr>
+      <p:grpSpPr>
+        <a:xfrm>
+          <a:off x="0" y="0"/>
+          <a:ext cx="0" cy="0"/>
+          <a:chOff x="0" y="0"/>
+          <a:chExt cx="0" cy="0"/>
+        </a:xfrm>
+      </p:grpSpPr>
+      <p:sp>
+        <p:nvSpPr>
+          <p:cNvPr id="2" name="Title 1"/>
+          <p:cNvSpPr>
+            <a:spLocks noGrp="1"/>
+          </p:cNvSpPr>
+          <p:nvPr>
+            <p:ph type="title"/>
+          </p:nvPr>
+        </p:nvSpPr>
+        <p:spPr/>
+        <p:txBody>
+          <a:bodyPr/>
+          <a:lstStyle/>
+          <a:p>
+            <a:r>
+              <a:rPr lang="en-IN" dirty="0" smtClean="0"/>
+              <a:t>Dependency inversion principle</a:t>
+            </a:r>
+            <a:endParaRPr lang="en-IN" dirty="0"/>
+          </a:p>
+        </p:txBody>
+      </p:sp>
+      <p:sp>
+        <p:nvSpPr>
+          <p:cNvPr id="3" name="Content Placeholder 2"/>
+          <p:cNvSpPr>
+            <a:spLocks noGrp="1"/>
+          </p:cNvSpPr>
+          <p:nvPr>
+            <p:ph idx="1"/>
+          </p:nvPr>
+        </p:nvSpPr>
+        <p:spPr>
+          <a:xfrm>
+            <a:off x="457200" y="1992208"/>
+            <a:ext cx="8229600" cy="4389120"/>
+          </a:xfrm>
+        </p:spPr>
+        <p:txBody>
+          <a:bodyPr/>
+          <a:lstStyle/>
+          <a:p>
+            <a:endParaRPr lang="en-IN" dirty="0" smtClean="0"/>
+          </a:p>
+          <a:p>
+            <a:endParaRPr lang="en-IN" dirty="0" smtClean="0"/>
+          </a:p>
+          <a:p>
+            <a:endParaRPr lang="en-IN" dirty="0" smtClean="0"/>
+          </a:p>
+          <a:p>
+            <a:endParaRPr lang="en-IN" dirty="0"/>
+          </a:p>
+        </p:txBody>
+      </p:sp>
+      <p:pic>
+        <p:nvPicPr>
+          <p:cNvPr id="5" name="Picture 4" descr="DependencyInversionPrinciple_0278F9E2.jpg"/>
+          <p:cNvPicPr>
+            <a:picLocks noChangeAspect="1"/>
+          </p:cNvPicPr>
+          <p:nvPr/>
+        </p:nvPicPr>
+        <p:blipFill>
+          <a:blip r:embed="rId2" cstate="print"/>
+          <a:stretch>
+            <a:fillRect/>
+          </a:stretch>
+        </p:blipFill>
+        <p:spPr>
+          <a:xfrm>
+            <a:off x="1187624" y="2132856"/>
+            <a:ext cx="5228059" cy="4182447"/>
+          </a:xfrm>
+          <a:prstGeom prst="rect">
+            <a:avLst/>
+          </a:prstGeom>
+        </p:spPr>
+      </p:pic>
+    </p:spTree>
+  </p:cSld>
+  <p:clrMapOvr>
+    <a:masterClrMapping/>
+  </p:clrMapOvr>
+  <p:timing>
+    <p:tnLst>
+      <p:par>
+        <p:cTn id="1" dur="indefinite" restart="never" nodeType="tmRoot"/>
+      </p:par>
+    </p:tnLst>
+  </p:timing>
+</p:sld>
+</file>
+
+<file path=ppt/slides/slide26.xml><?xml version="1.0" encoding="utf-8"?>
+<p:sld xmlns:a="http://schemas.openxmlformats.org/drawingml/2006/main" xmlns:r="http://schemas.openxmlformats.org/officeDocument/2006/relationships" xmlns:p="http://schemas.openxmlformats.org/presentationml/2006/main">
+  <p:cSld>
+    <p:spTree>
+      <p:nvGrpSpPr>
+        <p:cNvPr id="1" name=""/>
+        <p:cNvGrpSpPr/>
+        <p:nvPr/>
+      </p:nvGrpSpPr>
+      <p:grpSpPr>
+        <a:xfrm>
+          <a:off x="0" y="0"/>
+          <a:ext cx="0" cy="0"/>
+          <a:chOff x="0" y="0"/>
+          <a:chExt cx="0" cy="0"/>
+        </a:xfrm>
+      </p:grpSpPr>
+      <p:sp>
+        <p:nvSpPr>
+          <p:cNvPr id="2" name="Title 1"/>
+          <p:cNvSpPr>
+            <a:spLocks noGrp="1"/>
+          </p:cNvSpPr>
+          <p:nvPr>
+            <p:ph type="title"/>
+          </p:nvPr>
+        </p:nvSpPr>
+        <p:spPr/>
+        <p:txBody>
+          <a:bodyPr/>
+          <a:lstStyle/>
+          <a:p>
+            <a:r>
+              <a:rPr lang="en-IN" dirty="0" smtClean="0"/>
+              <a:t>Dependency inversion principle</a:t>
+            </a:r>
+            <a:endParaRPr lang="en-IN" dirty="0"/>
+          </a:p>
+        </p:txBody>
+      </p:sp>
+      <p:sp>
+        <p:nvSpPr>
+          <p:cNvPr id="3" name="Content Placeholder 2"/>
+          <p:cNvSpPr>
+            <a:spLocks noGrp="1"/>
+          </p:cNvSpPr>
+          <p:nvPr>
+            <p:ph idx="1"/>
+          </p:nvPr>
+        </p:nvSpPr>
+        <p:spPr>
+          <a:xfrm>
+            <a:off x="457200" y="1992208"/>
+            <a:ext cx="8229600" cy="4389120"/>
+          </a:xfrm>
+        </p:spPr>
+        <p:txBody>
+          <a:bodyPr/>
+          <a:lstStyle/>
+          <a:p>
+            <a:r>
+              <a:rPr lang="en-IN" dirty="0" smtClean="0"/>
+              <a:t>A. High-level modules should not depend on low-level modules. Both should depend on abstractions.</a:t>
+            </a:r>
+          </a:p>
+          <a:p>
+            <a:r>
+              <a:rPr lang="en-IN" dirty="0" smtClean="0"/>
+              <a:t>B. Abstractions should not depend on details. Details should depend on abstractions.</a:t>
+            </a:r>
+            <a:endParaRPr lang="en-IN" dirty="0" smtClean="0"/>
+          </a:p>
+          <a:p>
+            <a:endParaRPr lang="en-IN" dirty="0" smtClean="0"/>
+          </a:p>
+          <a:p>
+            <a:endParaRPr lang="en-IN" dirty="0" smtClean="0"/>
+          </a:p>
+          <a:p>
+            <a:endParaRPr lang="en-IN" dirty="0"/>
+          </a:p>
+        </p:txBody>
+      </p:sp>
+    </p:spTree>
+  </p:cSld>
+  <p:clrMapOvr>
+    <a:masterClrMapping/>
+  </p:clrMapOvr>
+  <p:timing>
+    <p:tnLst>
+      <p:par>
+        <p:cTn id="1" dur="indefinite" restart="never" nodeType="tmRoot"/>
+      </p:par>
+    </p:tnLst>
+  </p:timing>
+</p:sld>
+</file>
+
+<file path=ppt/slides/slide3.xml><?xml version="1.0" encoding="utf-8"?>
+<p:sld xmlns:a="http://schemas.openxmlformats.org/drawingml/2006/main" xmlns:r="http://schemas.openxmlformats.org/officeDocument/2006/relationships" xmlns:p="http://schemas.openxmlformats.org/presentationml/2006/main">
+  <p:cSld>
+    <p:spTree>
+      <p:nvGrpSpPr>
+        <p:cNvPr id="1" name=""/>
+        <p:cNvGrpSpPr/>
+        <p:nvPr/>
+      </p:nvGrpSpPr>
+      <p:grpSpPr>
+        <a:xfrm>
+          <a:off x="0" y="0"/>
+          <a:ext cx="0" cy="0"/>
+          <a:chOff x="0" y="0"/>
+          <a:chExt cx="0" cy="0"/>
+        </a:xfrm>
+      </p:grpSpPr>
+      <p:sp>
+        <p:nvSpPr>
+          <p:cNvPr id="2" name="Title 1"/>
+          <p:cNvSpPr>
+            <a:spLocks noGrp="1"/>
+          </p:cNvSpPr>
+          <p:nvPr>
+            <p:ph type="title"/>
+          </p:nvPr>
+        </p:nvSpPr>
+        <p:spPr/>
+        <p:txBody>
+          <a:bodyPr/>
+          <a:lstStyle/>
+          <a:p>
+            <a:r>
+              <a:rPr lang="en-IN" dirty="0" smtClean="0"/>
+              <a:t>C++ background and C++ </a:t>
+            </a:r>
+            <a:r>
+              <a:rPr lang="en-IN" dirty="0" err="1" smtClean="0"/>
+              <a:t>vs</a:t>
+            </a:r>
+            <a:r>
+              <a:rPr lang="en-IN" dirty="0" smtClean="0"/>
+              <a:t> C</a:t>
+            </a:r>
+            <a:endParaRPr lang="en-IN" dirty="0"/>
+          </a:p>
+        </p:txBody>
+      </p:sp>
+      <p:sp>
+        <p:nvSpPr>
+          <p:cNvPr id="3" name="Content Placeholder 2"/>
+          <p:cNvSpPr>
+            <a:spLocks noGrp="1"/>
+          </p:cNvSpPr>
+          <p:nvPr>
+            <p:ph idx="1"/>
+          </p:nvPr>
+        </p:nvSpPr>
+        <p:spPr>
+          <a:xfrm>
+            <a:off x="457200" y="1992208"/>
+            <a:ext cx="8229600" cy="4389120"/>
+          </a:xfrm>
+        </p:spPr>
+        <p:txBody>
+          <a:bodyPr/>
+          <a:lstStyle/>
+          <a:p>
+            <a:r>
+              <a:rPr lang="en-IN" dirty="0" smtClean="0"/>
+              <a:t>Developed at AT&amp;T Bell labs by </a:t>
+            </a:r>
+            <a:r>
+              <a:rPr lang="en-IN" dirty="0" err="1" smtClean="0"/>
+              <a:t>Bjarne</a:t>
+            </a:r>
+            <a:r>
+              <a:rPr lang="en-IN" dirty="0" smtClean="0"/>
+              <a:t> </a:t>
+            </a:r>
+            <a:r>
+              <a:rPr lang="en-IN" dirty="0" err="1" smtClean="0"/>
+              <a:t>Stroustrup</a:t>
+            </a:r>
+            <a:r>
+              <a:rPr lang="en-IN" dirty="0" smtClean="0"/>
+              <a:t> </a:t>
+            </a:r>
+            <a:r>
+              <a:rPr lang="en-IN" dirty="0" smtClean="0"/>
+              <a:t>in early 1980</a:t>
+            </a:r>
+          </a:p>
+          <a:p>
+            <a:r>
+              <a:rPr lang="en-IN" dirty="0" smtClean="0"/>
+              <a:t>Merger of C syntax and SIMULA-67 class</a:t>
+            </a:r>
+          </a:p>
+          <a:p>
+            <a:r>
+              <a:rPr lang="en-IN" dirty="0" smtClean="0"/>
+              <a:t>Powerful with machine level interaction as well as Enterprise usage for complex applications</a:t>
+            </a:r>
+          </a:p>
+          <a:p>
+            <a:r>
+              <a:rPr lang="en-IN" dirty="0" smtClean="0"/>
+              <a:t>Superset of C</a:t>
+            </a:r>
+          </a:p>
+          <a:p>
+            <a:r>
+              <a:rPr lang="en-IN" dirty="0" smtClean="0"/>
+              <a:t>Procedural v/s Object Oriented</a:t>
+            </a:r>
+          </a:p>
+          <a:p>
+            <a:r>
+              <a:rPr lang="en-IN" dirty="0" smtClean="0"/>
+              <a:t>Shared data v/s Encapsulated data. Pros and Cons</a:t>
+            </a:r>
+          </a:p>
+          <a:p>
+            <a:endParaRPr lang="en-IN" dirty="0" smtClean="0"/>
+          </a:p>
+          <a:p>
+            <a:endParaRPr lang="en-IN" dirty="0" smtClean="0"/>
+          </a:p>
+          <a:p>
+            <a:endParaRPr lang="en-IN" dirty="0" smtClean="0"/>
+          </a:p>
+          <a:p>
+            <a:endParaRPr lang="en-IN" dirty="0" smtClean="0"/>
+          </a:p>
+          <a:p>
+            <a:endParaRPr lang="en-IN" dirty="0" smtClean="0"/>
+          </a:p>
+          <a:p>
+            <a:endParaRPr lang="en-IN" dirty="0" smtClean="0"/>
+          </a:p>
+          <a:p>
+            <a:endParaRPr lang="en-IN" dirty="0" smtClean="0"/>
+          </a:p>
+          <a:p>
+            <a:endParaRPr lang="en-IN" dirty="0"/>
+          </a:p>
+        </p:txBody>
+      </p:sp>
+    </p:spTree>
+  </p:cSld>
+  <p:clrMapOvr>
+    <a:masterClrMapping/>
+  </p:clrMapOvr>
+</p:sld>
+</file>
+
+<file path=ppt/slides/slide4.xml><?xml version="1.0" encoding="utf-8"?>
+<p:sld xmlns:a="http://schemas.openxmlformats.org/drawingml/2006/main" xmlns:r="http://schemas.openxmlformats.org/officeDocument/2006/relationships" xmlns:p="http://schemas.openxmlformats.org/presentationml/2006/main">
+  <p:cSld>
+    <p:spTree>
+      <p:nvGrpSpPr>
+        <p:cNvPr id="1" name=""/>
+        <p:cNvGrpSpPr/>
+        <p:nvPr/>
+      </p:nvGrpSpPr>
+      <p:grpSpPr>
+        <a:xfrm>
+          <a:off x="0" y="0"/>
+          <a:ext cx="0" cy="0"/>
+          <a:chOff x="0" y="0"/>
+          <a:chExt cx="0" cy="0"/>
+        </a:xfrm>
+      </p:grpSpPr>
+      <p:sp>
+        <p:nvSpPr>
+          <p:cNvPr id="2" name="Title 1"/>
+          <p:cNvSpPr>
+            <a:spLocks noGrp="1"/>
+          </p:cNvSpPr>
+          <p:nvPr>
+            <p:ph type="title"/>
+          </p:nvPr>
+        </p:nvSpPr>
+        <p:spPr/>
+        <p:txBody>
+          <a:bodyPr/>
+          <a:lstStyle/>
+          <a:p>
+            <a:r>
+              <a:rPr lang="en-IN" dirty="0" smtClean="0"/>
+              <a:t>Agenda</a:t>
+            </a:r>
+            <a:endParaRPr lang="en-IN" dirty="0"/>
+          </a:p>
+        </p:txBody>
+      </p:sp>
+      <p:sp>
+        <p:nvSpPr>
+          <p:cNvPr id="3" name="Content Placeholder 2"/>
+          <p:cNvSpPr>
+            <a:spLocks noGrp="1"/>
+          </p:cNvSpPr>
+          <p:nvPr>
+            <p:ph idx="1"/>
+          </p:nvPr>
+        </p:nvSpPr>
+        <p:spPr>
+          <a:xfrm>
+            <a:off x="457200" y="1992208"/>
+            <a:ext cx="8229600" cy="4389120"/>
+          </a:xfrm>
+        </p:spPr>
+        <p:txBody>
+          <a:bodyPr/>
+          <a:lstStyle/>
+          <a:p>
+            <a:r>
+              <a:rPr lang="en-IN" dirty="0" smtClean="0"/>
+              <a:t>C++ background and C++ v/s C</a:t>
+            </a:r>
+          </a:p>
+          <a:p>
+            <a:r>
+              <a:rPr lang="en-IN" sz="2800" b="1" dirty="0" smtClean="0"/>
+              <a:t>C++ Storage Classes</a:t>
+            </a:r>
+          </a:p>
+          <a:p>
+            <a:r>
+              <a:rPr lang="en-IN" dirty="0" smtClean="0"/>
+              <a:t>Compiling, linking, loading and running a C++ program.</a:t>
+            </a:r>
+          </a:p>
+          <a:p>
+            <a:r>
+              <a:rPr lang="en-IN" dirty="0" smtClean="0"/>
+              <a:t>C++ Identifiers</a:t>
+            </a:r>
+          </a:p>
+          <a:p>
+            <a:r>
+              <a:rPr lang="en-IN" dirty="0" smtClean="0"/>
+              <a:t>C++ Flow Control</a:t>
+            </a:r>
+            <a:endParaRPr lang="en-IN" dirty="0" smtClean="0"/>
+          </a:p>
+          <a:p>
+            <a:r>
+              <a:rPr lang="en-IN" dirty="0" smtClean="0"/>
+              <a:t>SOLID principles</a:t>
+            </a:r>
+          </a:p>
+          <a:p>
+            <a:endParaRPr lang="en-IN" dirty="0" smtClean="0"/>
+          </a:p>
+          <a:p>
+            <a:endParaRPr lang="en-IN" dirty="0" smtClean="0"/>
+          </a:p>
+          <a:p>
+            <a:endParaRPr lang="en-IN" dirty="0" smtClean="0"/>
+          </a:p>
+          <a:p>
+            <a:endParaRPr lang="en-IN" dirty="0" smtClean="0"/>
+          </a:p>
+          <a:p>
+            <a:endParaRPr lang="en-IN" dirty="0"/>
+          </a:p>
+        </p:txBody>
+      </p:sp>
+    </p:spTree>
+  </p:cSld>
+  <p:clrMapOvr>
+    <a:masterClrMapping/>
+  </p:clrMapOvr>
+</p:sld>
+</file>
+
+<file path=ppt/slides/slide5.xml><?xml version="1.0" encoding="utf-8"?>
+<p:sld xmlns:a="http://schemas.openxmlformats.org/drawingml/2006/main" xmlns:r="http://schemas.openxmlformats.org/officeDocument/2006/relationships" xmlns:p="http://schemas.openxmlformats.org/presentationml/2006/main">
+  <p:cSld>
+    <p:spTree>
+      <p:nvGrpSpPr>
+        <p:cNvPr id="1" name=""/>
+        <p:cNvGrpSpPr/>
+        <p:nvPr/>
+      </p:nvGrpSpPr>
+      <p:grpSpPr>
+        <a:xfrm>
+          <a:off x="0" y="0"/>
+          <a:ext cx="0" cy="0"/>
+          <a:chOff x="0" y="0"/>
+          <a:chExt cx="0" cy="0"/>
+        </a:xfrm>
+      </p:grpSpPr>
+      <p:sp>
+        <p:nvSpPr>
+          <p:cNvPr id="2" name="Title 1"/>
+          <p:cNvSpPr>
+            <a:spLocks noGrp="1"/>
+          </p:cNvSpPr>
+          <p:nvPr>
+            <p:ph type="title"/>
+          </p:nvPr>
+        </p:nvSpPr>
+        <p:spPr/>
+        <p:txBody>
+          <a:bodyPr/>
+          <a:lstStyle/>
+          <a:p>
+            <a:r>
+              <a:rPr lang="en-IN" dirty="0" smtClean="0"/>
+              <a:t>C++ Storage Classes</a:t>
+            </a:r>
+            <a:endParaRPr lang="en-IN" dirty="0"/>
+          </a:p>
+        </p:txBody>
+      </p:sp>
+      <p:sp>
+        <p:nvSpPr>
+          <p:cNvPr id="3" name="Content Placeholder 2"/>
+          <p:cNvSpPr>
+            <a:spLocks noGrp="1"/>
+          </p:cNvSpPr>
+          <p:nvPr>
+            <p:ph idx="1"/>
+          </p:nvPr>
+        </p:nvSpPr>
+        <p:spPr>
+          <a:xfrm>
+            <a:off x="457200" y="1992208"/>
+            <a:ext cx="8229600" cy="4389120"/>
+          </a:xfrm>
+        </p:spPr>
+        <p:txBody>
+          <a:bodyPr/>
+          <a:lstStyle/>
+          <a:p>
+            <a:r>
+              <a:rPr lang="en-IN" b="1" dirty="0" smtClean="0"/>
+              <a:t>auto</a:t>
+            </a:r>
+            <a:r>
+              <a:rPr lang="en-IN" dirty="0" smtClean="0"/>
+              <a:t> - </a:t>
+            </a:r>
+            <a:r>
+              <a:rPr lang="en-IN" i="1" dirty="0" smtClean="0"/>
+              <a:t>automatic</a:t>
+            </a:r>
+            <a:r>
+              <a:rPr lang="en-IN" dirty="0" smtClean="0"/>
+              <a:t> storage </a:t>
+            </a:r>
+            <a:r>
+              <a:rPr lang="en-IN" dirty="0" smtClean="0"/>
+              <a:t>duration </a:t>
+            </a:r>
+            <a:r>
+              <a:rPr lang="en-IN" dirty="0" smtClean="0">
+                <a:solidFill>
+                  <a:srgbClr val="FF0000"/>
+                </a:solidFill>
+              </a:rPr>
+              <a:t>&lt;new meaning for C++11&gt;</a:t>
+            </a:r>
+          </a:p>
+          <a:p>
+            <a:r>
+              <a:rPr lang="en-IN" b="1" dirty="0" smtClean="0"/>
+              <a:t>register</a:t>
+            </a:r>
+            <a:r>
+              <a:rPr lang="en-IN" dirty="0" smtClean="0"/>
+              <a:t> - </a:t>
+            </a:r>
+            <a:r>
+              <a:rPr lang="en-IN" i="1" dirty="0" smtClean="0"/>
+              <a:t>automatic</a:t>
+            </a:r>
+            <a:r>
+              <a:rPr lang="en-IN" dirty="0" smtClean="0"/>
+              <a:t> storage duration. Also hints to the compiler to place the object in the processor's </a:t>
+            </a:r>
+            <a:r>
+              <a:rPr lang="en-IN" dirty="0" smtClean="0"/>
+              <a:t>register </a:t>
+            </a:r>
+            <a:r>
+              <a:rPr lang="en-IN" dirty="0" smtClean="0">
+                <a:solidFill>
+                  <a:srgbClr val="FF0000"/>
+                </a:solidFill>
+              </a:rPr>
+              <a:t>&lt;deprecated&gt;</a:t>
+            </a:r>
+          </a:p>
+          <a:p>
+            <a:r>
+              <a:rPr lang="en-IN" b="1" dirty="0" smtClean="0"/>
+              <a:t>static</a:t>
+            </a:r>
+            <a:r>
+              <a:rPr lang="en-IN" dirty="0" smtClean="0"/>
+              <a:t> - </a:t>
+            </a:r>
+            <a:r>
+              <a:rPr lang="en-IN" i="1" dirty="0" smtClean="0"/>
+              <a:t>static</a:t>
+            </a:r>
+            <a:r>
+              <a:rPr lang="en-IN" dirty="0" smtClean="0"/>
+              <a:t> or </a:t>
+            </a:r>
+            <a:r>
+              <a:rPr lang="en-IN" i="1" dirty="0" smtClean="0"/>
+              <a:t>thread</a:t>
+            </a:r>
+            <a:r>
+              <a:rPr lang="en-IN" dirty="0" smtClean="0"/>
+              <a:t> storage duration and </a:t>
+            </a:r>
+            <a:r>
+              <a:rPr lang="en-IN" i="1" dirty="0" smtClean="0"/>
+              <a:t>internal</a:t>
+            </a:r>
+            <a:r>
+              <a:rPr lang="en-IN" dirty="0" smtClean="0"/>
+              <a:t> </a:t>
+            </a:r>
+            <a:r>
+              <a:rPr lang="en-IN" dirty="0" smtClean="0"/>
+              <a:t>linkage</a:t>
+            </a:r>
+          </a:p>
+          <a:p>
+            <a:r>
+              <a:rPr lang="en-IN" b="1" dirty="0" smtClean="0"/>
+              <a:t>extern</a:t>
+            </a:r>
+            <a:r>
+              <a:rPr lang="en-IN" dirty="0" smtClean="0"/>
+              <a:t> - </a:t>
+            </a:r>
+            <a:r>
+              <a:rPr lang="en-IN" i="1" dirty="0" smtClean="0"/>
+              <a:t>static</a:t>
+            </a:r>
+            <a:r>
+              <a:rPr lang="en-IN" dirty="0" smtClean="0"/>
+              <a:t> or </a:t>
+            </a:r>
+            <a:r>
+              <a:rPr lang="en-IN" i="1" dirty="0" smtClean="0"/>
+              <a:t>thread</a:t>
+            </a:r>
+            <a:r>
+              <a:rPr lang="en-IN" dirty="0" smtClean="0"/>
+              <a:t> storage duration and </a:t>
+            </a:r>
+            <a:r>
+              <a:rPr lang="en-IN" i="1" dirty="0" smtClean="0"/>
+              <a:t>external</a:t>
+            </a:r>
+            <a:r>
+              <a:rPr lang="en-IN" dirty="0" smtClean="0"/>
+              <a:t> linkage</a:t>
+            </a:r>
+          </a:p>
+          <a:p>
+            <a:r>
+              <a:rPr lang="en-IN" b="1" dirty="0" err="1" smtClean="0"/>
+              <a:t>thread_local</a:t>
+            </a:r>
+            <a:r>
+              <a:rPr lang="en-IN" dirty="0" smtClean="0"/>
+              <a:t> - </a:t>
+            </a:r>
+            <a:r>
+              <a:rPr lang="en-IN" i="1" dirty="0" smtClean="0"/>
+              <a:t>Not now, for later point of time</a:t>
+            </a:r>
+            <a:r>
+              <a:rPr lang="en-IN" dirty="0" smtClean="0"/>
+              <a:t>.</a:t>
+            </a:r>
+            <a:endParaRPr lang="en-IN" dirty="0" smtClean="0"/>
+          </a:p>
+          <a:p>
+            <a:endParaRPr lang="en-IN" dirty="0" smtClean="0"/>
+          </a:p>
+          <a:p>
+            <a:endParaRPr lang="en-IN" dirty="0" smtClean="0"/>
+          </a:p>
+          <a:p>
+            <a:endParaRPr lang="en-IN" dirty="0" smtClean="0"/>
+          </a:p>
+          <a:p>
+            <a:endParaRPr lang="en-IN" dirty="0" smtClean="0"/>
+          </a:p>
+          <a:p>
+            <a:endParaRPr lang="en-IN" dirty="0" smtClean="0"/>
+          </a:p>
+          <a:p>
+            <a:endParaRPr lang="en-IN" dirty="0"/>
+          </a:p>
+        </p:txBody>
+      </p:sp>
+    </p:spTree>
+  </p:cSld>
+  <p:clrMapOvr>
+    <a:masterClrMapping/>
+  </p:clrMapOvr>
+</p:sld>
+</file>
+
+<file path=ppt/slides/slide6.xml><?xml version="1.0" encoding="utf-8"?>
+<p:sld xmlns:a="http://schemas.openxmlformats.org/drawingml/2006/main" xmlns:r="http://schemas.openxmlformats.org/officeDocument/2006/relationships" xmlns:p="http://schemas.openxmlformats.org/presentationml/2006/main">
+  <p:cSld>
+    <p:spTree>
+      <p:nvGrpSpPr>
+        <p:cNvPr id="1" name=""/>
+        <p:cNvGrpSpPr/>
+        <p:nvPr/>
+      </p:nvGrpSpPr>
+      <p:grpSpPr>
+        <a:xfrm>
+          <a:off x="0" y="0"/>
+          <a:ext cx="0" cy="0"/>
+          <a:chOff x="0" y="0"/>
+          <a:chExt cx="0" cy="0"/>
+        </a:xfrm>
+      </p:grpSpPr>
+      <p:sp>
+        <p:nvSpPr>
+          <p:cNvPr id="2" name="Title 1"/>
+          <p:cNvSpPr>
+            <a:spLocks noGrp="1"/>
+          </p:cNvSpPr>
+          <p:nvPr>
+            <p:ph type="title"/>
+          </p:nvPr>
+        </p:nvSpPr>
+        <p:spPr/>
+        <p:txBody>
+          <a:bodyPr/>
+          <a:lstStyle/>
+          <a:p>
+            <a:r>
+              <a:rPr lang="en-IN" dirty="0" smtClean="0"/>
+              <a:t>a</a:t>
+            </a:r>
+            <a:r>
+              <a:rPr lang="en-IN" dirty="0" smtClean="0"/>
+              <a:t>uto storage</a:t>
+            </a:r>
+            <a:endParaRPr lang="en-IN" dirty="0"/>
+          </a:p>
+        </p:txBody>
+      </p:sp>
+      <p:sp>
+        <p:nvSpPr>
+          <p:cNvPr id="3" name="Content Placeholder 2"/>
+          <p:cNvSpPr>
+            <a:spLocks noGrp="1"/>
+          </p:cNvSpPr>
+          <p:nvPr>
+            <p:ph idx="1"/>
+          </p:nvPr>
+        </p:nvSpPr>
+        <p:spPr>
+          <a:xfrm>
+            <a:off x="457200" y="1992208"/>
+            <a:ext cx="8229600" cy="4389120"/>
+          </a:xfrm>
+        </p:spPr>
+        <p:txBody>
+          <a:bodyPr>
+            <a:normAutofit fontScale="77500" lnSpcReduction="20000"/>
+          </a:bodyPr>
+          <a:lstStyle/>
+          <a:p>
+            <a:pPr>
+              <a:buNone/>
+            </a:pPr>
+            <a:r>
+              <a:rPr lang="en-IN" dirty="0" smtClean="0"/>
+              <a:t>class Auto</a:t>
+            </a:r>
+          </a:p>
+          <a:p>
+            <a:pPr>
+              <a:buNone/>
+            </a:pPr>
+            <a:r>
+              <a:rPr lang="en-IN" dirty="0" smtClean="0"/>
+              <a:t>{</a:t>
+            </a:r>
+          </a:p>
+          <a:p>
+            <a:pPr>
+              <a:buNone/>
+            </a:pPr>
+            <a:r>
+              <a:rPr lang="en-IN" dirty="0" smtClean="0"/>
+              <a:t>    public:</a:t>
+            </a:r>
+          </a:p>
+          <a:p>
+            <a:pPr>
+              <a:buNone/>
+            </a:pPr>
+            <a:r>
+              <a:rPr lang="en-IN" dirty="0" smtClean="0"/>
+              <a:t>        Auto() { </a:t>
+            </a:r>
+            <a:r>
+              <a:rPr lang="en-IN" dirty="0" err="1" smtClean="0"/>
+              <a:t>cout</a:t>
+            </a:r>
+            <a:r>
+              <a:rPr lang="en-IN" dirty="0" smtClean="0"/>
+              <a:t> &lt;&lt;"Constructor of auto called \n"; }</a:t>
+            </a:r>
+          </a:p>
+          <a:p>
+            <a:pPr>
+              <a:buNone/>
+            </a:pPr>
+            <a:r>
+              <a:rPr lang="en-IN" dirty="0" smtClean="0"/>
+              <a:t>        ~Auto() { </a:t>
+            </a:r>
+            <a:r>
+              <a:rPr lang="en-IN" dirty="0" err="1" smtClean="0"/>
+              <a:t>cout</a:t>
+            </a:r>
+            <a:r>
+              <a:rPr lang="en-IN" dirty="0" smtClean="0"/>
+              <a:t> &lt;&lt;"Destructor of auto called \n"; }</a:t>
+            </a:r>
+          </a:p>
+          <a:p>
+            <a:pPr>
+              <a:buNone/>
+            </a:pPr>
+            <a:r>
+              <a:rPr lang="en-IN" dirty="0" smtClean="0"/>
+              <a:t>};</a:t>
+            </a:r>
+          </a:p>
+          <a:p>
+            <a:pPr>
+              <a:buNone/>
+            </a:pPr>
+            <a:endParaRPr lang="en-IN" dirty="0" smtClean="0"/>
+          </a:p>
+          <a:p>
+            <a:pPr>
+              <a:buNone/>
+            </a:pPr>
+            <a:r>
+              <a:rPr lang="en-IN" dirty="0" err="1" smtClean="0"/>
+              <a:t>int</a:t>
+            </a:r>
+            <a:r>
+              <a:rPr lang="en-IN" dirty="0" smtClean="0"/>
+              <a:t> main()</a:t>
+            </a:r>
+          </a:p>
+          <a:p>
+            <a:pPr>
+              <a:buNone/>
+            </a:pPr>
+            <a:r>
+              <a:rPr lang="en-IN" dirty="0" smtClean="0"/>
+              <a:t>{</a:t>
+            </a:r>
+          </a:p>
+          <a:p>
+            <a:pPr>
+              <a:buNone/>
+            </a:pPr>
+            <a:r>
+              <a:rPr lang="en-IN" dirty="0" smtClean="0"/>
+              <a:t>   //</a:t>
+            </a:r>
+            <a:r>
+              <a:rPr lang="en-IN" dirty="0" smtClean="0"/>
+              <a:t>demonstration of auto types</a:t>
+            </a:r>
+          </a:p>
+          <a:p>
+            <a:pPr>
+              <a:buNone/>
+            </a:pPr>
+            <a:r>
+              <a:rPr lang="en-IN" dirty="0" smtClean="0"/>
+              <a:t>    {   </a:t>
+            </a:r>
+          </a:p>
+          <a:p>
+            <a:pPr>
+              <a:buNone/>
+            </a:pPr>
+            <a:r>
+              <a:rPr lang="en-IN" dirty="0" smtClean="0"/>
+              <a:t>        auto </a:t>
+            </a:r>
+            <a:r>
+              <a:rPr lang="en-IN" dirty="0" err="1" smtClean="0"/>
+              <a:t>Auto</a:t>
+            </a:r>
+            <a:r>
+              <a:rPr lang="en-IN" dirty="0" smtClean="0"/>
+              <a:t> </a:t>
+            </a:r>
+            <a:r>
+              <a:rPr lang="en-IN" dirty="0" err="1" smtClean="0"/>
+              <a:t>obj</a:t>
+            </a:r>
+            <a:r>
+              <a:rPr lang="en-IN" dirty="0" smtClean="0"/>
+              <a:t>;</a:t>
+            </a:r>
+          </a:p>
+          <a:p>
+            <a:pPr>
+              <a:buNone/>
+            </a:pPr>
+            <a:r>
+              <a:rPr lang="en-IN" dirty="0" smtClean="0"/>
+              <a:t>    } </a:t>
+            </a:r>
+            <a:endParaRPr lang="en-IN" dirty="0" smtClean="0"/>
+          </a:p>
+          <a:p>
+            <a:pPr>
+              <a:buNone/>
+            </a:pPr>
+            <a:r>
+              <a:rPr lang="en-IN" dirty="0" smtClean="0"/>
+              <a:t>}</a:t>
+            </a:r>
+          </a:p>
+          <a:p>
+            <a:endParaRPr lang="en-IN" dirty="0" smtClean="0"/>
+          </a:p>
+          <a:p>
+            <a:endParaRPr lang="en-IN" dirty="0" smtClean="0"/>
+          </a:p>
+          <a:p>
+            <a:endParaRPr lang="en-IN" dirty="0" smtClean="0"/>
+          </a:p>
+          <a:p>
+            <a:endParaRPr lang="en-IN" dirty="0" smtClean="0"/>
+          </a:p>
+          <a:p>
+            <a:endParaRPr lang="en-IN" dirty="0"/>
+          </a:p>
+        </p:txBody>
+      </p:sp>
+    </p:spTree>
+  </p:cSld>
+  <p:clrMapOvr>
+    <a:masterClrMapping/>
+  </p:clrMapOvr>
+</p:sld>
+</file>
+
+<file path=ppt/slides/slide7.xml><?xml version="1.0" encoding="utf-8"?>
+<p:sld xmlns:a="http://schemas.openxmlformats.org/drawingml/2006/main" xmlns:r="http://schemas.openxmlformats.org/officeDocument/2006/relationships" xmlns:p="http://schemas.openxmlformats.org/presentationml/2006/main">
+  <p:cSld>
+    <p:spTree>
+      <p:nvGrpSpPr>
+        <p:cNvPr id="1" name=""/>
+        <p:cNvGrpSpPr/>
+        <p:nvPr/>
+      </p:nvGrpSpPr>
+      <p:grpSpPr>
+        <a:xfrm>
+          <a:off x="0" y="0"/>
+          <a:ext cx="0" cy="0"/>
+          <a:chOff x="0" y="0"/>
+          <a:chExt cx="0" cy="0"/>
+        </a:xfrm>
+      </p:grpSpPr>
+      <p:sp>
+        <p:nvSpPr>
+          <p:cNvPr id="2" name="Title 1"/>
+          <p:cNvSpPr>
+            <a:spLocks noGrp="1"/>
+          </p:cNvSpPr>
+          <p:nvPr>
+            <p:ph type="title"/>
+          </p:nvPr>
+        </p:nvSpPr>
+        <p:spPr/>
+        <p:txBody>
+          <a:bodyPr/>
+          <a:lstStyle/>
+          <a:p>
+            <a:r>
+              <a:rPr lang="en-IN" dirty="0" smtClean="0"/>
+              <a:t>r</a:t>
+            </a:r>
+            <a:r>
+              <a:rPr lang="en-IN" dirty="0" smtClean="0"/>
+              <a:t>egister storage</a:t>
+            </a:r>
+            <a:endParaRPr lang="en-IN" dirty="0"/>
+          </a:p>
+        </p:txBody>
+      </p:sp>
+      <p:sp>
+        <p:nvSpPr>
+          <p:cNvPr id="3" name="Content Placeholder 2"/>
+          <p:cNvSpPr>
+            <a:spLocks noGrp="1"/>
+          </p:cNvSpPr>
+          <p:nvPr>
+            <p:ph idx="1"/>
+          </p:nvPr>
+        </p:nvSpPr>
+        <p:spPr>
+          <a:xfrm>
+            <a:off x="457200" y="1992208"/>
+            <a:ext cx="8229600" cy="4389120"/>
+          </a:xfrm>
+        </p:spPr>
+        <p:txBody>
+          <a:bodyPr>
+            <a:normAutofit/>
+          </a:bodyPr>
+          <a:lstStyle/>
+          <a:p>
+            <a:r>
+              <a:rPr lang="en-IN" dirty="0" smtClean="0"/>
+              <a:t>Only hint to the compiler</a:t>
+            </a:r>
+          </a:p>
+          <a:p>
+            <a:r>
+              <a:rPr lang="en-IN" dirty="0" smtClean="0"/>
+              <a:t>Address cannot be taken in “C”</a:t>
+            </a:r>
+          </a:p>
+          <a:p>
+            <a:r>
+              <a:rPr lang="en-IN" dirty="0" smtClean="0"/>
+              <a:t>Address can be taken in C++ but then it becomes auto</a:t>
+            </a:r>
+          </a:p>
+          <a:p>
+            <a:r>
+              <a:rPr lang="en-IN" dirty="0" smtClean="0"/>
+              <a:t>Used for counters</a:t>
+            </a:r>
+          </a:p>
+          <a:p>
+            <a:r>
+              <a:rPr lang="en-IN" dirty="0" smtClean="0"/>
+              <a:t>Lets check the example.</a:t>
+            </a:r>
+          </a:p>
+          <a:p>
+            <a:endParaRPr lang="en-IN" dirty="0" smtClean="0"/>
+          </a:p>
+          <a:p>
+            <a:endParaRPr lang="en-IN" dirty="0" smtClean="0"/>
+          </a:p>
+          <a:p>
+            <a:endParaRPr lang="en-IN" dirty="0" smtClean="0"/>
+          </a:p>
+          <a:p>
+            <a:endParaRPr lang="en-IN" dirty="0" smtClean="0"/>
+          </a:p>
+          <a:p>
+            <a:endParaRPr lang="en-IN" dirty="0" smtClean="0"/>
+          </a:p>
+          <a:p>
+            <a:endParaRPr lang="en-IN" dirty="0"/>
+          </a:p>
+        </p:txBody>
+      </p:sp>
+    </p:spTree>
+  </p:cSld>
+  <p:clrMapOvr>
+    <a:masterClrMapping/>
+  </p:clrMapOvr>
+</p:sld>
+</file>
+
+<file path=ppt/slides/slide8.xml><?xml version="1.0" encoding="utf-8"?>
+<p:sld xmlns:a="http://schemas.openxmlformats.org/drawingml/2006/main" xmlns:r="http://schemas.openxmlformats.org/officeDocument/2006/relationships" xmlns:p="http://schemas.openxmlformats.org/presentationml/2006/main">
+  <p:cSld>
+    <p:spTree>
+      <p:nvGrpSpPr>
+        <p:cNvPr id="1" name=""/>
+        <p:cNvGrpSpPr/>
+        <p:nvPr/>
+      </p:nvGrpSpPr>
+      <p:grpSpPr>
+        <a:xfrm>
+          <a:off x="0" y="0"/>
+          <a:ext cx="0" cy="0"/>
+          <a:chOff x="0" y="0"/>
+          <a:chExt cx="0" cy="0"/>
+        </a:xfrm>
+      </p:grpSpPr>
+      <p:sp>
+        <p:nvSpPr>
+          <p:cNvPr id="2" name="Title 1"/>
+          <p:cNvSpPr>
+            <a:spLocks noGrp="1"/>
+          </p:cNvSpPr>
+          <p:nvPr>
+            <p:ph type="title"/>
+          </p:nvPr>
+        </p:nvSpPr>
+        <p:spPr/>
+        <p:txBody>
+          <a:bodyPr/>
+          <a:lstStyle/>
+          <a:p>
+            <a:r>
+              <a:rPr lang="en-IN" dirty="0" smtClean="0"/>
+              <a:t>s</a:t>
+            </a:r>
+            <a:r>
+              <a:rPr lang="en-IN" dirty="0" smtClean="0"/>
+              <a:t>tatic storage</a:t>
+            </a:r>
+            <a:endParaRPr lang="en-IN" dirty="0"/>
+          </a:p>
+        </p:txBody>
+      </p:sp>
+      <p:sp>
+        <p:nvSpPr>
+          <p:cNvPr id="3" name="Content Placeholder 2"/>
+          <p:cNvSpPr>
+            <a:spLocks noGrp="1"/>
+          </p:cNvSpPr>
+          <p:nvPr>
+            <p:ph idx="1"/>
+          </p:nvPr>
+        </p:nvSpPr>
+        <p:spPr>
+          <a:xfrm>
+            <a:off x="457200" y="1992208"/>
+            <a:ext cx="8229600" cy="4389120"/>
+          </a:xfrm>
+        </p:spPr>
+        <p:txBody>
+          <a:bodyPr>
+            <a:normAutofit lnSpcReduction="10000"/>
+          </a:bodyPr>
+          <a:lstStyle/>
+          <a:p>
+            <a:r>
+              <a:rPr lang="en-IN" dirty="0" smtClean="0"/>
+              <a:t>Only used in declaration of objects </a:t>
+            </a:r>
+            <a:r>
+              <a:rPr lang="en-IN" dirty="0" smtClean="0"/>
+              <a:t>except in function parameter lists</a:t>
+            </a:r>
+            <a:endParaRPr lang="en-IN" dirty="0" smtClean="0"/>
+          </a:p>
+          <a:p>
+            <a:r>
+              <a:rPr lang="en-IN" dirty="0" smtClean="0"/>
+              <a:t>In declaration of functions </a:t>
+            </a:r>
+            <a:r>
+              <a:rPr lang="en-IN" dirty="0" smtClean="0"/>
+              <a:t>except at block </a:t>
+            </a:r>
+            <a:r>
+              <a:rPr lang="en-IN" dirty="0" smtClean="0"/>
+              <a:t>scope</a:t>
+            </a:r>
+          </a:p>
+          <a:p>
+            <a:r>
+              <a:rPr lang="en-IN" dirty="0" smtClean="0"/>
+              <a:t>Declaration of anonymous unions</a:t>
+            </a:r>
+          </a:p>
+          <a:p>
+            <a:r>
+              <a:rPr lang="en-IN" dirty="0" smtClean="0"/>
+              <a:t>When used for class member, it is static member</a:t>
+            </a:r>
+          </a:p>
+          <a:p>
+            <a:r>
+              <a:rPr lang="en-IN" dirty="0" smtClean="0"/>
+              <a:t>When used for object declaration, static storage duration</a:t>
+            </a:r>
+          </a:p>
+          <a:p>
+            <a:r>
+              <a:rPr lang="en-IN" dirty="0" smtClean="0"/>
+              <a:t>When used in anonymous namespace, indicates internal linkage</a:t>
+            </a:r>
+          </a:p>
+          <a:p>
+            <a:r>
+              <a:rPr lang="en-IN" dirty="0" smtClean="0"/>
+              <a:t>Lets see some examples.</a:t>
+            </a:r>
+          </a:p>
+          <a:p>
+            <a:endParaRPr lang="en-IN" dirty="0" smtClean="0"/>
+          </a:p>
+          <a:p>
+            <a:endParaRPr lang="en-IN" dirty="0" smtClean="0"/>
+          </a:p>
+          <a:p>
+            <a:endParaRPr lang="en-IN" dirty="0" smtClean="0"/>
+          </a:p>
+          <a:p>
+            <a:endParaRPr lang="en-IN" dirty="0" smtClean="0"/>
+          </a:p>
+          <a:p>
+            <a:endParaRPr lang="en-IN" dirty="0" smtClean="0"/>
+          </a:p>
+          <a:p>
+            <a:endParaRPr lang="en-IN" dirty="0"/>
+          </a:p>
+        </p:txBody>
+      </p:sp>
+    </p:spTree>
+  </p:cSld>
+  <p:clrMapOvr>
+    <a:masterClrMapping/>
+  </p:clrMapOvr>
+</p:sld>
+</file>
+
+<file path=ppt/slides/slide9.xml><?xml version="1.0" encoding="utf-8"?>
+<p:sld xmlns:a="http://schemas.openxmlformats.org/drawingml/2006/main" xmlns:r="http://schemas.openxmlformats.org/officeDocument/2006/relationships" xmlns:p="http://schemas.openxmlformats.org/presentationml/2006/main">
+  <p:cSld>
+    <p:spTree>
+      <p:nvGrpSpPr>
+        <p:cNvPr id="1" name=""/>
+        <p:cNvGrpSpPr/>
+        <p:nvPr/>
+      </p:nvGrpSpPr>
+      <p:grpSpPr>
+        <a:xfrm>
+          <a:off x="0" y="0"/>
+          <a:ext cx="0" cy="0"/>
+          <a:chOff x="0" y="0"/>
+          <a:chExt cx="0" cy="0"/>
+        </a:xfrm>
+      </p:grpSpPr>
+      <p:sp>
+        <p:nvSpPr>
+          <p:cNvPr id="2" name="Title 1"/>
+          <p:cNvSpPr>
+            <a:spLocks noGrp="1"/>
+          </p:cNvSpPr>
+          <p:nvPr>
+            <p:ph type="title"/>
+          </p:nvPr>
+        </p:nvSpPr>
+        <p:spPr/>
+        <p:txBody>
+          <a:bodyPr/>
+          <a:lstStyle/>
+          <a:p>
+            <a:r>
+              <a:rPr lang="en-IN" dirty="0" smtClean="0"/>
+              <a:t>e</a:t>
+            </a:r>
+            <a:r>
+              <a:rPr lang="en-IN" dirty="0" smtClean="0"/>
+              <a:t>xtern storage</a:t>
+            </a:r>
+            <a:endParaRPr lang="en-IN" dirty="0"/>
+          </a:p>
+        </p:txBody>
+      </p:sp>
+      <p:sp>
+        <p:nvSpPr>
+          <p:cNvPr id="3" name="Content Placeholder 2"/>
+          <p:cNvSpPr>
+            <a:spLocks noGrp="1"/>
+          </p:cNvSpPr>
+          <p:nvPr>
+            <p:ph idx="1"/>
+          </p:nvPr>
+        </p:nvSpPr>
+        <p:spPr>
+          <a:xfrm>
+            <a:off x="457200" y="1992208"/>
+            <a:ext cx="8229600" cy="4389120"/>
+          </a:xfrm>
+        </p:spPr>
+        <p:txBody>
+          <a:bodyPr>
+            <a:normAutofit/>
+          </a:bodyPr>
+          <a:lstStyle/>
+          <a:p>
+            <a:r>
+              <a:rPr lang="en-IN" dirty="0" smtClean="0"/>
+              <a:t>Declaration of functions and </a:t>
+            </a:r>
+            <a:r>
+              <a:rPr lang="en-IN" dirty="0" err="1" smtClean="0"/>
+              <a:t>varibales</a:t>
+            </a:r>
+            <a:r>
+              <a:rPr lang="en-IN" dirty="0" smtClean="0"/>
+              <a:t> defined in another TU</a:t>
+            </a:r>
+          </a:p>
+          <a:p>
+            <a:r>
+              <a:rPr lang="en-IN" dirty="0" smtClean="0"/>
+              <a:t>Not allowed for members and function parameters</a:t>
+            </a:r>
+          </a:p>
+          <a:p>
+            <a:r>
+              <a:rPr lang="en-IN" dirty="0" smtClean="0"/>
+              <a:t>Specifies External linkage</a:t>
+            </a:r>
+          </a:p>
+          <a:p>
+            <a:r>
+              <a:rPr lang="en-IN" dirty="0" smtClean="0"/>
+              <a:t>All extern have static or thread durations</a:t>
+            </a:r>
+          </a:p>
+          <a:p>
+            <a:endParaRPr lang="en-IN" dirty="0" smtClean="0"/>
+          </a:p>
+          <a:p>
+            <a:endParaRPr lang="en-IN" dirty="0" smtClean="0"/>
+          </a:p>
+          <a:p>
+            <a:endParaRPr lang="en-IN" dirty="0" smtClean="0"/>
+          </a:p>
+          <a:p>
+            <a:endParaRPr lang="en-IN" dirty="0" smtClean="0"/>
+          </a:p>
+          <a:p>
+            <a:endParaRPr lang="en-IN" dirty="0"/>
           </a:p>
         </p:txBody>
       </p:sp>
@@ -4276,4 +9768,287 @@
   <a:objectDefaults/>
   <a:extraClrSchemeLst/>
 </a:theme>
+</file>
+
+<file path=ppt/theme/theme2.xml><?xml version="1.0" encoding="utf-8"?>
+<a:theme xmlns:a="http://schemas.openxmlformats.org/drawingml/2006/main" name="Office Theme">
+  <a:themeElements>
+    <a:clrScheme name="Office">
+      <a:dk1>
+        <a:sysClr val="windowText" lastClr="000000"/>
+      </a:dk1>
+      <a:lt1>
+        <a:sysClr val="window" lastClr="FFFFFF"/>
+      </a:lt1>
+      <a:dk2>
+        <a:srgbClr val="1F497D"/>
+      </a:dk2>
+      <a:lt2>
+        <a:srgbClr val="EEECE1"/>
+      </a:lt2>
+      <a:accent1>
+        <a:srgbClr val="4F81BD"/>
+      </a:accent1>
+      <a:accent2>
+        <a:srgbClr val="C0504D"/>
+      </a:accent2>
+      <a:accent3>
+        <a:srgbClr val="9BBB59"/>
+      </a:accent3>
+      <a:accent4>
+        <a:srgbClr val="8064A2"/>
+      </a:accent4>
+      <a:accent5>
+        <a:srgbClr val="4BACC6"/>
+      </a:accent5>
+      <a:accent6>
+        <a:srgbClr val="F79646"/>
+      </a:accent6>
+      <a:hlink>
+        <a:srgbClr val="0000FF"/>
+      </a:hlink>
+      <a:folHlink>
+        <a:srgbClr val="800080"/>
+      </a:folHlink>
+    </a:clrScheme>
+    <a:fontScheme name="Office">
+      <a:majorFont>
+        <a:latin typeface="Calibri"/>
+        <a:ea typeface=""/>
+        <a:cs typeface=""/>
+        <a:font script="Jpan" typeface="ＭＳ Ｐゴシック"/>
+        <a:font script="Hang" typeface="맑은 고딕"/>
+        <a:font script="Hans" typeface="宋体"/>
+        <a:font script="Hant" typeface="新細明體"/>
+        <a:font script="Arab" typeface="Times New Roman"/>
+        <a:font script="Hebr" typeface="Times New Roman"/>
+        <a:font script="Thai" typeface="Angsana New"/>
+        <a:font script="Ethi" typeface="Nyala"/>
+        <a:font script="Beng" typeface="Vrinda"/>
+        <a:font script="Gujr" typeface="Shruti"/>
+        <a:font script="Khmr" typeface="MoolBoran"/>
+        <a:font script="Knda" typeface="Tunga"/>
+        <a:font script="Guru" typeface="Raavi"/>
+        <a:font script="Cans" typeface="Euphemia"/>
+        <a:font script="Cher" typeface="Plantagenet Cherokee"/>
+        <a:font script="Yiii" typeface="Microsoft Yi Baiti"/>
+        <a:font script="Tibt" typeface="Microsoft Himalaya"/>
+        <a:font script="Thaa" typeface="MV Boli"/>
+        <a:font script="Deva" typeface="Mangal"/>
+        <a:font script="Telu" typeface="Gautami"/>
+        <a:font script="Taml" typeface="Latha"/>
+        <a:font script="Syrc" typeface="Estrangelo Edessa"/>
+        <a:font script="Orya" typeface="Kalinga"/>
+        <a:font script="Mlym" typeface="Kartika"/>
+        <a:font script="Laoo" typeface="DokChampa"/>
+        <a:font script="Sinh" typeface="Iskoola Pota"/>
+        <a:font script="Mong" typeface="Mongolian Baiti"/>
+        <a:font script="Viet" typeface="Times New Roman"/>
+        <a:font script="Uigh" typeface="Microsoft Uighur"/>
+      </a:majorFont>
+      <a:minorFont>
+        <a:latin typeface="Calibri"/>
+        <a:ea typeface=""/>
+        <a:cs typeface=""/>
+        <a:font script="Jpan" typeface="ＭＳ Ｐゴシック"/>
+        <a:font script="Hang" typeface="맑은 고딕"/>
+        <a:font script="Hans" typeface="宋体"/>
+        <a:font script="Hant" typeface="新細明體"/>
+        <a:font script="Arab" typeface="Arial"/>
+        <a:font script="Hebr" typeface="Arial"/>
+        <a:font script="Thai" typeface="Cordia New"/>
+        <a:font script="Ethi" typeface="Nyala"/>
+        <a:font script="Beng" typeface="Vrinda"/>
+        <a:font script="Gujr" typeface="Shruti"/>
+        <a:font script="Khmr" typeface="DaunPenh"/>
+        <a:font script="Knda" typeface="Tunga"/>
+        <a:font script="Guru" typeface="Raavi"/>
+        <a:font script="Cans" typeface="Euphemia"/>
+        <a:font script="Cher" typeface="Plantagenet Cherokee"/>
+        <a:font script="Yiii" typeface="Microsoft Yi Baiti"/>
+        <a:font script="Tibt" typeface="Microsoft Himalaya"/>
+        <a:font script="Thaa" typeface="MV Boli"/>
+        <a:font script="Deva" typeface="Mangal"/>
+        <a:font script="Telu" typeface="Gautami"/>
+        <a:font script="Taml" typeface="Latha"/>
+        <a:font script="Syrc" typeface="Estrangelo Edessa"/>
+        <a:font script="Orya" typeface="Kalinga"/>
+        <a:font script="Mlym" typeface="Kartika"/>
+        <a:font script="Laoo" typeface="DokChampa"/>
+        <a:font script="Sinh" typeface="Iskoola Pota"/>
+        <a:font script="Mong" typeface="Mongolian Baiti"/>
+        <a:font script="Viet" typeface="Arial"/>
+        <a:font script="Uigh" typeface="Microsoft Uighur"/>
+      </a:minorFont>
+    </a:fontScheme>
+    <a:fmtScheme name="Office">
+      <a:fillStyleLst>
+        <a:solidFill>
+          <a:schemeClr val="phClr"/>
+        </a:solidFill>
+        <a:gradFill rotWithShape="1">
+          <a:gsLst>
+            <a:gs pos="0">
+              <a:schemeClr val="phClr">
+                <a:tint val="50000"/>
+                <a:satMod val="300000"/>
+              </a:schemeClr>
+            </a:gs>
+            <a:gs pos="35000">
+              <a:schemeClr val="phClr">
+                <a:tint val="37000"/>
+                <a:satMod val="300000"/>
+              </a:schemeClr>
+            </a:gs>
+            <a:gs pos="100000">
+              <a:schemeClr val="phClr">
+                <a:tint val="15000"/>
+                <a:satMod val="350000"/>
+              </a:schemeClr>
+            </a:gs>
+          </a:gsLst>
+          <a:lin ang="16200000" scaled="1"/>
+        </a:gradFill>
+        <a:gradFill rotWithShape="1">
+          <a:gsLst>
+            <a:gs pos="0">
+              <a:schemeClr val="phClr">
+                <a:shade val="51000"/>
+                <a:satMod val="130000"/>
+              </a:schemeClr>
+            </a:gs>
+            <a:gs pos="80000">
+              <a:schemeClr val="phClr">
+                <a:shade val="93000"/>
+                <a:satMod val="130000"/>
+              </a:schemeClr>
+            </a:gs>
+            <a:gs pos="100000">
+              <a:schemeClr val="phClr">
+                <a:shade val="94000"/>
+                <a:satMod val="135000"/>
+              </a:schemeClr>
+            </a:gs>
+          </a:gsLst>
+          <a:lin ang="16200000" scaled="0"/>
+        </a:gradFill>
+      </a:fillStyleLst>
+      <a:lnStyleLst>
+        <a:ln w="9525" cap="flat" cmpd="sng" algn="ctr">
+          <a:solidFill>
+            <a:schemeClr val="phClr">
+              <a:shade val="95000"/>
+              <a:satMod val="105000"/>
+            </a:schemeClr>
+          </a:solidFill>
+          <a:prstDash val="solid"/>
+        </a:ln>
+        <a:ln w="25400" cap="flat" cmpd="sng" algn="ctr">
+          <a:solidFill>
+            <a:schemeClr val="phClr"/>
+          </a:solidFill>
+          <a:prstDash val="solid"/>
+        </a:ln>
+        <a:ln w="38100" cap="flat" cmpd="sng" algn="ctr">
+          <a:solidFill>
+            <a:schemeClr val="phClr"/>
+          </a:solidFill>
+          <a:prstDash val="solid"/>
+        </a:ln>
+      </a:lnStyleLst>
+      <a:effectStyleLst>
+        <a:effectStyle>
+          <a:effectLst>
+            <a:outerShdw blurRad="40000" dist="20000" dir="5400000" rotWithShape="0">
+              <a:srgbClr val="000000">
+                <a:alpha val="38000"/>
+              </a:srgbClr>
+            </a:outerShdw>
+          </a:effectLst>
+        </a:effectStyle>
+        <a:effectStyle>
+          <a:effectLst>
+            <a:outerShdw blurRad="40000" dist="23000" dir="5400000" rotWithShape="0">
+              <a:srgbClr val="000000">
+                <a:alpha val="35000"/>
+              </a:srgbClr>
+            </a:outerShdw>
+          </a:effectLst>
+        </a:effectStyle>
+        <a:effectStyle>
+          <a:effectLst>
+            <a:outerShdw blurRad="40000" dist="23000" dir="5400000" rotWithShape="0">
+              <a:srgbClr val="000000">
+                <a:alpha val="35000"/>
+              </a:srgbClr>
+            </a:outerShdw>
+          </a:effectLst>
+          <a:scene3d>
+            <a:camera prst="orthographicFront">
+              <a:rot lat="0" lon="0" rev="0"/>
+            </a:camera>
+            <a:lightRig rig="threePt" dir="t">
+              <a:rot lat="0" lon="0" rev="1200000"/>
+            </a:lightRig>
+          </a:scene3d>
+          <a:sp3d>
+            <a:bevelT w="63500" h="25400"/>
+          </a:sp3d>
+        </a:effectStyle>
+      </a:effectStyleLst>
+      <a:bgFillStyleLst>
+        <a:solidFill>
+          <a:schemeClr val="phClr"/>
+        </a:solidFill>
+        <a:gradFill rotWithShape="1">
+          <a:gsLst>
+            <a:gs pos="0">
+              <a:schemeClr val="phClr">
+                <a:tint val="40000"/>
+                <a:satMod val="350000"/>
+              </a:schemeClr>
+            </a:gs>
+            <a:gs pos="40000">
+              <a:schemeClr val="phClr">
+                <a:tint val="45000"/>
+                <a:shade val="99000"/>
+                <a:satMod val="350000"/>
+              </a:schemeClr>
+            </a:gs>
+            <a:gs pos="100000">
+              <a:schemeClr val="phClr">
+                <a:shade val="20000"/>
+                <a:satMod val="255000"/>
+              </a:schemeClr>
+            </a:gs>
+          </a:gsLst>
+          <a:path path="circle">
+            <a:fillToRect l="50000" t="-80000" r="50000" b="180000"/>
+          </a:path>
+        </a:gradFill>
+        <a:gradFill rotWithShape="1">
+          <a:gsLst>
+            <a:gs pos="0">
+              <a:schemeClr val="phClr">
+                <a:tint val="80000"/>
+                <a:satMod val="300000"/>
+              </a:schemeClr>
+            </a:gs>
+            <a:gs pos="100000">
+              <a:schemeClr val="phClr">
+                <a:shade val="30000"/>
+                <a:satMod val="200000"/>
+              </a:schemeClr>
+            </a:gs>
+          </a:gsLst>
+          <a:path path="circle">
+            <a:fillToRect l="50000" t="50000" r="50000" b="50000"/>
+          </a:path>
+        </a:gradFill>
+      </a:bgFillStyleLst>
+    </a:fmtScheme>
+  </a:themeElements>
+  <a:objectDefaults/>
+  <a:extraClrSchemeLst/>
+</a:theme>
 </file>